--- a/Revisao/Aula1_Revisao_ReactNative.pptx
+++ b/Revisao/Aula1_Revisao_ReactNative.pptx
@@ -5,7 +5,7 @@
     <p:sldMasterId id="2147483660" r:id="rId4"/>
   </p:sldMasterIdLst>
   <p:notesMasterIdLst>
-    <p:notesMasterId r:id="rId55"/>
+    <p:notesMasterId r:id="rId64"/>
   </p:notesMasterIdLst>
   <p:sldIdLst>
     <p:sldId id="256" r:id="rId5"/>
@@ -25,39 +25,48 @@
     <p:sldId id="264" r:id="rId19"/>
     <p:sldId id="270" r:id="rId20"/>
     <p:sldId id="265" r:id="rId21"/>
-    <p:sldId id="268" r:id="rId22"/>
-    <p:sldId id="269" r:id="rId23"/>
-    <p:sldId id="274" r:id="rId24"/>
-    <p:sldId id="276" r:id="rId25"/>
-    <p:sldId id="277" r:id="rId26"/>
-    <p:sldId id="278" r:id="rId27"/>
-    <p:sldId id="279" r:id="rId28"/>
-    <p:sldId id="280" r:id="rId29"/>
-    <p:sldId id="271" r:id="rId30"/>
-    <p:sldId id="272" r:id="rId31"/>
-    <p:sldId id="275" r:id="rId32"/>
-    <p:sldId id="281" r:id="rId33"/>
-    <p:sldId id="282" r:id="rId34"/>
-    <p:sldId id="285" r:id="rId35"/>
-    <p:sldId id="286" r:id="rId36"/>
-    <p:sldId id="287" r:id="rId37"/>
-    <p:sldId id="288" r:id="rId38"/>
-    <p:sldId id="289" r:id="rId39"/>
-    <p:sldId id="290" r:id="rId40"/>
-    <p:sldId id="291" r:id="rId41"/>
-    <p:sldId id="292" r:id="rId42"/>
-    <p:sldId id="303" r:id="rId43"/>
-    <p:sldId id="283" r:id="rId44"/>
-    <p:sldId id="304" r:id="rId45"/>
-    <p:sldId id="284" r:id="rId46"/>
-    <p:sldId id="293" r:id="rId47"/>
-    <p:sldId id="294" r:id="rId48"/>
-    <p:sldId id="295" r:id="rId49"/>
-    <p:sldId id="296" r:id="rId50"/>
-    <p:sldId id="297" r:id="rId51"/>
-    <p:sldId id="298" r:id="rId52"/>
-    <p:sldId id="299" r:id="rId53"/>
-    <p:sldId id="305" r:id="rId54"/>
+    <p:sldId id="306" r:id="rId22"/>
+    <p:sldId id="307" r:id="rId23"/>
+    <p:sldId id="308" r:id="rId24"/>
+    <p:sldId id="309" r:id="rId25"/>
+    <p:sldId id="268" r:id="rId26"/>
+    <p:sldId id="269" r:id="rId27"/>
+    <p:sldId id="274" r:id="rId28"/>
+    <p:sldId id="310" r:id="rId29"/>
+    <p:sldId id="311" r:id="rId30"/>
+    <p:sldId id="312" r:id="rId31"/>
+    <p:sldId id="276" r:id="rId32"/>
+    <p:sldId id="277" r:id="rId33"/>
+    <p:sldId id="278" r:id="rId34"/>
+    <p:sldId id="279" r:id="rId35"/>
+    <p:sldId id="280" r:id="rId36"/>
+    <p:sldId id="271" r:id="rId37"/>
+    <p:sldId id="272" r:id="rId38"/>
+    <p:sldId id="275" r:id="rId39"/>
+    <p:sldId id="281" r:id="rId40"/>
+    <p:sldId id="314" r:id="rId41"/>
+    <p:sldId id="282" r:id="rId42"/>
+    <p:sldId id="285" r:id="rId43"/>
+    <p:sldId id="286" r:id="rId44"/>
+    <p:sldId id="287" r:id="rId45"/>
+    <p:sldId id="288" r:id="rId46"/>
+    <p:sldId id="289" r:id="rId47"/>
+    <p:sldId id="290" r:id="rId48"/>
+    <p:sldId id="291" r:id="rId49"/>
+    <p:sldId id="292" r:id="rId50"/>
+    <p:sldId id="313" r:id="rId51"/>
+    <p:sldId id="303" r:id="rId52"/>
+    <p:sldId id="283" r:id="rId53"/>
+    <p:sldId id="304" r:id="rId54"/>
+    <p:sldId id="284" r:id="rId55"/>
+    <p:sldId id="293" r:id="rId56"/>
+    <p:sldId id="294" r:id="rId57"/>
+    <p:sldId id="295" r:id="rId58"/>
+    <p:sldId id="296" r:id="rId59"/>
+    <p:sldId id="297" r:id="rId60"/>
+    <p:sldId id="298" r:id="rId61"/>
+    <p:sldId id="299" r:id="rId62"/>
+    <p:sldId id="305" r:id="rId63"/>
   </p:sldIdLst>
   <p:sldSz cx="9144000" cy="6858000" type="screen4x3"/>
   <p:notesSz cx="6858000" cy="9144000"/>
@@ -173,14 +182,6 @@
     </p:ext>
   </p:extLst>
 </p:presentation>
-</file>
-
-<file path=ppt/revisionInfo.xml><?xml version="1.0" encoding="utf-8"?>
-<p1510:revInfo xmlns:a="http://schemas.openxmlformats.org/drawingml/2006/main" xmlns:r="http://schemas.openxmlformats.org/officeDocument/2006/relationships" xmlns:p1510="http://schemas.microsoft.com/office/powerpoint/2015/10/main">
-  <p1510:revLst>
-    <p1510:client id="{E2212CFA-A44A-E442-B671-AB5A1C2F723E}" v="2" dt="2025-05-19T12:28:32.189"/>
-  </p1510:revLst>
-</p1510:revInfo>
 </file>
 
 <file path=ppt/notesMasters/notesMaster1.xml><?xml version="1.0" encoding="utf-8"?>
@@ -716,6 +717,1284 @@
     <p:extLst>
       <p:ext uri="{BB962C8B-B14F-4D97-AF65-F5344CB8AC3E}">
         <p14:creationId xmlns:p14="http://schemas.microsoft.com/office/powerpoint/2010/main" val="603513589"/>
+      </p:ext>
+    </p:extLst>
+  </p:cSld>
+  <p:clrMapOvr>
+    <a:masterClrMapping/>
+  </p:clrMapOvr>
+</p:notes>
+</file>
+
+<file path=ppt/notesSlides/notesSlide3.xml><?xml version="1.0" encoding="utf-8"?>
+<p:notes xmlns:a="http://schemas.openxmlformats.org/drawingml/2006/main" xmlns:r="http://schemas.openxmlformats.org/officeDocument/2006/relationships" xmlns:p="http://schemas.openxmlformats.org/presentationml/2006/main">
+  <p:cSld>
+    <p:spTree>
+      <p:nvGrpSpPr>
+        <p:cNvPr id="1" name=""/>
+        <p:cNvGrpSpPr/>
+        <p:nvPr/>
+      </p:nvGrpSpPr>
+      <p:grpSpPr>
+        <a:xfrm>
+          <a:off x="0" y="0"/>
+          <a:ext cx="0" cy="0"/>
+          <a:chOff x="0" y="0"/>
+          <a:chExt cx="0" cy="0"/>
+        </a:xfrm>
+      </p:grpSpPr>
+      <p:sp>
+        <p:nvSpPr>
+          <p:cNvPr id="2" name="Slide Image Placeholder 1"/>
+          <p:cNvSpPr>
+            <a:spLocks noGrp="1" noRot="1" noChangeAspect="1"/>
+          </p:cNvSpPr>
+          <p:nvPr>
+            <p:ph type="sldImg"/>
+          </p:nvPr>
+        </p:nvSpPr>
+        <p:spPr/>
+      </p:sp>
+      <p:sp>
+        <p:nvSpPr>
+          <p:cNvPr id="3" name="Notes Placeholder 2"/>
+          <p:cNvSpPr>
+            <a:spLocks noGrp="1"/>
+          </p:cNvSpPr>
+          <p:nvPr>
+            <p:ph type="body" idx="1"/>
+          </p:nvPr>
+        </p:nvSpPr>
+        <p:spPr/>
+        <p:txBody>
+          <a:bodyPr/>
+          <a:lstStyle/>
+          <a:p>
+            <a:r>
+              <a:rPr lang="en-US" b="1" dirty="0" err="1"/>
+              <a:t>Gabarito</a:t>
+            </a:r>
+            <a:r>
+              <a:rPr lang="en-US" b="1" dirty="0"/>
+              <a:t>:</a:t>
+            </a:r>
+            <a:r>
+              <a:rPr lang="en-US" dirty="0"/>
+              <a:t> </a:t>
+            </a:r>
+            <a:r>
+              <a:rPr lang="en-US" b="1" dirty="0"/>
+              <a:t>B</a:t>
+            </a:r>
+            <a:br>
+              <a:rPr lang="en-US" dirty="0"/>
+            </a:br>
+            <a:r>
+              <a:rPr lang="en-BR" dirty="0"/>
+              <a:t>📌 </a:t>
+            </a:r>
+            <a:r>
+              <a:rPr lang="en-US" dirty="0" err="1"/>
+              <a:t>Justificativa</a:t>
+            </a:r>
+            <a:r>
+              <a:rPr lang="en-US" dirty="0"/>
+              <a:t>: </a:t>
+            </a:r>
+            <a:r>
+              <a:rPr lang="en-US" dirty="0" err="1"/>
+              <a:t>como</a:t>
+            </a:r>
+            <a:r>
+              <a:rPr lang="en-US" dirty="0"/>
+              <a:t> soma </a:t>
+            </a:r>
+            <a:r>
+              <a:rPr lang="en-US" dirty="0" err="1"/>
+              <a:t>foi</a:t>
+            </a:r>
+            <a:r>
+              <a:rPr lang="en-US" dirty="0"/>
+              <a:t> </a:t>
+            </a:r>
+            <a:r>
+              <a:rPr lang="en-US" dirty="0" err="1"/>
+              <a:t>exportada</a:t>
+            </a:r>
+            <a:r>
+              <a:rPr lang="en-US" dirty="0"/>
+              <a:t> </a:t>
+            </a:r>
+            <a:r>
+              <a:rPr lang="en-US" b="1" dirty="0" err="1"/>
+              <a:t>nomeadamente</a:t>
+            </a:r>
+            <a:r>
+              <a:rPr lang="en-US" dirty="0"/>
+              <a:t>, </a:t>
+            </a:r>
+            <a:r>
+              <a:rPr lang="en-US" dirty="0" err="1"/>
+              <a:t>deve</a:t>
+            </a:r>
+            <a:r>
+              <a:rPr lang="en-US" dirty="0"/>
+              <a:t> ser </a:t>
+            </a:r>
+            <a:r>
+              <a:rPr lang="en-US" dirty="0" err="1"/>
+              <a:t>importada</a:t>
+            </a:r>
+            <a:r>
+              <a:rPr lang="en-US" dirty="0"/>
+              <a:t> </a:t>
+            </a:r>
+            <a:r>
+              <a:rPr lang="en-US" b="1" dirty="0"/>
+              <a:t>com </a:t>
+            </a:r>
+            <a:r>
+              <a:rPr lang="en-US" b="1" dirty="0" err="1"/>
+              <a:t>chaves</a:t>
+            </a:r>
+            <a:r>
+              <a:rPr lang="en-US" dirty="0"/>
+              <a:t>.</a:t>
+            </a:r>
+            <a:endParaRPr lang="en-BR" dirty="0"/>
+          </a:p>
+        </p:txBody>
+      </p:sp>
+      <p:sp>
+        <p:nvSpPr>
+          <p:cNvPr id="4" name="Slide Number Placeholder 3"/>
+          <p:cNvSpPr>
+            <a:spLocks noGrp="1"/>
+          </p:cNvSpPr>
+          <p:nvPr>
+            <p:ph type="sldNum" sz="quarter" idx="5"/>
+          </p:nvPr>
+        </p:nvSpPr>
+        <p:spPr/>
+        <p:txBody>
+          <a:bodyPr/>
+          <a:lstStyle/>
+          <a:p>
+            <a:fld id="{5DBCCAB6-77E6-A545-B919-6648D5ACBB4C}" type="slidenum">
+              <a:rPr lang="en-BR" smtClean="0"/>
+              <a:t>18</a:t>
+            </a:fld>
+            <a:endParaRPr lang="en-BR"/>
+          </a:p>
+        </p:txBody>
+      </p:sp>
+    </p:spTree>
+    <p:extLst>
+      <p:ext uri="{BB962C8B-B14F-4D97-AF65-F5344CB8AC3E}">
+        <p14:creationId xmlns:p14="http://schemas.microsoft.com/office/powerpoint/2010/main" val="2884005652"/>
+      </p:ext>
+    </p:extLst>
+  </p:cSld>
+  <p:clrMapOvr>
+    <a:masterClrMapping/>
+  </p:clrMapOvr>
+</p:notes>
+</file>
+
+<file path=ppt/notesSlides/notesSlide4.xml><?xml version="1.0" encoding="utf-8"?>
+<p:notes xmlns:a="http://schemas.openxmlformats.org/drawingml/2006/main" xmlns:r="http://schemas.openxmlformats.org/officeDocument/2006/relationships" xmlns:p="http://schemas.openxmlformats.org/presentationml/2006/main">
+  <p:cSld>
+    <p:spTree>
+      <p:nvGrpSpPr>
+        <p:cNvPr id="1" name=""/>
+        <p:cNvGrpSpPr/>
+        <p:nvPr/>
+      </p:nvGrpSpPr>
+      <p:grpSpPr>
+        <a:xfrm>
+          <a:off x="0" y="0"/>
+          <a:ext cx="0" cy="0"/>
+          <a:chOff x="0" y="0"/>
+          <a:chExt cx="0" cy="0"/>
+        </a:xfrm>
+      </p:grpSpPr>
+      <p:sp>
+        <p:nvSpPr>
+          <p:cNvPr id="2" name="Slide Image Placeholder 1"/>
+          <p:cNvSpPr>
+            <a:spLocks noGrp="1" noRot="1" noChangeAspect="1"/>
+          </p:cNvSpPr>
+          <p:nvPr>
+            <p:ph type="sldImg"/>
+          </p:nvPr>
+        </p:nvSpPr>
+        <p:spPr/>
+      </p:sp>
+      <p:sp>
+        <p:nvSpPr>
+          <p:cNvPr id="3" name="Notes Placeholder 2"/>
+          <p:cNvSpPr>
+            <a:spLocks noGrp="1"/>
+          </p:cNvSpPr>
+          <p:nvPr>
+            <p:ph type="body" idx="1"/>
+          </p:nvPr>
+        </p:nvSpPr>
+        <p:spPr/>
+        <p:txBody>
+          <a:bodyPr/>
+          <a:lstStyle/>
+          <a:p>
+            <a:r>
+              <a:rPr lang="en-US" b="1" dirty="0" err="1"/>
+              <a:t>Gabarito</a:t>
+            </a:r>
+            <a:r>
+              <a:rPr lang="en-US" b="1" dirty="0"/>
+              <a:t>:</a:t>
+            </a:r>
+            <a:r>
+              <a:rPr lang="en-US" dirty="0"/>
+              <a:t> </a:t>
+            </a:r>
+            <a:r>
+              <a:rPr lang="en-US" b="1" dirty="0"/>
+              <a:t>B</a:t>
+            </a:r>
+            <a:br>
+              <a:rPr lang="en-US" dirty="0"/>
+            </a:br>
+            <a:r>
+              <a:rPr lang="en-BR" dirty="0"/>
+              <a:t>📌 </a:t>
+            </a:r>
+            <a:r>
+              <a:rPr lang="en-US" dirty="0" err="1"/>
+              <a:t>Justificativa</a:t>
+            </a:r>
+            <a:r>
+              <a:rPr lang="en-US" dirty="0"/>
+              <a:t>: export default </a:t>
+            </a:r>
+            <a:r>
+              <a:rPr lang="en-US" dirty="0" err="1"/>
+              <a:t>deve</a:t>
+            </a:r>
+            <a:r>
+              <a:rPr lang="en-US" dirty="0"/>
+              <a:t> ser </a:t>
+            </a:r>
+            <a:r>
+              <a:rPr lang="en-US" dirty="0" err="1"/>
+              <a:t>importado</a:t>
+            </a:r>
+            <a:r>
+              <a:rPr lang="en-US" dirty="0"/>
+              <a:t> </a:t>
+            </a:r>
+            <a:r>
+              <a:rPr lang="en-US" b="1" dirty="0" err="1"/>
+              <a:t>sem</a:t>
+            </a:r>
+            <a:r>
+              <a:rPr lang="en-US" b="1" dirty="0"/>
+              <a:t> </a:t>
+            </a:r>
+            <a:r>
+              <a:rPr lang="en-US" b="1" dirty="0" err="1"/>
+              <a:t>chaves</a:t>
+            </a:r>
+            <a:r>
+              <a:rPr lang="en-US" dirty="0"/>
+              <a:t>.</a:t>
+            </a:r>
+            <a:endParaRPr lang="en-BR" dirty="0"/>
+          </a:p>
+        </p:txBody>
+      </p:sp>
+      <p:sp>
+        <p:nvSpPr>
+          <p:cNvPr id="4" name="Slide Number Placeholder 3"/>
+          <p:cNvSpPr>
+            <a:spLocks noGrp="1"/>
+          </p:cNvSpPr>
+          <p:nvPr>
+            <p:ph type="sldNum" sz="quarter" idx="5"/>
+          </p:nvPr>
+        </p:nvSpPr>
+        <p:spPr/>
+        <p:txBody>
+          <a:bodyPr/>
+          <a:lstStyle/>
+          <a:p>
+            <a:fld id="{5DBCCAB6-77E6-A545-B919-6648D5ACBB4C}" type="slidenum">
+              <a:rPr lang="en-BR" smtClean="0"/>
+              <a:t>19</a:t>
+            </a:fld>
+            <a:endParaRPr lang="en-BR"/>
+          </a:p>
+        </p:txBody>
+      </p:sp>
+    </p:spTree>
+    <p:extLst>
+      <p:ext uri="{BB962C8B-B14F-4D97-AF65-F5344CB8AC3E}">
+        <p14:creationId xmlns:p14="http://schemas.microsoft.com/office/powerpoint/2010/main" val="3240878379"/>
+      </p:ext>
+    </p:extLst>
+  </p:cSld>
+  <p:clrMapOvr>
+    <a:masterClrMapping/>
+  </p:clrMapOvr>
+</p:notes>
+</file>
+
+<file path=ppt/notesSlides/notesSlide5.xml><?xml version="1.0" encoding="utf-8"?>
+<p:notes xmlns:a="http://schemas.openxmlformats.org/drawingml/2006/main" xmlns:r="http://schemas.openxmlformats.org/officeDocument/2006/relationships" xmlns:p="http://schemas.openxmlformats.org/presentationml/2006/main">
+  <p:cSld>
+    <p:spTree>
+      <p:nvGrpSpPr>
+        <p:cNvPr id="1" name=""/>
+        <p:cNvGrpSpPr/>
+        <p:nvPr/>
+      </p:nvGrpSpPr>
+      <p:grpSpPr>
+        <a:xfrm>
+          <a:off x="0" y="0"/>
+          <a:ext cx="0" cy="0"/>
+          <a:chOff x="0" y="0"/>
+          <a:chExt cx="0" cy="0"/>
+        </a:xfrm>
+      </p:grpSpPr>
+      <p:sp>
+        <p:nvSpPr>
+          <p:cNvPr id="2" name="Slide Image Placeholder 1"/>
+          <p:cNvSpPr>
+            <a:spLocks noGrp="1" noRot="1" noChangeAspect="1"/>
+          </p:cNvSpPr>
+          <p:nvPr>
+            <p:ph type="sldImg"/>
+          </p:nvPr>
+        </p:nvSpPr>
+        <p:spPr/>
+      </p:sp>
+      <p:sp>
+        <p:nvSpPr>
+          <p:cNvPr id="3" name="Notes Placeholder 2"/>
+          <p:cNvSpPr>
+            <a:spLocks noGrp="1"/>
+          </p:cNvSpPr>
+          <p:nvPr>
+            <p:ph type="body" idx="1"/>
+          </p:nvPr>
+        </p:nvSpPr>
+        <p:spPr/>
+        <p:txBody>
+          <a:bodyPr/>
+          <a:lstStyle/>
+          <a:p>
+            <a:pPr marL="0" marR="0" lvl="0" indent="0" algn="l" defTabSz="914400" rtl="0" eaLnBrk="1" fontAlgn="auto" latinLnBrk="0" hangingPunct="1">
+              <a:lnSpc>
+                <a:spcPct val="100000"/>
+              </a:lnSpc>
+              <a:spcBef>
+                <a:spcPts val="0"/>
+              </a:spcBef>
+              <a:spcAft>
+                <a:spcPts val="0"/>
+              </a:spcAft>
+              <a:buClrTx/>
+              <a:buSzTx/>
+              <a:buFontTx/>
+              <a:buNone/>
+              <a:tabLst/>
+              <a:defRPr/>
+            </a:pPr>
+            <a:r>
+              <a:rPr lang="en-US" b="1" dirty="0" err="1"/>
+              <a:t>Gabarito</a:t>
+            </a:r>
+            <a:r>
+              <a:rPr lang="en-US" b="1" dirty="0"/>
+              <a:t>:</a:t>
+            </a:r>
+            <a:r>
+              <a:rPr lang="en-US" dirty="0"/>
+              <a:t> </a:t>
+            </a:r>
+            <a:r>
+              <a:rPr lang="en-US" b="1" dirty="0"/>
+              <a:t>B</a:t>
+            </a:r>
+            <a:br>
+              <a:rPr lang="en-US" dirty="0"/>
+            </a:br>
+            <a:r>
+              <a:rPr lang="en-BR" dirty="0"/>
+              <a:t>📌 </a:t>
+            </a:r>
+            <a:r>
+              <a:rPr lang="en-US" dirty="0" err="1"/>
+              <a:t>Justificativa</a:t>
+            </a:r>
+            <a:r>
+              <a:rPr lang="en-US" dirty="0"/>
+              <a:t>: </a:t>
+            </a:r>
+            <a:r>
+              <a:rPr lang="en-US" dirty="0" err="1"/>
+              <a:t>Saudacao</a:t>
+            </a:r>
+            <a:r>
+              <a:rPr lang="en-US" dirty="0"/>
+              <a:t> </a:t>
+            </a:r>
+            <a:r>
+              <a:rPr lang="en-US" dirty="0" err="1"/>
+              <a:t>foi</a:t>
+            </a:r>
+            <a:r>
+              <a:rPr lang="en-US" dirty="0"/>
+              <a:t> </a:t>
+            </a:r>
+            <a:r>
+              <a:rPr lang="en-US" dirty="0" err="1"/>
+              <a:t>exportada</a:t>
+            </a:r>
+            <a:r>
+              <a:rPr lang="en-US" dirty="0"/>
+              <a:t> </a:t>
+            </a:r>
+            <a:r>
+              <a:rPr lang="en-US" dirty="0" err="1"/>
+              <a:t>como</a:t>
+            </a:r>
+            <a:r>
+              <a:rPr lang="en-US" dirty="0"/>
+              <a:t> </a:t>
+            </a:r>
+            <a:r>
+              <a:rPr lang="en-US" b="1" dirty="0"/>
+              <a:t>default</a:t>
+            </a:r>
+            <a:r>
+              <a:rPr lang="en-US" dirty="0"/>
+              <a:t>, </a:t>
+            </a:r>
+            <a:r>
+              <a:rPr lang="en-US" dirty="0" err="1"/>
+              <a:t>portanto</a:t>
+            </a:r>
+            <a:r>
+              <a:rPr lang="en-US" dirty="0"/>
+              <a:t> </a:t>
+            </a:r>
+            <a:r>
+              <a:rPr lang="en-US" b="1" dirty="0" err="1"/>
+              <a:t>não</a:t>
+            </a:r>
+            <a:r>
+              <a:rPr lang="en-US" b="1" dirty="0"/>
+              <a:t> </a:t>
+            </a:r>
+            <a:r>
+              <a:rPr lang="en-US" b="1" dirty="0" err="1"/>
+              <a:t>pode</a:t>
+            </a:r>
+            <a:r>
+              <a:rPr lang="en-US" b="1" dirty="0"/>
+              <a:t> ser </a:t>
+            </a:r>
+            <a:r>
+              <a:rPr lang="en-US" b="1" dirty="0" err="1"/>
+              <a:t>importada</a:t>
+            </a:r>
+            <a:r>
+              <a:rPr lang="en-US" b="1" dirty="0"/>
+              <a:t> com </a:t>
+            </a:r>
+            <a:r>
+              <a:rPr lang="en-US" b="1" dirty="0" err="1"/>
+              <a:t>chaves</a:t>
+            </a:r>
+            <a:r>
+              <a:rPr lang="en-US" dirty="0"/>
+              <a:t>.</a:t>
+            </a:r>
+          </a:p>
+          <a:p>
+            <a:endParaRPr lang="en-BR" dirty="0"/>
+          </a:p>
+        </p:txBody>
+      </p:sp>
+      <p:sp>
+        <p:nvSpPr>
+          <p:cNvPr id="4" name="Slide Number Placeholder 3"/>
+          <p:cNvSpPr>
+            <a:spLocks noGrp="1"/>
+          </p:cNvSpPr>
+          <p:nvPr>
+            <p:ph type="sldNum" sz="quarter" idx="5"/>
+          </p:nvPr>
+        </p:nvSpPr>
+        <p:spPr/>
+        <p:txBody>
+          <a:bodyPr/>
+          <a:lstStyle/>
+          <a:p>
+            <a:fld id="{5DBCCAB6-77E6-A545-B919-6648D5ACBB4C}" type="slidenum">
+              <a:rPr lang="en-BR" smtClean="0"/>
+              <a:t>20</a:t>
+            </a:fld>
+            <a:endParaRPr lang="en-BR"/>
+          </a:p>
+        </p:txBody>
+      </p:sp>
+    </p:spTree>
+    <p:extLst>
+      <p:ext uri="{BB962C8B-B14F-4D97-AF65-F5344CB8AC3E}">
+        <p14:creationId xmlns:p14="http://schemas.microsoft.com/office/powerpoint/2010/main" val="4031202466"/>
+      </p:ext>
+    </p:extLst>
+  </p:cSld>
+  <p:clrMapOvr>
+    <a:masterClrMapping/>
+  </p:clrMapOvr>
+</p:notes>
+</file>
+
+<file path=ppt/notesSlides/notesSlide6.xml><?xml version="1.0" encoding="utf-8"?>
+<p:notes xmlns:a="http://schemas.openxmlformats.org/drawingml/2006/main" xmlns:r="http://schemas.openxmlformats.org/officeDocument/2006/relationships" xmlns:p="http://schemas.openxmlformats.org/presentationml/2006/main">
+  <p:cSld>
+    <p:spTree>
+      <p:nvGrpSpPr>
+        <p:cNvPr id="1" name=""/>
+        <p:cNvGrpSpPr/>
+        <p:nvPr/>
+      </p:nvGrpSpPr>
+      <p:grpSpPr>
+        <a:xfrm>
+          <a:off x="0" y="0"/>
+          <a:ext cx="0" cy="0"/>
+          <a:chOff x="0" y="0"/>
+          <a:chExt cx="0" cy="0"/>
+        </a:xfrm>
+      </p:grpSpPr>
+      <p:sp>
+        <p:nvSpPr>
+          <p:cNvPr id="2" name="Slide Image Placeholder 1"/>
+          <p:cNvSpPr>
+            <a:spLocks noGrp="1" noRot="1" noChangeAspect="1"/>
+          </p:cNvSpPr>
+          <p:nvPr>
+            <p:ph type="sldImg"/>
+          </p:nvPr>
+        </p:nvSpPr>
+        <p:spPr/>
+      </p:sp>
+      <p:sp>
+        <p:nvSpPr>
+          <p:cNvPr id="3" name="Notes Placeholder 2"/>
+          <p:cNvSpPr>
+            <a:spLocks noGrp="1"/>
+          </p:cNvSpPr>
+          <p:nvPr>
+            <p:ph type="body" idx="1"/>
+          </p:nvPr>
+        </p:nvSpPr>
+        <p:spPr/>
+        <p:txBody>
+          <a:bodyPr/>
+          <a:lstStyle/>
+          <a:p>
+            <a:r>
+              <a:rPr lang="en-US" b="1" dirty="0" err="1"/>
+              <a:t>Gabarito</a:t>
+            </a:r>
+            <a:r>
+              <a:rPr lang="en-US" b="1" dirty="0"/>
+              <a:t>:</a:t>
+            </a:r>
+            <a:r>
+              <a:rPr lang="en-US" dirty="0"/>
+              <a:t> </a:t>
+            </a:r>
+            <a:r>
+              <a:rPr lang="en-US" b="1" dirty="0"/>
+              <a:t>B</a:t>
+            </a:r>
+            <a:br>
+              <a:rPr lang="en-US" dirty="0"/>
+            </a:br>
+            <a:r>
+              <a:rPr lang="en-BR" dirty="0"/>
+              <a:t>📌 </a:t>
+            </a:r>
+            <a:r>
+              <a:rPr lang="en-US" dirty="0" err="1"/>
+              <a:t>Justificativa</a:t>
+            </a:r>
+            <a:r>
+              <a:rPr lang="en-US" dirty="0"/>
+              <a:t>: </a:t>
+            </a:r>
+            <a:r>
+              <a:rPr lang="en-US" dirty="0" err="1"/>
+              <a:t>ao</a:t>
+            </a:r>
+            <a:r>
+              <a:rPr lang="en-US" dirty="0"/>
+              <a:t> </a:t>
+            </a:r>
+            <a:r>
+              <a:rPr lang="en-US" dirty="0" err="1"/>
+              <a:t>importar</a:t>
+            </a:r>
+            <a:r>
+              <a:rPr lang="en-US" dirty="0"/>
+              <a:t> um export default, </a:t>
+            </a:r>
+            <a:r>
+              <a:rPr lang="en-US" dirty="0" err="1"/>
+              <a:t>você</a:t>
+            </a:r>
+            <a:r>
+              <a:rPr lang="en-US" dirty="0"/>
+              <a:t> </a:t>
+            </a:r>
+            <a:r>
+              <a:rPr lang="en-US" dirty="0" err="1"/>
+              <a:t>pode</a:t>
+            </a:r>
+            <a:r>
+              <a:rPr lang="en-US" dirty="0"/>
+              <a:t> </a:t>
+            </a:r>
+            <a:r>
+              <a:rPr lang="en-US" dirty="0" err="1"/>
+              <a:t>dar</a:t>
+            </a:r>
+            <a:r>
+              <a:rPr lang="en-US" dirty="0"/>
+              <a:t> </a:t>
+            </a:r>
+            <a:r>
+              <a:rPr lang="en-US" dirty="0" err="1"/>
+              <a:t>qualquer</a:t>
+            </a:r>
+            <a:r>
+              <a:rPr lang="en-US" dirty="0"/>
+              <a:t> </a:t>
+            </a:r>
+            <a:r>
+              <a:rPr lang="en-US" dirty="0" err="1"/>
+              <a:t>nome</a:t>
+            </a:r>
+            <a:r>
+              <a:rPr lang="en-US" dirty="0"/>
+              <a:t> à </a:t>
+            </a:r>
+            <a:r>
+              <a:rPr lang="en-US" dirty="0" err="1"/>
+              <a:t>importação</a:t>
+            </a:r>
+            <a:r>
+              <a:rPr lang="en-US" dirty="0"/>
+              <a:t>.</a:t>
+            </a:r>
+          </a:p>
+        </p:txBody>
+      </p:sp>
+      <p:sp>
+        <p:nvSpPr>
+          <p:cNvPr id="4" name="Slide Number Placeholder 3"/>
+          <p:cNvSpPr>
+            <a:spLocks noGrp="1"/>
+          </p:cNvSpPr>
+          <p:nvPr>
+            <p:ph type="sldNum" sz="quarter" idx="5"/>
+          </p:nvPr>
+        </p:nvSpPr>
+        <p:spPr/>
+        <p:txBody>
+          <a:bodyPr/>
+          <a:lstStyle/>
+          <a:p>
+            <a:fld id="{5DBCCAB6-77E6-A545-B919-6648D5ACBB4C}" type="slidenum">
+              <a:rPr lang="en-BR" smtClean="0"/>
+              <a:t>21</a:t>
+            </a:fld>
+            <a:endParaRPr lang="en-BR"/>
+          </a:p>
+        </p:txBody>
+      </p:sp>
+    </p:spTree>
+    <p:extLst>
+      <p:ext uri="{BB962C8B-B14F-4D97-AF65-F5344CB8AC3E}">
+        <p14:creationId xmlns:p14="http://schemas.microsoft.com/office/powerpoint/2010/main" val="4251306144"/>
+      </p:ext>
+    </p:extLst>
+  </p:cSld>
+  <p:clrMapOvr>
+    <a:masterClrMapping/>
+  </p:clrMapOvr>
+</p:notes>
+</file>
+
+<file path=ppt/notesSlides/notesSlide7.xml><?xml version="1.0" encoding="utf-8"?>
+<p:notes xmlns:a="http://schemas.openxmlformats.org/drawingml/2006/main" xmlns:r="http://schemas.openxmlformats.org/officeDocument/2006/relationships" xmlns:p="http://schemas.openxmlformats.org/presentationml/2006/main">
+  <p:cSld>
+    <p:spTree>
+      <p:nvGrpSpPr>
+        <p:cNvPr id="1" name=""/>
+        <p:cNvGrpSpPr/>
+        <p:nvPr/>
+      </p:nvGrpSpPr>
+      <p:grpSpPr>
+        <a:xfrm>
+          <a:off x="0" y="0"/>
+          <a:ext cx="0" cy="0"/>
+          <a:chOff x="0" y="0"/>
+          <a:chExt cx="0" cy="0"/>
+        </a:xfrm>
+      </p:grpSpPr>
+      <p:sp>
+        <p:nvSpPr>
+          <p:cNvPr id="2" name="Slide Image Placeholder 1"/>
+          <p:cNvSpPr>
+            <a:spLocks noGrp="1" noRot="1" noChangeAspect="1"/>
+          </p:cNvSpPr>
+          <p:nvPr>
+            <p:ph type="sldImg"/>
+          </p:nvPr>
+        </p:nvSpPr>
+        <p:spPr/>
+      </p:sp>
+      <p:sp>
+        <p:nvSpPr>
+          <p:cNvPr id="3" name="Notes Placeholder 2"/>
+          <p:cNvSpPr>
+            <a:spLocks noGrp="1"/>
+          </p:cNvSpPr>
+          <p:nvPr>
+            <p:ph type="body" idx="1"/>
+          </p:nvPr>
+        </p:nvSpPr>
+        <p:spPr/>
+        <p:txBody>
+          <a:bodyPr/>
+          <a:lstStyle/>
+          <a:p>
+            <a:pPr marL="0" marR="0" lvl="0" indent="0" algn="l" defTabSz="914400" rtl="0" eaLnBrk="1" fontAlgn="auto" latinLnBrk="0" hangingPunct="1">
+              <a:lnSpc>
+                <a:spcPct val="100000"/>
+              </a:lnSpc>
+              <a:spcBef>
+                <a:spcPts val="0"/>
+              </a:spcBef>
+              <a:spcAft>
+                <a:spcPts val="0"/>
+              </a:spcAft>
+              <a:buClrTx/>
+              <a:buSzTx/>
+              <a:buFontTx/>
+              <a:buNone/>
+              <a:tabLst/>
+              <a:defRPr/>
+            </a:pPr>
+            <a:r>
+              <a:rPr lang="en-US" b="1" dirty="0" err="1"/>
+              <a:t>Gabarito</a:t>
+            </a:r>
+            <a:r>
+              <a:rPr lang="en-US" b="1" dirty="0"/>
+              <a:t>:</a:t>
+            </a:r>
+            <a:r>
+              <a:rPr lang="en-US" dirty="0"/>
+              <a:t> </a:t>
+            </a:r>
+            <a:r>
+              <a:rPr lang="en-US" b="1" dirty="0"/>
+              <a:t>C</a:t>
+            </a:r>
+            <a:br>
+              <a:rPr lang="en-US" dirty="0"/>
+            </a:br>
+            <a:r>
+              <a:rPr lang="en-BR" dirty="0"/>
+              <a:t>📌 </a:t>
+            </a:r>
+            <a:r>
+              <a:rPr lang="en-US" dirty="0" err="1"/>
+              <a:t>Justificativa</a:t>
+            </a:r>
+            <a:r>
+              <a:rPr lang="en-US" dirty="0"/>
+              <a:t>: Em </a:t>
+            </a:r>
+            <a:r>
+              <a:rPr lang="en-US" dirty="0" err="1"/>
+              <a:t>componentes</a:t>
+            </a:r>
+            <a:r>
+              <a:rPr lang="en-US" dirty="0"/>
+              <a:t> </a:t>
+            </a:r>
+            <a:r>
+              <a:rPr lang="en-US" dirty="0" err="1"/>
+              <a:t>funcionais</a:t>
+            </a:r>
+            <a:r>
+              <a:rPr lang="en-US" dirty="0"/>
+              <a:t>, </a:t>
+            </a:r>
+            <a:r>
+              <a:rPr lang="en-US" dirty="0" err="1"/>
+              <a:t>só</a:t>
+            </a:r>
+            <a:r>
+              <a:rPr lang="en-US" dirty="0"/>
+              <a:t> </a:t>
+            </a:r>
+            <a:r>
+              <a:rPr lang="en-US" dirty="0" err="1"/>
+              <a:t>usamos</a:t>
+            </a:r>
+            <a:r>
+              <a:rPr lang="en-US" dirty="0"/>
+              <a:t> return. </a:t>
+            </a:r>
+            <a:r>
+              <a:rPr lang="en-US" dirty="0" err="1"/>
+              <a:t>Não</a:t>
+            </a:r>
+            <a:r>
+              <a:rPr lang="en-US" dirty="0"/>
+              <a:t> </a:t>
+            </a:r>
+            <a:r>
+              <a:rPr lang="en-US" dirty="0" err="1"/>
+              <a:t>existe</a:t>
+            </a:r>
+            <a:r>
+              <a:rPr lang="en-US" dirty="0"/>
+              <a:t> render().</a:t>
+            </a:r>
+          </a:p>
+          <a:p>
+            <a:endParaRPr lang="en-BR" dirty="0"/>
+          </a:p>
+        </p:txBody>
+      </p:sp>
+      <p:sp>
+        <p:nvSpPr>
+          <p:cNvPr id="4" name="Slide Number Placeholder 3"/>
+          <p:cNvSpPr>
+            <a:spLocks noGrp="1"/>
+          </p:cNvSpPr>
+          <p:nvPr>
+            <p:ph type="sldNum" sz="quarter" idx="5"/>
+          </p:nvPr>
+        </p:nvSpPr>
+        <p:spPr/>
+        <p:txBody>
+          <a:bodyPr/>
+          <a:lstStyle/>
+          <a:p>
+            <a:fld id="{5DBCCAB6-77E6-A545-B919-6648D5ACBB4C}" type="slidenum">
+              <a:rPr lang="en-BR" smtClean="0"/>
+              <a:t>25</a:t>
+            </a:fld>
+            <a:endParaRPr lang="en-BR"/>
+          </a:p>
+        </p:txBody>
+      </p:sp>
+    </p:spTree>
+    <p:extLst>
+      <p:ext uri="{BB962C8B-B14F-4D97-AF65-F5344CB8AC3E}">
+        <p14:creationId xmlns:p14="http://schemas.microsoft.com/office/powerpoint/2010/main" val="3918733838"/>
+      </p:ext>
+    </p:extLst>
+  </p:cSld>
+  <p:clrMapOvr>
+    <a:masterClrMapping/>
+  </p:clrMapOvr>
+</p:notes>
+</file>
+
+<file path=ppt/notesSlides/notesSlide8.xml><?xml version="1.0" encoding="utf-8"?>
+<p:notes xmlns:a="http://schemas.openxmlformats.org/drawingml/2006/main" xmlns:r="http://schemas.openxmlformats.org/officeDocument/2006/relationships" xmlns:p="http://schemas.openxmlformats.org/presentationml/2006/main">
+  <p:cSld>
+    <p:spTree>
+      <p:nvGrpSpPr>
+        <p:cNvPr id="1" name="">
+          <a:extLst>
+            <a:ext uri="{FF2B5EF4-FFF2-40B4-BE49-F238E27FC236}">
+              <a16:creationId xmlns:a16="http://schemas.microsoft.com/office/drawing/2014/main" id="{D568E075-A3B4-D3CE-7658-43EE530815D8}"/>
+            </a:ext>
+          </a:extLst>
+        </p:cNvPr>
+        <p:cNvGrpSpPr/>
+        <p:nvPr/>
+      </p:nvGrpSpPr>
+      <p:grpSpPr>
+        <a:xfrm>
+          <a:off x="0" y="0"/>
+          <a:ext cx="0" cy="0"/>
+          <a:chOff x="0" y="0"/>
+          <a:chExt cx="0" cy="0"/>
+        </a:xfrm>
+      </p:grpSpPr>
+      <p:sp>
+        <p:nvSpPr>
+          <p:cNvPr id="2" name="Slide Image Placeholder 1">
+            <a:extLst>
+              <a:ext uri="{FF2B5EF4-FFF2-40B4-BE49-F238E27FC236}">
+                <a16:creationId xmlns:a16="http://schemas.microsoft.com/office/drawing/2014/main" id="{A6608C1E-3FA4-4939-7381-E150385F5D39}"/>
+              </a:ext>
+            </a:extLst>
+          </p:cNvPr>
+          <p:cNvSpPr>
+            <a:spLocks noGrp="1" noRot="1" noChangeAspect="1"/>
+          </p:cNvSpPr>
+          <p:nvPr>
+            <p:ph type="sldImg"/>
+          </p:nvPr>
+        </p:nvSpPr>
+        <p:spPr/>
+      </p:sp>
+      <p:sp>
+        <p:nvSpPr>
+          <p:cNvPr id="3" name="Notes Placeholder 2">
+            <a:extLst>
+              <a:ext uri="{FF2B5EF4-FFF2-40B4-BE49-F238E27FC236}">
+                <a16:creationId xmlns:a16="http://schemas.microsoft.com/office/drawing/2014/main" id="{087A8917-2833-0C62-8AF5-35E1A3B7E2D6}"/>
+              </a:ext>
+            </a:extLst>
+          </p:cNvPr>
+          <p:cNvSpPr>
+            <a:spLocks noGrp="1"/>
+          </p:cNvSpPr>
+          <p:nvPr>
+            <p:ph type="body" idx="1"/>
+          </p:nvPr>
+        </p:nvSpPr>
+        <p:spPr/>
+        <p:txBody>
+          <a:bodyPr/>
+          <a:lstStyle/>
+          <a:p>
+            <a:pPr marL="0" marR="0" lvl="0" indent="0" algn="l" defTabSz="914400" rtl="0" eaLnBrk="1" fontAlgn="auto" latinLnBrk="0" hangingPunct="1">
+              <a:lnSpc>
+                <a:spcPct val="100000"/>
+              </a:lnSpc>
+              <a:spcBef>
+                <a:spcPts val="0"/>
+              </a:spcBef>
+              <a:spcAft>
+                <a:spcPts val="0"/>
+              </a:spcAft>
+              <a:buClrTx/>
+              <a:buSzTx/>
+              <a:buFontTx/>
+              <a:buNone/>
+              <a:tabLst/>
+              <a:defRPr/>
+            </a:pPr>
+            <a:r>
+              <a:rPr lang="en-US" b="1" dirty="0" err="1"/>
+              <a:t>Gabarito</a:t>
+            </a:r>
+            <a:r>
+              <a:rPr lang="en-US" b="1" dirty="0"/>
+              <a:t>:</a:t>
+            </a:r>
+            <a:r>
+              <a:rPr lang="en-US" dirty="0"/>
+              <a:t> </a:t>
+            </a:r>
+            <a:r>
+              <a:rPr lang="en-US" b="1" dirty="0"/>
+              <a:t>C</a:t>
+            </a:r>
+            <a:br>
+              <a:rPr lang="en-US" dirty="0"/>
+            </a:br>
+            <a:r>
+              <a:rPr lang="en-BR" dirty="0"/>
+              <a:t>📌 </a:t>
+            </a:r>
+            <a:r>
+              <a:rPr lang="en-US" dirty="0" err="1"/>
+              <a:t>Justificativa</a:t>
+            </a:r>
+            <a:r>
+              <a:rPr lang="en-US" dirty="0"/>
+              <a:t>: </a:t>
+            </a:r>
+            <a:r>
+              <a:rPr lang="en-US" dirty="0" err="1"/>
+              <a:t>Componentes</a:t>
+            </a:r>
+            <a:r>
+              <a:rPr lang="en-US" dirty="0"/>
+              <a:t> de </a:t>
+            </a:r>
+            <a:r>
+              <a:rPr lang="en-US" dirty="0" err="1"/>
+              <a:t>classe</a:t>
+            </a:r>
+            <a:r>
+              <a:rPr lang="en-US" dirty="0"/>
+              <a:t> </a:t>
+            </a:r>
+            <a:r>
+              <a:rPr lang="en-US" dirty="0" err="1"/>
+              <a:t>estendem</a:t>
+            </a:r>
+            <a:r>
+              <a:rPr lang="en-US" dirty="0"/>
+              <a:t> </a:t>
+            </a:r>
+            <a:r>
+              <a:rPr lang="en-US" dirty="0" err="1"/>
+              <a:t>React.Component</a:t>
+            </a:r>
+            <a:r>
+              <a:rPr lang="en-US" dirty="0"/>
+              <a:t> e </a:t>
+            </a:r>
+            <a:r>
+              <a:rPr lang="en-US" dirty="0" err="1"/>
+              <a:t>definem</a:t>
+            </a:r>
+            <a:r>
+              <a:rPr lang="en-US" dirty="0"/>
+              <a:t> o JSX </a:t>
+            </a:r>
+            <a:r>
+              <a:rPr lang="en-US" dirty="0" err="1"/>
+              <a:t>dentro</a:t>
+            </a:r>
+            <a:r>
+              <a:rPr lang="en-US" dirty="0"/>
+              <a:t> de render().</a:t>
+            </a:r>
+            <a:endParaRPr lang="en-BR" dirty="0"/>
+          </a:p>
+        </p:txBody>
+      </p:sp>
+      <p:sp>
+        <p:nvSpPr>
+          <p:cNvPr id="4" name="Slide Number Placeholder 3">
+            <a:extLst>
+              <a:ext uri="{FF2B5EF4-FFF2-40B4-BE49-F238E27FC236}">
+                <a16:creationId xmlns:a16="http://schemas.microsoft.com/office/drawing/2014/main" id="{B8B9D0E2-5A6E-E2FE-069A-1199A879679F}"/>
+              </a:ext>
+            </a:extLst>
+          </p:cNvPr>
+          <p:cNvSpPr>
+            <a:spLocks noGrp="1"/>
+          </p:cNvSpPr>
+          <p:nvPr>
+            <p:ph type="sldNum" sz="quarter" idx="5"/>
+          </p:nvPr>
+        </p:nvSpPr>
+        <p:spPr/>
+        <p:txBody>
+          <a:bodyPr/>
+          <a:lstStyle/>
+          <a:p>
+            <a:fld id="{5DBCCAB6-77E6-A545-B919-6648D5ACBB4C}" type="slidenum">
+              <a:rPr lang="en-BR" smtClean="0"/>
+              <a:t>26</a:t>
+            </a:fld>
+            <a:endParaRPr lang="en-BR"/>
+          </a:p>
+        </p:txBody>
+      </p:sp>
+    </p:spTree>
+    <p:extLst>
+      <p:ext uri="{BB962C8B-B14F-4D97-AF65-F5344CB8AC3E}">
+        <p14:creationId xmlns:p14="http://schemas.microsoft.com/office/powerpoint/2010/main" val="689999226"/>
+      </p:ext>
+    </p:extLst>
+  </p:cSld>
+  <p:clrMapOvr>
+    <a:masterClrMapping/>
+  </p:clrMapOvr>
+</p:notes>
+</file>
+
+<file path=ppt/notesSlides/notesSlide9.xml><?xml version="1.0" encoding="utf-8"?>
+<p:notes xmlns:a="http://schemas.openxmlformats.org/drawingml/2006/main" xmlns:r="http://schemas.openxmlformats.org/officeDocument/2006/relationships" xmlns:p="http://schemas.openxmlformats.org/presentationml/2006/main">
+  <p:cSld>
+    <p:spTree>
+      <p:nvGrpSpPr>
+        <p:cNvPr id="1" name="">
+          <a:extLst>
+            <a:ext uri="{FF2B5EF4-FFF2-40B4-BE49-F238E27FC236}">
+              <a16:creationId xmlns:a16="http://schemas.microsoft.com/office/drawing/2014/main" id="{A4F8E4DA-C8D7-972D-46A2-58D992A38304}"/>
+            </a:ext>
+          </a:extLst>
+        </p:cNvPr>
+        <p:cNvGrpSpPr/>
+        <p:nvPr/>
+      </p:nvGrpSpPr>
+      <p:grpSpPr>
+        <a:xfrm>
+          <a:off x="0" y="0"/>
+          <a:ext cx="0" cy="0"/>
+          <a:chOff x="0" y="0"/>
+          <a:chExt cx="0" cy="0"/>
+        </a:xfrm>
+      </p:grpSpPr>
+      <p:sp>
+        <p:nvSpPr>
+          <p:cNvPr id="2" name="Slide Image Placeholder 1">
+            <a:extLst>
+              <a:ext uri="{FF2B5EF4-FFF2-40B4-BE49-F238E27FC236}">
+                <a16:creationId xmlns:a16="http://schemas.microsoft.com/office/drawing/2014/main" id="{8A2F2C84-DE10-FAB3-D53F-DE71C404C5F6}"/>
+              </a:ext>
+            </a:extLst>
+          </p:cNvPr>
+          <p:cNvSpPr>
+            <a:spLocks noGrp="1" noRot="1" noChangeAspect="1"/>
+          </p:cNvSpPr>
+          <p:nvPr>
+            <p:ph type="sldImg"/>
+          </p:nvPr>
+        </p:nvSpPr>
+        <p:spPr/>
+      </p:sp>
+      <p:sp>
+        <p:nvSpPr>
+          <p:cNvPr id="3" name="Notes Placeholder 2">
+            <a:extLst>
+              <a:ext uri="{FF2B5EF4-FFF2-40B4-BE49-F238E27FC236}">
+                <a16:creationId xmlns:a16="http://schemas.microsoft.com/office/drawing/2014/main" id="{0F039104-31D9-87B8-9BF6-28BE028D510A}"/>
+              </a:ext>
+            </a:extLst>
+          </p:cNvPr>
+          <p:cNvSpPr>
+            <a:spLocks noGrp="1"/>
+          </p:cNvSpPr>
+          <p:nvPr>
+            <p:ph type="body" idx="1"/>
+          </p:nvPr>
+        </p:nvSpPr>
+        <p:spPr/>
+        <p:txBody>
+          <a:bodyPr/>
+          <a:lstStyle/>
+          <a:p>
+            <a:r>
+              <a:rPr lang="en-US" b="1" dirty="0" err="1"/>
+              <a:t>Gabarito</a:t>
+            </a:r>
+            <a:r>
+              <a:rPr lang="en-US" b="1" dirty="0"/>
+              <a:t>:</a:t>
+            </a:r>
+            <a:r>
+              <a:rPr lang="en-US" dirty="0"/>
+              <a:t> </a:t>
+            </a:r>
+            <a:r>
+              <a:rPr lang="en-US" b="1" dirty="0"/>
+              <a:t>C</a:t>
+            </a:r>
+            <a:br>
+              <a:rPr lang="en-US" dirty="0"/>
+            </a:br>
+            <a:r>
+              <a:rPr lang="en-BR" dirty="0"/>
+              <a:t>📌 </a:t>
+            </a:r>
+            <a:r>
+              <a:rPr lang="en-US" dirty="0" err="1"/>
+              <a:t>Justificativa</a:t>
+            </a:r>
+            <a:r>
+              <a:rPr lang="en-US" dirty="0"/>
+              <a:t>: </a:t>
+            </a:r>
+            <a:r>
+              <a:rPr lang="en-US" dirty="0" err="1"/>
+              <a:t>Funcionais</a:t>
+            </a:r>
+            <a:r>
+              <a:rPr lang="en-US" dirty="0"/>
+              <a:t> </a:t>
+            </a:r>
+            <a:r>
+              <a:rPr lang="en-US" dirty="0" err="1"/>
+              <a:t>usam</a:t>
+            </a:r>
+            <a:r>
+              <a:rPr lang="en-US" dirty="0"/>
+              <a:t> </a:t>
+            </a:r>
+            <a:r>
+              <a:rPr lang="en-US" dirty="0" err="1"/>
+              <a:t>só</a:t>
+            </a:r>
+            <a:r>
+              <a:rPr lang="en-US" dirty="0"/>
+              <a:t> return. Classes </a:t>
+            </a:r>
+            <a:r>
+              <a:rPr lang="en-US" dirty="0" err="1"/>
+              <a:t>usam</a:t>
+            </a:r>
+            <a:r>
+              <a:rPr lang="en-US" dirty="0"/>
+              <a:t> render() e </a:t>
+            </a:r>
+            <a:r>
+              <a:rPr lang="en-US" dirty="0" err="1"/>
+              <a:t>dentro</a:t>
+            </a:r>
+            <a:r>
+              <a:rPr lang="en-US" dirty="0"/>
+              <a:t> dele, return.</a:t>
+            </a:r>
+          </a:p>
+        </p:txBody>
+      </p:sp>
+      <p:sp>
+        <p:nvSpPr>
+          <p:cNvPr id="4" name="Slide Number Placeholder 3">
+            <a:extLst>
+              <a:ext uri="{FF2B5EF4-FFF2-40B4-BE49-F238E27FC236}">
+                <a16:creationId xmlns:a16="http://schemas.microsoft.com/office/drawing/2014/main" id="{27868464-86EF-602E-99E6-43A45FD9DC29}"/>
+              </a:ext>
+            </a:extLst>
+          </p:cNvPr>
+          <p:cNvSpPr>
+            <a:spLocks noGrp="1"/>
+          </p:cNvSpPr>
+          <p:nvPr>
+            <p:ph type="sldNum" sz="quarter" idx="5"/>
+          </p:nvPr>
+        </p:nvSpPr>
+        <p:spPr/>
+        <p:txBody>
+          <a:bodyPr/>
+          <a:lstStyle/>
+          <a:p>
+            <a:fld id="{5DBCCAB6-77E6-A545-B919-6648D5ACBB4C}" type="slidenum">
+              <a:rPr lang="en-BR" smtClean="0"/>
+              <a:t>27</a:t>
+            </a:fld>
+            <a:endParaRPr lang="en-BR"/>
+          </a:p>
+        </p:txBody>
+      </p:sp>
+    </p:spTree>
+    <p:extLst>
+      <p:ext uri="{BB962C8B-B14F-4D97-AF65-F5344CB8AC3E}">
+        <p14:creationId xmlns:p14="http://schemas.microsoft.com/office/powerpoint/2010/main" val="72186079"/>
       </p:ext>
     </p:extLst>
   </p:cSld>
@@ -7793,7 +9072,13 @@
       </p:grpSpPr>
       <p:sp>
         <p:nvSpPr>
-          <p:cNvPr id="2" name="Title 1"/>
+          <p:cNvPr id="2" name="Title 1">
+            <a:extLst>
+              <a:ext uri="{FF2B5EF4-FFF2-40B4-BE49-F238E27FC236}">
+                <a16:creationId xmlns:a16="http://schemas.microsoft.com/office/drawing/2014/main" id="{522F7FD9-EAC3-EEC7-9BFE-63F6678C18D7}"/>
+              </a:ext>
+            </a:extLst>
+          </p:cNvPr>
           <p:cNvSpPr>
             <a:spLocks noGrp="1"/>
           </p:cNvSpPr>
@@ -7803,305 +9088,264 @@
         </p:nvSpPr>
         <p:spPr/>
         <p:txBody>
-          <a:bodyPr>
-            <a:normAutofit/>
+          <a:bodyPr/>
+          <a:lstStyle/>
+          <a:p>
+            <a:r>
+              <a:rPr lang="en-BR" dirty="0"/>
+              <a:t>Exercicio</a:t>
+            </a:r>
+          </a:p>
+        </p:txBody>
+      </p:sp>
+      <p:sp>
+        <p:nvSpPr>
+          <p:cNvPr id="3" name="Content Placeholder 2">
+            <a:extLst>
+              <a:ext uri="{FF2B5EF4-FFF2-40B4-BE49-F238E27FC236}">
+                <a16:creationId xmlns:a16="http://schemas.microsoft.com/office/drawing/2014/main" id="{4CEFC64E-50ED-1E86-72FD-884A47863585}"/>
+              </a:ext>
+            </a:extLst>
+          </p:cNvPr>
+          <p:cNvSpPr>
+            <a:spLocks noGrp="1"/>
+          </p:cNvSpPr>
+          <p:nvPr>
+            <p:ph idx="1"/>
+          </p:nvPr>
+        </p:nvSpPr>
+        <p:spPr>
+          <a:xfrm>
+            <a:off x="594360" y="3517900"/>
+            <a:ext cx="7955280" cy="2745740"/>
+          </a:xfrm>
+        </p:spPr>
+        <p:txBody>
+          <a:bodyPr/>
+          <a:lstStyle/>
+          <a:p>
+            <a:pPr>
+              <a:buNone/>
+            </a:pPr>
+            <a:r>
+              <a:rPr lang="en-US" b="1" dirty="0" err="1"/>
+              <a:t>Pergunta</a:t>
+            </a:r>
+            <a:r>
+              <a:rPr lang="en-US" b="1" dirty="0"/>
+              <a:t> 1:</a:t>
+            </a:r>
+            <a:r>
+              <a:rPr lang="en-US" dirty="0"/>
+              <a:t> Como </a:t>
+            </a:r>
+            <a:r>
+              <a:rPr lang="en-US" dirty="0" err="1"/>
+              <a:t>importar</a:t>
+            </a:r>
+            <a:r>
+              <a:rPr lang="en-US" dirty="0"/>
+              <a:t> </a:t>
+            </a:r>
+            <a:r>
+              <a:rPr lang="en-US" dirty="0" err="1"/>
+              <a:t>corretamente</a:t>
+            </a:r>
+            <a:r>
+              <a:rPr lang="en-US" dirty="0"/>
+              <a:t> </a:t>
+            </a:r>
+            <a:r>
+              <a:rPr lang="en-US" dirty="0" err="1"/>
+              <a:t>essa</a:t>
+            </a:r>
+            <a:r>
+              <a:rPr lang="en-US" dirty="0"/>
+              <a:t> </a:t>
+            </a:r>
+            <a:r>
+              <a:rPr lang="en-US" dirty="0" err="1"/>
+              <a:t>função</a:t>
+            </a:r>
+            <a:r>
+              <a:rPr lang="en-US" dirty="0"/>
+              <a:t> </a:t>
+            </a:r>
+            <a:r>
+              <a:rPr lang="en-US" dirty="0" err="1"/>
+              <a:t>em</a:t>
+            </a:r>
+            <a:r>
+              <a:rPr lang="en-US" dirty="0"/>
+              <a:t> outro </a:t>
+            </a:r>
+            <a:r>
+              <a:rPr lang="en-US" dirty="0" err="1"/>
+              <a:t>arquivo</a:t>
+            </a:r>
+            <a:r>
+              <a:rPr lang="en-US" dirty="0"/>
+              <a:t>?</a:t>
+            </a:r>
+          </a:p>
+          <a:p>
+            <a:r>
+              <a:rPr lang="en-US" dirty="0"/>
+              <a:t>A) import { </a:t>
+            </a:r>
+            <a:r>
+              <a:rPr lang="en-US" dirty="0" err="1"/>
+              <a:t>Saudacao</a:t>
+            </a:r>
+            <a:r>
+              <a:rPr lang="en-US" dirty="0"/>
+              <a:t> } from './</a:t>
+            </a:r>
+            <a:r>
+              <a:rPr lang="en-US" dirty="0" err="1"/>
+              <a:t>saudacao</a:t>
+            </a:r>
+            <a:r>
+              <a:rPr lang="en-US" dirty="0"/>
+              <a:t>';</a:t>
+            </a:r>
+            <a:br>
+              <a:rPr lang="en-US" dirty="0"/>
+            </a:br>
+            <a:r>
+              <a:rPr lang="en-US" dirty="0"/>
+              <a:t>B) import </a:t>
+            </a:r>
+            <a:r>
+              <a:rPr lang="en-US" dirty="0" err="1"/>
+              <a:t>Saudacao</a:t>
+            </a:r>
+            <a:r>
+              <a:rPr lang="en-US" dirty="0"/>
+              <a:t> from './</a:t>
+            </a:r>
+            <a:r>
+              <a:rPr lang="en-US" dirty="0" err="1"/>
+              <a:t>saudacao</a:t>
+            </a:r>
+            <a:r>
+              <a:rPr lang="en-US" dirty="0"/>
+              <a:t>';</a:t>
+            </a:r>
+            <a:br>
+              <a:rPr lang="en-US" dirty="0"/>
+            </a:br>
+            <a:r>
+              <a:rPr lang="en-US" dirty="0"/>
+              <a:t>C) import * as </a:t>
+            </a:r>
+            <a:r>
+              <a:rPr lang="en-US" dirty="0" err="1"/>
+              <a:t>Saudacao</a:t>
+            </a:r>
+            <a:r>
+              <a:rPr lang="en-US" dirty="0"/>
+              <a:t> from './</a:t>
+            </a:r>
+            <a:r>
+              <a:rPr lang="en-US" dirty="0" err="1"/>
+              <a:t>saudacao</a:t>
+            </a:r>
+            <a:r>
+              <a:rPr lang="en-US" dirty="0"/>
+              <a:t>';</a:t>
+            </a:r>
+            <a:br>
+              <a:rPr lang="en-US" dirty="0"/>
+            </a:br>
+            <a:r>
+              <a:rPr lang="en-US" dirty="0"/>
+              <a:t>D) import </a:t>
+            </a:r>
+            <a:r>
+              <a:rPr lang="en-US" dirty="0" err="1"/>
+              <a:t>saudacao</a:t>
+            </a:r>
+            <a:r>
+              <a:rPr lang="en-US" dirty="0"/>
+              <a:t> from './</a:t>
+            </a:r>
+            <a:r>
+              <a:rPr lang="en-US" dirty="0" err="1"/>
+              <a:t>saudacao.js</a:t>
+            </a:r>
+            <a:r>
+              <a:rPr lang="en-US" dirty="0"/>
+              <a:t>';</a:t>
+            </a:r>
+          </a:p>
+          <a:p>
+            <a:pPr marL="0" indent="0">
+              <a:buNone/>
+            </a:pPr>
+            <a:endParaRPr lang="en-BR" dirty="0"/>
+          </a:p>
+        </p:txBody>
+      </p:sp>
+      <p:sp>
+        <p:nvSpPr>
+          <p:cNvPr id="5" name="TextBox 4">
+            <a:extLst>
+              <a:ext uri="{FF2B5EF4-FFF2-40B4-BE49-F238E27FC236}">
+                <a16:creationId xmlns:a16="http://schemas.microsoft.com/office/drawing/2014/main" id="{48020CD8-9778-630A-5818-06C017BF4A6C}"/>
+              </a:ext>
+            </a:extLst>
+          </p:cNvPr>
+          <p:cNvSpPr txBox="1"/>
+          <p:nvPr/>
+        </p:nvSpPr>
+        <p:spPr>
+          <a:xfrm>
+            <a:off x="1447800" y="1939836"/>
+            <a:ext cx="4572000" cy="1200329"/>
+          </a:xfrm>
+          <a:prstGeom prst="rect">
+            <a:avLst/>
+          </a:prstGeom>
+          <a:noFill/>
+        </p:spPr>
+        <p:txBody>
+          <a:bodyPr wrap="square">
+            <a:spAutoFit/>
           </a:bodyPr>
           <a:lstStyle/>
           <a:p>
             <a:r>
-              <a:rPr lang="pt-BR" dirty="0"/>
-              <a:t>DM4 - </a:t>
-            </a:r>
-            <a:r>
-              <a:rPr dirty="0" err="1"/>
-              <a:t>Diferença</a:t>
-            </a:r>
-            <a:r>
-              <a:rPr dirty="0"/>
-              <a:t> entre render() e return</a:t>
-            </a:r>
-          </a:p>
-        </p:txBody>
-      </p:sp>
-      <p:sp>
-        <p:nvSpPr>
-          <p:cNvPr id="3" name="Content Placeholder 2"/>
-          <p:cNvSpPr>
-            <a:spLocks noGrp="1"/>
-          </p:cNvSpPr>
-          <p:nvPr>
-            <p:ph idx="1"/>
-          </p:nvPr>
-        </p:nvSpPr>
-        <p:spPr/>
-        <p:txBody>
-          <a:bodyPr>
-            <a:normAutofit/>
-          </a:bodyPr>
-          <a:lstStyle/>
-          <a:p>
-            <a:pPr marL="0" indent="0">
-              <a:buNone/>
-            </a:pPr>
-            <a:r>
-              <a:rPr dirty="0"/>
-              <a:t>✅ return: </a:t>
-            </a:r>
-            <a:r>
-              <a:rPr dirty="0" err="1"/>
-              <a:t>usado</a:t>
-            </a:r>
-            <a:r>
-              <a:rPr dirty="0"/>
-              <a:t> </a:t>
-            </a:r>
-            <a:r>
-              <a:rPr dirty="0" err="1"/>
-              <a:t>em</a:t>
-            </a:r>
-            <a:r>
-              <a:rPr dirty="0"/>
-              <a:t> </a:t>
-            </a:r>
-            <a:r>
-              <a:rPr dirty="0" err="1"/>
-              <a:t>componentes</a:t>
-            </a:r>
-            <a:r>
-              <a:rPr dirty="0"/>
-              <a:t> </a:t>
-            </a:r>
-            <a:r>
-              <a:rPr dirty="0" err="1"/>
-              <a:t>funcionais</a:t>
-            </a:r>
-            <a:r>
-              <a:rPr dirty="0"/>
-              <a:t> para </a:t>
-            </a:r>
-            <a:r>
-              <a:rPr dirty="0" err="1"/>
-              <a:t>retornar</a:t>
-            </a:r>
-            <a:r>
-              <a:rPr dirty="0"/>
-              <a:t> JSX</a:t>
-            </a:r>
-          </a:p>
-          <a:p>
-            <a:pPr marL="0" indent="0">
-              <a:buNone/>
-            </a:pPr>
-            <a:r>
-              <a:rPr dirty="0"/>
-              <a:t>✅ render(): </a:t>
-            </a:r>
-            <a:r>
-              <a:rPr dirty="0" err="1"/>
-              <a:t>usado</a:t>
-            </a:r>
-            <a:r>
-              <a:rPr dirty="0"/>
-              <a:t> </a:t>
-            </a:r>
-            <a:r>
-              <a:rPr dirty="0" err="1"/>
-              <a:t>em</a:t>
-            </a:r>
-            <a:r>
-              <a:rPr dirty="0"/>
-              <a:t> </a:t>
-            </a:r>
-            <a:r>
-              <a:rPr dirty="0" err="1"/>
-              <a:t>componentes</a:t>
-            </a:r>
-            <a:r>
-              <a:rPr dirty="0"/>
-              <a:t> de </a:t>
-            </a:r>
-            <a:r>
-              <a:rPr dirty="0" err="1"/>
-              <a:t>classe</a:t>
-            </a:r>
-            <a:r>
-              <a:rPr dirty="0"/>
-              <a:t> para </a:t>
-            </a:r>
-            <a:r>
-              <a:rPr dirty="0" err="1"/>
-              <a:t>definir</a:t>
-            </a:r>
-            <a:r>
-              <a:rPr dirty="0"/>
-              <a:t> a </a:t>
-            </a:r>
-            <a:r>
-              <a:rPr dirty="0" err="1"/>
-              <a:t>saída</a:t>
-            </a:r>
-            <a:endParaRPr dirty="0"/>
-          </a:p>
-          <a:p>
-            <a:pPr marL="0" indent="0">
-              <a:buNone/>
-            </a:pPr>
-            <a:r>
-              <a:rPr dirty="0"/>
-              <a:t>❗ JSX </a:t>
-            </a:r>
-            <a:r>
-              <a:rPr dirty="0" err="1"/>
-              <a:t>deve</a:t>
-            </a:r>
-            <a:r>
-              <a:rPr dirty="0"/>
-              <a:t> sempre ser </a:t>
-            </a:r>
-            <a:r>
-              <a:rPr dirty="0" err="1"/>
-              <a:t>envolvido</a:t>
-            </a:r>
-            <a:r>
-              <a:rPr dirty="0"/>
-              <a:t> </a:t>
-            </a:r>
-            <a:r>
-              <a:rPr dirty="0" err="1"/>
-              <a:t>por</a:t>
-            </a:r>
-            <a:r>
-              <a:rPr dirty="0"/>
-              <a:t> um </a:t>
-            </a:r>
-            <a:r>
-              <a:rPr dirty="0" err="1"/>
-              <a:t>único</a:t>
-            </a:r>
-            <a:r>
-              <a:rPr dirty="0"/>
-              <a:t> </a:t>
-            </a:r>
-            <a:r>
-              <a:rPr dirty="0" err="1"/>
-              <a:t>elemento</a:t>
-            </a:r>
-            <a:r>
-              <a:rPr dirty="0"/>
-              <a:t> (View </a:t>
-            </a:r>
-            <a:r>
-              <a:rPr dirty="0" err="1"/>
-              <a:t>ou</a:t>
-            </a:r>
-            <a:r>
-              <a:rPr dirty="0"/>
-              <a:t> Fragment)</a:t>
-            </a:r>
-          </a:p>
-          <a:p>
-            <a:pPr marL="0" indent="0">
-              <a:buNone/>
-            </a:pPr>
-            <a:r>
-              <a:rPr dirty="0"/>
-              <a:t>❌ render() </a:t>
-            </a:r>
-            <a:r>
-              <a:rPr dirty="0" err="1"/>
-              <a:t>não</a:t>
-            </a:r>
-            <a:r>
-              <a:rPr dirty="0"/>
-              <a:t> </a:t>
-            </a:r>
-            <a:r>
-              <a:rPr dirty="0" err="1"/>
-              <a:t>funciona</a:t>
-            </a:r>
-            <a:r>
-              <a:rPr dirty="0"/>
-              <a:t> </a:t>
-            </a:r>
-            <a:r>
-              <a:rPr dirty="0" err="1"/>
-              <a:t>em</a:t>
-            </a:r>
-            <a:r>
-              <a:rPr dirty="0"/>
-              <a:t> </a:t>
-            </a:r>
-            <a:r>
-              <a:rPr dirty="0" err="1"/>
-              <a:t>componentes</a:t>
-            </a:r>
-            <a:r>
-              <a:rPr dirty="0"/>
-              <a:t> </a:t>
-            </a:r>
-            <a:r>
-              <a:rPr dirty="0" err="1"/>
-              <a:t>funcionais</a:t>
-            </a:r>
-            <a:endParaRPr dirty="0"/>
-          </a:p>
-          <a:p>
-            <a:pPr marL="0" indent="0">
-              <a:buNone/>
-            </a:pPr>
-            <a:r>
-              <a:rPr dirty="0"/>
-              <a:t>✅ Ambos </a:t>
-            </a:r>
-            <a:r>
-              <a:rPr dirty="0" err="1"/>
-              <a:t>precisam</a:t>
-            </a:r>
-            <a:r>
-              <a:rPr dirty="0"/>
-              <a:t> </a:t>
-            </a:r>
-            <a:r>
-              <a:rPr dirty="0" err="1"/>
-              <a:t>retornar</a:t>
-            </a:r>
-            <a:r>
-              <a:rPr dirty="0"/>
-              <a:t> o JSX </a:t>
-            </a:r>
-            <a:r>
-              <a:rPr dirty="0" err="1"/>
-              <a:t>corretamente</a:t>
-            </a:r>
-            <a:r>
-              <a:rPr dirty="0"/>
-              <a:t> para </a:t>
-            </a:r>
-            <a:r>
-              <a:rPr dirty="0" err="1"/>
-              <a:t>renderizar</a:t>
-            </a:r>
-            <a:r>
-              <a:rPr dirty="0"/>
-              <a:t> </a:t>
-            </a:r>
-            <a:r>
-              <a:rPr dirty="0" err="1"/>
-              <a:t>na</a:t>
-            </a:r>
-            <a:r>
-              <a:rPr dirty="0"/>
-              <a:t> </a:t>
-            </a:r>
-            <a:r>
-              <a:rPr dirty="0" err="1"/>
-              <a:t>tela</a:t>
-            </a:r>
-            <a:endParaRPr dirty="0"/>
+              <a:rPr lang="en-BR" dirty="0"/>
+              <a:t>// arquivo: saudacao.js</a:t>
+            </a:r>
+          </a:p>
+          <a:p>
+            <a:r>
+              <a:rPr lang="en-BR" dirty="0"/>
+              <a:t>export default function Saudacao() {</a:t>
+            </a:r>
+          </a:p>
+          <a:p>
+            <a:r>
+              <a:rPr lang="en-BR" dirty="0"/>
+              <a:t>  return "Olá!";</a:t>
+            </a:r>
+          </a:p>
+          <a:p>
+            <a:r>
+              <a:rPr lang="en-BR" dirty="0"/>
+              <a:t>}</a:t>
+            </a:r>
           </a:p>
         </p:txBody>
       </p:sp>
     </p:spTree>
+    <p:extLst>
+      <p:ext uri="{BB962C8B-B14F-4D97-AF65-F5344CB8AC3E}">
+        <p14:creationId xmlns:p14="http://schemas.microsoft.com/office/powerpoint/2010/main" val="2367327231"/>
+      </p:ext>
+    </p:extLst>
   </p:cSld>
   <p:clrMapOvr>
     <a:masterClrMapping/>
@@ -8114,7 +9358,13 @@
   <p:cSld>
     <p:spTree>
       <p:nvGrpSpPr>
-        <p:cNvPr id="1" name=""/>
+        <p:cNvPr id="1" name="">
+          <a:extLst>
+            <a:ext uri="{FF2B5EF4-FFF2-40B4-BE49-F238E27FC236}">
+              <a16:creationId xmlns:a16="http://schemas.microsoft.com/office/drawing/2014/main" id="{1E118414-8C25-8E88-525F-05B29F62D1D5}"/>
+            </a:ext>
+          </a:extLst>
+        </p:cNvPr>
         <p:cNvGrpSpPr/>
         <p:nvPr/>
       </p:nvGrpSpPr>
@@ -8128,7 +9378,13 @@
       </p:grpSpPr>
       <p:sp>
         <p:nvSpPr>
-          <p:cNvPr id="2" name="Title 1"/>
+          <p:cNvPr id="2" name="Title 1">
+            <a:extLst>
+              <a:ext uri="{FF2B5EF4-FFF2-40B4-BE49-F238E27FC236}">
+                <a16:creationId xmlns:a16="http://schemas.microsoft.com/office/drawing/2014/main" id="{3635E652-7184-CF61-F7FF-01344B6F104B}"/>
+              </a:ext>
+            </a:extLst>
+          </p:cNvPr>
           <p:cNvSpPr>
             <a:spLocks noGrp="1"/>
           </p:cNvSpPr>
@@ -8137,219 +9393,204 @@
           </p:nvPr>
         </p:nvSpPr>
         <p:spPr/>
+        <p:txBody>
+          <a:bodyPr/>
+          <a:lstStyle/>
+          <a:p>
+            <a:r>
+              <a:rPr lang="en-BR" dirty="0"/>
+              <a:t>Exercicio</a:t>
+            </a:r>
+          </a:p>
+        </p:txBody>
+      </p:sp>
+      <p:sp>
+        <p:nvSpPr>
+          <p:cNvPr id="3" name="Content Placeholder 2">
+            <a:extLst>
+              <a:ext uri="{FF2B5EF4-FFF2-40B4-BE49-F238E27FC236}">
+                <a16:creationId xmlns:a16="http://schemas.microsoft.com/office/drawing/2014/main" id="{8963BBC0-5A54-CC8E-6E5D-1351D20BBE8F}"/>
+              </a:ext>
+            </a:extLst>
+          </p:cNvPr>
+          <p:cNvSpPr>
+            <a:spLocks noGrp="1"/>
+          </p:cNvSpPr>
+          <p:nvPr>
+            <p:ph idx="1"/>
+          </p:nvPr>
+        </p:nvSpPr>
+        <p:spPr>
+          <a:xfrm>
+            <a:off x="594360" y="3517900"/>
+            <a:ext cx="7955280" cy="2745740"/>
+          </a:xfrm>
+        </p:spPr>
         <p:txBody>
           <a:bodyPr>
             <a:normAutofit/>
           </a:bodyPr>
           <a:lstStyle/>
           <a:p>
-            <a:r>
-              <a:rPr lang="pt-BR" dirty="0"/>
-              <a:t>DM4 - </a:t>
-            </a:r>
-            <a:r>
-              <a:rPr dirty="0"/>
-              <a:t>Quando usar render() </a:t>
-            </a:r>
-            <a:r>
-              <a:rPr dirty="0" err="1"/>
-              <a:t>ou</a:t>
-            </a:r>
-            <a:r>
-              <a:rPr dirty="0"/>
-              <a:t> return?</a:t>
-            </a:r>
-          </a:p>
-        </p:txBody>
-      </p:sp>
-      <p:sp>
-        <p:nvSpPr>
-          <p:cNvPr id="3" name="Content Placeholder 2"/>
-          <p:cNvSpPr>
-            <a:spLocks noGrp="1"/>
-          </p:cNvSpPr>
-          <p:nvPr>
-            <p:ph idx="1"/>
-          </p:nvPr>
-        </p:nvSpPr>
-        <p:spPr/>
-        <p:txBody>
-          <a:bodyPr/>
-          <a:lstStyle/>
-          <a:p>
-            <a:pPr marL="0" indent="0">
+            <a:pPr>
               <a:buNone/>
             </a:pPr>
             <a:r>
-              <a:rPr dirty="0"/>
-              <a:t>📌 Em </a:t>
-            </a:r>
-            <a:r>
-              <a:rPr dirty="0" err="1"/>
-              <a:t>componentes</a:t>
-            </a:r>
-            <a:r>
-              <a:rPr dirty="0"/>
+              <a:rPr lang="en-US" b="1" dirty="0" err="1"/>
+              <a:t>Pergunta</a:t>
+            </a:r>
+            <a:r>
+              <a:rPr lang="en-US" b="1" dirty="0"/>
+              <a:t> 2:</a:t>
+            </a:r>
+            <a:r>
+              <a:rPr lang="en-US" dirty="0"/>
+              <a:t> Como </a:t>
+            </a:r>
+            <a:r>
+              <a:rPr lang="en-US" dirty="0" err="1"/>
+              <a:t>importar</a:t>
+            </a:r>
+            <a:r>
+              <a:rPr lang="en-US" dirty="0"/>
               <a:t> </a:t>
             </a:r>
             <a:r>
-              <a:rPr dirty="0" err="1"/>
-              <a:t>funcionais</a:t>
-            </a:r>
-            <a:r>
-              <a:rPr dirty="0"/>
-              <a:t> → use </a:t>
-            </a:r>
-            <a:r>
-              <a:rPr dirty="0" err="1"/>
-              <a:t>apenas</a:t>
-            </a:r>
-            <a:r>
-              <a:rPr dirty="0"/>
-              <a:t> return</a:t>
-            </a:r>
-          </a:p>
-          <a:p>
-            <a:pPr marL="0" indent="0">
-              <a:buNone/>
-            </a:pPr>
-            <a:r>
-              <a:rPr dirty="0"/>
-              <a:t>📌 Em </a:t>
-            </a:r>
-            <a:r>
-              <a:rPr dirty="0" err="1"/>
-              <a:t>componentes</a:t>
-            </a:r>
-            <a:r>
-              <a:rPr dirty="0"/>
-              <a:t> de </a:t>
-            </a:r>
-            <a:r>
-              <a:rPr dirty="0" err="1"/>
-              <a:t>classe</a:t>
-            </a:r>
-            <a:r>
-              <a:rPr dirty="0"/>
-              <a:t> → use render() com return </a:t>
-            </a:r>
-            <a:r>
-              <a:rPr dirty="0" err="1"/>
-              <a:t>dentro</a:t>
-            </a:r>
-            <a:endParaRPr dirty="0"/>
-          </a:p>
-          <a:p>
-            <a:pPr marL="0" indent="0">
-              <a:buNone/>
-            </a:pPr>
-            <a:r>
-              <a:rPr dirty="0"/>
-              <a:t>✅ </a:t>
-            </a:r>
-            <a:r>
-              <a:rPr dirty="0" err="1"/>
-              <a:t>useState</a:t>
-            </a:r>
-            <a:r>
-              <a:rPr dirty="0"/>
-              <a:t>/</a:t>
-            </a:r>
-            <a:r>
-              <a:rPr dirty="0" err="1"/>
-              <a:t>useEffect</a:t>
-            </a:r>
-            <a:r>
-              <a:rPr dirty="0"/>
-              <a:t> </a:t>
-            </a:r>
-            <a:r>
-              <a:rPr dirty="0" err="1"/>
-              <a:t>só</a:t>
-            </a:r>
-            <a:r>
-              <a:rPr dirty="0"/>
-              <a:t> </a:t>
-            </a:r>
-            <a:r>
-              <a:rPr dirty="0" err="1"/>
-              <a:t>funcionam</a:t>
-            </a:r>
-            <a:r>
-              <a:rPr dirty="0"/>
-              <a:t> com </a:t>
-            </a:r>
-            <a:r>
-              <a:rPr dirty="0" err="1"/>
-              <a:t>componentes</a:t>
-            </a:r>
-            <a:r>
-              <a:rPr dirty="0"/>
-              <a:t> </a:t>
-            </a:r>
-            <a:r>
-              <a:rPr dirty="0" err="1"/>
-              <a:t>funcionais</a:t>
-            </a:r>
-            <a:endParaRPr dirty="0"/>
-          </a:p>
-          <a:p>
-            <a:pPr marL="0" indent="0">
-              <a:buNone/>
-            </a:pPr>
-            <a:r>
-              <a:rPr dirty="0"/>
-              <a:t>⚠️ Erro </a:t>
-            </a:r>
-            <a:r>
-              <a:rPr dirty="0" err="1"/>
-              <a:t>comum</a:t>
-            </a:r>
-            <a:r>
-              <a:rPr dirty="0"/>
+              <a:rPr lang="en-US" dirty="0" err="1"/>
+              <a:t>somente</a:t>
+            </a:r>
+            <a:r>
+              <a:rPr lang="en-US" dirty="0"/>
+              <a:t> a </a:t>
+            </a:r>
+            <a:r>
+              <a:rPr lang="en-US" dirty="0" err="1"/>
+              <a:t>função</a:t>
+            </a:r>
+            <a:r>
+              <a:rPr lang="en-US" dirty="0"/>
+              <a:t> soma?</a:t>
+            </a:r>
+          </a:p>
+          <a:p>
+            <a:r>
+              <a:rPr lang="en-US" dirty="0"/>
+              <a:t>A) import soma from './utils';</a:t>
+            </a:r>
+            <a:br>
+              <a:rPr lang="en-US" dirty="0"/>
+            </a:br>
+            <a:r>
+              <a:rPr lang="en-US" dirty="0"/>
+              <a:t>B) import { soma } from './utils';</a:t>
+            </a:r>
+            <a:br>
+              <a:rPr lang="en-US" dirty="0"/>
+            </a:br>
+            <a:r>
+              <a:rPr lang="en-US" dirty="0"/>
+              <a:t>C) import { soma, </a:t>
+            </a:r>
+            <a:r>
+              <a:rPr lang="en-US" dirty="0" err="1"/>
+              <a:t>subtrai</a:t>
+            </a:r>
+            <a:r>
+              <a:rPr lang="en-US" dirty="0"/>
+              <a:t> } from './</a:t>
+            </a:r>
+            <a:r>
+              <a:rPr lang="en-US" dirty="0" err="1"/>
+              <a:t>utils.js</a:t>
+            </a:r>
+            <a:r>
+              <a:rPr lang="en-US" dirty="0"/>
+              <a:t>';</a:t>
+            </a:r>
+            <a:br>
+              <a:rPr lang="en-US" dirty="0"/>
+            </a:br>
+            <a:r>
+              <a:rPr lang="en-US" dirty="0"/>
+              <a:t>D) import * as soma from './utils';</a:t>
+            </a:r>
+          </a:p>
+        </p:txBody>
+      </p:sp>
+      <p:sp>
+        <p:nvSpPr>
+          <p:cNvPr id="5" name="TextBox 4">
+            <a:extLst>
+              <a:ext uri="{FF2B5EF4-FFF2-40B4-BE49-F238E27FC236}">
+                <a16:creationId xmlns:a16="http://schemas.microsoft.com/office/drawing/2014/main" id="{416C1C11-BC91-A9F0-3189-C084485EC896}"/>
+              </a:ext>
+            </a:extLst>
+          </p:cNvPr>
+          <p:cNvSpPr txBox="1"/>
+          <p:nvPr/>
+        </p:nvSpPr>
+        <p:spPr>
+          <a:xfrm>
+            <a:off x="1447800" y="1939836"/>
+            <a:ext cx="4572000" cy="923330"/>
+          </a:xfrm>
+          <a:prstGeom prst="rect">
+            <a:avLst/>
+          </a:prstGeom>
+          <a:noFill/>
+        </p:spPr>
+        <p:txBody>
+          <a:bodyPr wrap="square">
+            <a:spAutoFit/>
+          </a:bodyPr>
+          <a:lstStyle/>
+          <a:p>
+            <a:r>
+              <a:rPr lang="en-US" dirty="0"/>
+              <a:t>// </a:t>
+            </a:r>
+            <a:r>
+              <a:rPr lang="en-US" dirty="0" err="1"/>
+              <a:t>arquivo</a:t>
+            </a:r>
+            <a:r>
+              <a:rPr lang="en-US" dirty="0"/>
               <a:t>: </a:t>
             </a:r>
             <a:r>
-              <a:rPr dirty="0" err="1"/>
-              <a:t>esquecer</a:t>
-            </a:r>
-            <a:r>
-              <a:rPr dirty="0"/>
-              <a:t> o return </a:t>
-            </a:r>
-            <a:r>
-              <a:rPr dirty="0" err="1"/>
-              <a:t>ou</a:t>
-            </a:r>
-            <a:r>
-              <a:rPr dirty="0"/>
-              <a:t> usar render() </a:t>
-            </a:r>
-            <a:r>
-              <a:rPr dirty="0" err="1"/>
-              <a:t>em</a:t>
-            </a:r>
-            <a:r>
-              <a:rPr dirty="0"/>
-              <a:t> </a:t>
-            </a:r>
-            <a:r>
-              <a:rPr dirty="0" err="1"/>
-              <a:t>componente</a:t>
-            </a:r>
-            <a:r>
-              <a:rPr dirty="0"/>
-              <a:t> </a:t>
-            </a:r>
-            <a:r>
-              <a:rPr dirty="0" err="1"/>
-              <a:t>funcional</a:t>
-            </a:r>
-            <a:endParaRPr dirty="0"/>
+              <a:rPr lang="en-US" dirty="0" err="1"/>
+              <a:t>utils.js</a:t>
+            </a:r>
+            <a:endParaRPr lang="en-US" dirty="0"/>
+          </a:p>
+          <a:p>
+            <a:r>
+              <a:rPr lang="en-US" dirty="0"/>
+              <a:t>export const soma = (a, b) =&gt; a + b;</a:t>
+            </a:r>
+          </a:p>
+          <a:p>
+            <a:r>
+              <a:rPr lang="en-US" dirty="0"/>
+              <a:t>export const </a:t>
+            </a:r>
+            <a:r>
+              <a:rPr lang="en-US" dirty="0" err="1"/>
+              <a:t>subtrai</a:t>
+            </a:r>
+            <a:r>
+              <a:rPr lang="en-US" dirty="0"/>
+              <a:t> = (a, b) =&gt; a - b;</a:t>
+            </a:r>
           </a:p>
         </p:txBody>
       </p:sp>
     </p:spTree>
+    <p:extLst>
+      <p:ext uri="{BB962C8B-B14F-4D97-AF65-F5344CB8AC3E}">
+        <p14:creationId xmlns:p14="http://schemas.microsoft.com/office/powerpoint/2010/main" val="1291651872"/>
+      </p:ext>
+    </p:extLst>
   </p:cSld>
   <p:clrMapOvr>
     <a:masterClrMapping/>
@@ -8470,6 +9711,1060 @@
 </file>
 
 <file path=ppt/slides/slide20.xml><?xml version="1.0" encoding="utf-8"?>
+<p:sld xmlns:a="http://schemas.openxmlformats.org/drawingml/2006/main" xmlns:r="http://schemas.openxmlformats.org/officeDocument/2006/relationships" xmlns:p="http://schemas.openxmlformats.org/presentationml/2006/main">
+  <p:cSld>
+    <p:spTree>
+      <p:nvGrpSpPr>
+        <p:cNvPr id="1" name="">
+          <a:extLst>
+            <a:ext uri="{FF2B5EF4-FFF2-40B4-BE49-F238E27FC236}">
+              <a16:creationId xmlns:a16="http://schemas.microsoft.com/office/drawing/2014/main" id="{7D2B43B1-56BB-FA0F-38B5-BA91263B4032}"/>
+            </a:ext>
+          </a:extLst>
+        </p:cNvPr>
+        <p:cNvGrpSpPr/>
+        <p:nvPr/>
+      </p:nvGrpSpPr>
+      <p:grpSpPr>
+        <a:xfrm>
+          <a:off x="0" y="0"/>
+          <a:ext cx="0" cy="0"/>
+          <a:chOff x="0" y="0"/>
+          <a:chExt cx="0" cy="0"/>
+        </a:xfrm>
+      </p:grpSpPr>
+      <p:sp>
+        <p:nvSpPr>
+          <p:cNvPr id="2" name="Title 1">
+            <a:extLst>
+              <a:ext uri="{FF2B5EF4-FFF2-40B4-BE49-F238E27FC236}">
+                <a16:creationId xmlns:a16="http://schemas.microsoft.com/office/drawing/2014/main" id="{8BD072F7-8362-BA2B-65CD-F7C749EDAE5E}"/>
+              </a:ext>
+            </a:extLst>
+          </p:cNvPr>
+          <p:cNvSpPr>
+            <a:spLocks noGrp="1"/>
+          </p:cNvSpPr>
+          <p:nvPr>
+            <p:ph type="title"/>
+          </p:nvPr>
+        </p:nvSpPr>
+        <p:spPr/>
+        <p:txBody>
+          <a:bodyPr/>
+          <a:lstStyle/>
+          <a:p>
+            <a:r>
+              <a:rPr lang="en-BR" dirty="0"/>
+              <a:t>Exercicio</a:t>
+            </a:r>
+          </a:p>
+        </p:txBody>
+      </p:sp>
+      <p:sp>
+        <p:nvSpPr>
+          <p:cNvPr id="3" name="Content Placeholder 2">
+            <a:extLst>
+              <a:ext uri="{FF2B5EF4-FFF2-40B4-BE49-F238E27FC236}">
+                <a16:creationId xmlns:a16="http://schemas.microsoft.com/office/drawing/2014/main" id="{E06C922A-6EB2-D625-612F-F510EF219F10}"/>
+              </a:ext>
+            </a:extLst>
+          </p:cNvPr>
+          <p:cNvSpPr>
+            <a:spLocks noGrp="1"/>
+          </p:cNvSpPr>
+          <p:nvPr>
+            <p:ph idx="1"/>
+          </p:nvPr>
+        </p:nvSpPr>
+        <p:spPr>
+          <a:xfrm>
+            <a:off x="594360" y="1993901"/>
+            <a:ext cx="7955280" cy="2745740"/>
+          </a:xfrm>
+        </p:spPr>
+        <p:txBody>
+          <a:bodyPr>
+            <a:normAutofit/>
+          </a:bodyPr>
+          <a:lstStyle/>
+          <a:p>
+            <a:pPr>
+              <a:buNone/>
+            </a:pPr>
+            <a:r>
+              <a:rPr lang="en-US" b="1" dirty="0"/>
+              <a:t>3. Qual dessas </a:t>
+            </a:r>
+            <a:r>
+              <a:rPr lang="en-US" b="1" dirty="0" err="1"/>
+              <a:t>linhas</a:t>
+            </a:r>
+            <a:r>
+              <a:rPr lang="en-US" b="1" dirty="0"/>
+              <a:t> </a:t>
+            </a:r>
+            <a:r>
+              <a:rPr lang="en-US" b="1" dirty="0" err="1"/>
+              <a:t>está</a:t>
+            </a:r>
+            <a:r>
+              <a:rPr lang="en-US" b="1" dirty="0"/>
+              <a:t> </a:t>
+            </a:r>
+            <a:r>
+              <a:rPr lang="en-US" b="1" dirty="0" err="1"/>
+              <a:t>incorreta</a:t>
+            </a:r>
+            <a:r>
+              <a:rPr lang="en-US" b="1" dirty="0"/>
+              <a:t> e </a:t>
+            </a:r>
+            <a:r>
+              <a:rPr lang="en-US" b="1" dirty="0" err="1"/>
+              <a:t>gerará</a:t>
+            </a:r>
+            <a:r>
+              <a:rPr lang="en-US" b="1" dirty="0"/>
+              <a:t> </a:t>
+            </a:r>
+            <a:r>
+              <a:rPr lang="en-US" b="1" dirty="0" err="1"/>
+              <a:t>erro</a:t>
+            </a:r>
+            <a:r>
+              <a:rPr lang="en-US" b="1" dirty="0"/>
+              <a:t>?</a:t>
+            </a:r>
+          </a:p>
+          <a:p>
+            <a:r>
+              <a:rPr lang="en-US" dirty="0"/>
+              <a:t>A) import </a:t>
+            </a:r>
+            <a:r>
+              <a:rPr lang="en-US" dirty="0" err="1"/>
+              <a:t>Saudacao</a:t>
+            </a:r>
+            <a:r>
+              <a:rPr lang="en-US" dirty="0"/>
+              <a:t> from './</a:t>
+            </a:r>
+            <a:r>
+              <a:rPr lang="en-US" dirty="0" err="1"/>
+              <a:t>saudacao</a:t>
+            </a:r>
+            <a:r>
+              <a:rPr lang="en-US" dirty="0"/>
+              <a:t>';</a:t>
+            </a:r>
+            <a:br>
+              <a:rPr lang="en-US" dirty="0"/>
+            </a:br>
+            <a:r>
+              <a:rPr lang="en-US" dirty="0"/>
+              <a:t>B) import { </a:t>
+            </a:r>
+            <a:r>
+              <a:rPr lang="en-US" dirty="0" err="1"/>
+              <a:t>Saudacao</a:t>
+            </a:r>
+            <a:r>
+              <a:rPr lang="en-US" dirty="0"/>
+              <a:t> } from './</a:t>
+            </a:r>
+            <a:r>
+              <a:rPr lang="en-US" dirty="0" err="1"/>
+              <a:t>saudacao</a:t>
+            </a:r>
+            <a:r>
+              <a:rPr lang="en-US" dirty="0"/>
+              <a:t>';</a:t>
+            </a:r>
+            <a:br>
+              <a:rPr lang="en-US" dirty="0"/>
+            </a:br>
+            <a:r>
+              <a:rPr lang="en-US" dirty="0"/>
+              <a:t>C) export default function </a:t>
+            </a:r>
+            <a:r>
+              <a:rPr lang="en-US" dirty="0" err="1"/>
+              <a:t>Saudacao</a:t>
+            </a:r>
+            <a:r>
+              <a:rPr lang="en-US" dirty="0"/>
+              <a:t>() { ... }</a:t>
+            </a:r>
+            <a:br>
+              <a:rPr lang="en-US" dirty="0"/>
+            </a:br>
+            <a:r>
+              <a:rPr lang="en-US" dirty="0"/>
+              <a:t>D) export const </a:t>
+            </a:r>
+            <a:r>
+              <a:rPr lang="en-US" dirty="0" err="1"/>
+              <a:t>Saudacao</a:t>
+            </a:r>
+            <a:r>
+              <a:rPr lang="en-US" dirty="0"/>
+              <a:t> = () =&gt; { ... };</a:t>
+            </a:r>
+          </a:p>
+        </p:txBody>
+      </p:sp>
+    </p:spTree>
+    <p:extLst>
+      <p:ext uri="{BB962C8B-B14F-4D97-AF65-F5344CB8AC3E}">
+        <p14:creationId xmlns:p14="http://schemas.microsoft.com/office/powerpoint/2010/main" val="3086207529"/>
+      </p:ext>
+    </p:extLst>
+  </p:cSld>
+  <p:clrMapOvr>
+    <a:masterClrMapping/>
+  </p:clrMapOvr>
+</p:sld>
+</file>
+
+<file path=ppt/slides/slide21.xml><?xml version="1.0" encoding="utf-8"?>
+<p:sld xmlns:a="http://schemas.openxmlformats.org/drawingml/2006/main" xmlns:r="http://schemas.openxmlformats.org/officeDocument/2006/relationships" xmlns:p="http://schemas.openxmlformats.org/presentationml/2006/main">
+  <p:cSld>
+    <p:spTree>
+      <p:nvGrpSpPr>
+        <p:cNvPr id="1" name="">
+          <a:extLst>
+            <a:ext uri="{FF2B5EF4-FFF2-40B4-BE49-F238E27FC236}">
+              <a16:creationId xmlns:a16="http://schemas.microsoft.com/office/drawing/2014/main" id="{2FB3DACD-41AB-0D37-FE69-3925B750019A}"/>
+            </a:ext>
+          </a:extLst>
+        </p:cNvPr>
+        <p:cNvGrpSpPr/>
+        <p:nvPr/>
+      </p:nvGrpSpPr>
+      <p:grpSpPr>
+        <a:xfrm>
+          <a:off x="0" y="0"/>
+          <a:ext cx="0" cy="0"/>
+          <a:chOff x="0" y="0"/>
+          <a:chExt cx="0" cy="0"/>
+        </a:xfrm>
+      </p:grpSpPr>
+      <p:sp>
+        <p:nvSpPr>
+          <p:cNvPr id="2" name="Title 1">
+            <a:extLst>
+              <a:ext uri="{FF2B5EF4-FFF2-40B4-BE49-F238E27FC236}">
+                <a16:creationId xmlns:a16="http://schemas.microsoft.com/office/drawing/2014/main" id="{F8F9749E-6FC2-E1A2-2EA2-74124A229FC1}"/>
+              </a:ext>
+            </a:extLst>
+          </p:cNvPr>
+          <p:cNvSpPr>
+            <a:spLocks noGrp="1"/>
+          </p:cNvSpPr>
+          <p:nvPr>
+            <p:ph type="title"/>
+          </p:nvPr>
+        </p:nvSpPr>
+        <p:spPr/>
+        <p:txBody>
+          <a:bodyPr/>
+          <a:lstStyle/>
+          <a:p>
+            <a:r>
+              <a:rPr lang="en-BR" dirty="0"/>
+              <a:t>Exercicio</a:t>
+            </a:r>
+          </a:p>
+        </p:txBody>
+      </p:sp>
+      <p:sp>
+        <p:nvSpPr>
+          <p:cNvPr id="3" name="Content Placeholder 2">
+            <a:extLst>
+              <a:ext uri="{FF2B5EF4-FFF2-40B4-BE49-F238E27FC236}">
+                <a16:creationId xmlns:a16="http://schemas.microsoft.com/office/drawing/2014/main" id="{A5D7A23A-9802-577E-7DCB-C4130964D446}"/>
+              </a:ext>
+            </a:extLst>
+          </p:cNvPr>
+          <p:cNvSpPr>
+            <a:spLocks noGrp="1"/>
+          </p:cNvSpPr>
+          <p:nvPr>
+            <p:ph idx="1"/>
+          </p:nvPr>
+        </p:nvSpPr>
+        <p:spPr>
+          <a:xfrm>
+            <a:off x="594360" y="1993901"/>
+            <a:ext cx="7955280" cy="2745740"/>
+          </a:xfrm>
+        </p:spPr>
+        <p:txBody>
+          <a:bodyPr>
+            <a:normAutofit/>
+          </a:bodyPr>
+          <a:lstStyle/>
+          <a:p>
+            <a:pPr>
+              <a:buNone/>
+            </a:pPr>
+            <a:r>
+              <a:rPr lang="en-US" b="1" dirty="0"/>
+              <a:t>4. </a:t>
+            </a:r>
+            <a:r>
+              <a:rPr lang="en-US" b="1" dirty="0" err="1"/>
+              <a:t>Sobre</a:t>
+            </a:r>
+            <a:r>
+              <a:rPr lang="en-US" b="1" dirty="0"/>
+              <a:t> exports, </a:t>
+            </a:r>
+            <a:r>
+              <a:rPr lang="en-US" b="1" dirty="0" err="1"/>
+              <a:t>assinale</a:t>
+            </a:r>
+            <a:r>
+              <a:rPr lang="en-US" b="1" dirty="0"/>
+              <a:t> a </a:t>
+            </a:r>
+            <a:r>
+              <a:rPr lang="en-US" b="1" dirty="0" err="1"/>
+              <a:t>verdadeira</a:t>
+            </a:r>
+            <a:r>
+              <a:rPr lang="en-US" b="1" dirty="0"/>
+              <a:t>:</a:t>
+            </a:r>
+          </a:p>
+          <a:p>
+            <a:r>
+              <a:rPr lang="en-US" dirty="0"/>
+              <a:t>A) Um </a:t>
+            </a:r>
+            <a:r>
+              <a:rPr lang="en-US" dirty="0" err="1"/>
+              <a:t>arquivo</a:t>
+            </a:r>
+            <a:r>
+              <a:rPr lang="en-US" dirty="0"/>
+              <a:t> </a:t>
+            </a:r>
+            <a:r>
+              <a:rPr lang="en-US" dirty="0" err="1"/>
+              <a:t>pode</a:t>
+            </a:r>
+            <a:r>
+              <a:rPr lang="en-US" dirty="0"/>
+              <a:t> </a:t>
+            </a:r>
+            <a:r>
+              <a:rPr lang="en-US" dirty="0" err="1"/>
+              <a:t>ter</a:t>
+            </a:r>
+            <a:r>
+              <a:rPr lang="en-US" dirty="0"/>
+              <a:t> </a:t>
+            </a:r>
+            <a:r>
+              <a:rPr lang="en-US" dirty="0" err="1"/>
+              <a:t>vários</a:t>
+            </a:r>
+            <a:r>
+              <a:rPr lang="en-US" dirty="0"/>
+              <a:t> export default</a:t>
+            </a:r>
+            <a:br>
+              <a:rPr lang="en-US" dirty="0"/>
+            </a:br>
+            <a:r>
+              <a:rPr lang="en-US" dirty="0"/>
+              <a:t>B) export default </a:t>
+            </a:r>
+            <a:r>
+              <a:rPr lang="en-US" dirty="0" err="1"/>
+              <a:t>pode</a:t>
+            </a:r>
+            <a:r>
+              <a:rPr lang="en-US" dirty="0"/>
+              <a:t> ser </a:t>
+            </a:r>
+            <a:r>
+              <a:rPr lang="en-US" dirty="0" err="1"/>
+              <a:t>importado</a:t>
+            </a:r>
+            <a:r>
+              <a:rPr lang="en-US" dirty="0"/>
+              <a:t> com </a:t>
+            </a:r>
+            <a:r>
+              <a:rPr lang="en-US" dirty="0" err="1"/>
+              <a:t>qualquer</a:t>
+            </a:r>
+            <a:r>
+              <a:rPr lang="en-US" dirty="0"/>
+              <a:t> </a:t>
+            </a:r>
+            <a:r>
+              <a:rPr lang="en-US" dirty="0" err="1"/>
+              <a:t>nome</a:t>
+            </a:r>
+            <a:br>
+              <a:rPr lang="en-US" dirty="0"/>
+            </a:br>
+            <a:r>
+              <a:rPr lang="en-US" dirty="0"/>
+              <a:t>C) export const </a:t>
+            </a:r>
+            <a:r>
+              <a:rPr lang="en-US" dirty="0" err="1"/>
+              <a:t>deve</a:t>
+            </a:r>
+            <a:r>
+              <a:rPr lang="en-US" dirty="0"/>
+              <a:t> ser </a:t>
+            </a:r>
+            <a:r>
+              <a:rPr lang="en-US" dirty="0" err="1"/>
+              <a:t>importado</a:t>
+            </a:r>
+            <a:r>
+              <a:rPr lang="en-US" dirty="0"/>
+              <a:t> </a:t>
+            </a:r>
+            <a:r>
+              <a:rPr lang="en-US" dirty="0" err="1"/>
+              <a:t>sem</a:t>
+            </a:r>
+            <a:r>
+              <a:rPr lang="en-US" dirty="0"/>
+              <a:t> </a:t>
+            </a:r>
+            <a:r>
+              <a:rPr lang="en-US" dirty="0" err="1"/>
+              <a:t>chaves</a:t>
+            </a:r>
+            <a:br>
+              <a:rPr lang="en-US" dirty="0"/>
+            </a:br>
+            <a:r>
+              <a:rPr lang="en-US" dirty="0"/>
+              <a:t>D) export default e export </a:t>
+            </a:r>
+            <a:r>
+              <a:rPr lang="en-US" dirty="0" err="1"/>
+              <a:t>são</a:t>
+            </a:r>
+            <a:r>
+              <a:rPr lang="en-US" dirty="0"/>
+              <a:t> </a:t>
+            </a:r>
+            <a:r>
+              <a:rPr lang="en-US" dirty="0" err="1"/>
+              <a:t>equivalentes</a:t>
+            </a:r>
+            <a:endParaRPr lang="en-US" dirty="0"/>
+          </a:p>
+        </p:txBody>
+      </p:sp>
+    </p:spTree>
+    <p:extLst>
+      <p:ext uri="{BB962C8B-B14F-4D97-AF65-F5344CB8AC3E}">
+        <p14:creationId xmlns:p14="http://schemas.microsoft.com/office/powerpoint/2010/main" val="436143126"/>
+      </p:ext>
+    </p:extLst>
+  </p:cSld>
+  <p:clrMapOvr>
+    <a:masterClrMapping/>
+  </p:clrMapOvr>
+</p:sld>
+</file>
+
+<file path=ppt/slides/slide22.xml><?xml version="1.0" encoding="utf-8"?>
+<p:sld xmlns:a="http://schemas.openxmlformats.org/drawingml/2006/main" xmlns:r="http://schemas.openxmlformats.org/officeDocument/2006/relationships" xmlns:p="http://schemas.openxmlformats.org/presentationml/2006/main">
+  <p:cSld>
+    <p:spTree>
+      <p:nvGrpSpPr>
+        <p:cNvPr id="1" name=""/>
+        <p:cNvGrpSpPr/>
+        <p:nvPr/>
+      </p:nvGrpSpPr>
+      <p:grpSpPr>
+        <a:xfrm>
+          <a:off x="0" y="0"/>
+          <a:ext cx="0" cy="0"/>
+          <a:chOff x="0" y="0"/>
+          <a:chExt cx="0" cy="0"/>
+        </a:xfrm>
+      </p:grpSpPr>
+      <p:sp>
+        <p:nvSpPr>
+          <p:cNvPr id="2" name="Title 1"/>
+          <p:cNvSpPr>
+            <a:spLocks noGrp="1"/>
+          </p:cNvSpPr>
+          <p:nvPr>
+            <p:ph type="title"/>
+          </p:nvPr>
+        </p:nvSpPr>
+        <p:spPr/>
+        <p:txBody>
+          <a:bodyPr>
+            <a:normAutofit/>
+          </a:bodyPr>
+          <a:lstStyle/>
+          <a:p>
+            <a:r>
+              <a:rPr lang="pt-BR" dirty="0"/>
+              <a:t>DM4 - </a:t>
+            </a:r>
+            <a:r>
+              <a:rPr dirty="0" err="1"/>
+              <a:t>Diferença</a:t>
+            </a:r>
+            <a:r>
+              <a:rPr dirty="0"/>
+              <a:t> entre render() e return</a:t>
+            </a:r>
+          </a:p>
+        </p:txBody>
+      </p:sp>
+      <p:sp>
+        <p:nvSpPr>
+          <p:cNvPr id="3" name="Content Placeholder 2"/>
+          <p:cNvSpPr>
+            <a:spLocks noGrp="1"/>
+          </p:cNvSpPr>
+          <p:nvPr>
+            <p:ph idx="1"/>
+          </p:nvPr>
+        </p:nvSpPr>
+        <p:spPr/>
+        <p:txBody>
+          <a:bodyPr>
+            <a:normAutofit/>
+          </a:bodyPr>
+          <a:lstStyle/>
+          <a:p>
+            <a:pPr marL="0" indent="0">
+              <a:buNone/>
+            </a:pPr>
+            <a:r>
+              <a:rPr dirty="0"/>
+              <a:t>✅ return: </a:t>
+            </a:r>
+            <a:r>
+              <a:rPr dirty="0" err="1"/>
+              <a:t>usado</a:t>
+            </a:r>
+            <a:r>
+              <a:rPr dirty="0"/>
+              <a:t> </a:t>
+            </a:r>
+            <a:r>
+              <a:rPr dirty="0" err="1"/>
+              <a:t>em</a:t>
+            </a:r>
+            <a:r>
+              <a:rPr dirty="0"/>
+              <a:t> </a:t>
+            </a:r>
+            <a:r>
+              <a:rPr dirty="0" err="1"/>
+              <a:t>componentes</a:t>
+            </a:r>
+            <a:r>
+              <a:rPr dirty="0"/>
+              <a:t> </a:t>
+            </a:r>
+            <a:r>
+              <a:rPr dirty="0" err="1"/>
+              <a:t>funcionais</a:t>
+            </a:r>
+            <a:r>
+              <a:rPr dirty="0"/>
+              <a:t> para </a:t>
+            </a:r>
+            <a:r>
+              <a:rPr dirty="0" err="1"/>
+              <a:t>retornar</a:t>
+            </a:r>
+            <a:r>
+              <a:rPr dirty="0"/>
+              <a:t> JSX</a:t>
+            </a:r>
+          </a:p>
+          <a:p>
+            <a:pPr marL="0" indent="0">
+              <a:buNone/>
+            </a:pPr>
+            <a:r>
+              <a:rPr dirty="0"/>
+              <a:t>✅ render(): </a:t>
+            </a:r>
+            <a:r>
+              <a:rPr dirty="0" err="1"/>
+              <a:t>usado</a:t>
+            </a:r>
+            <a:r>
+              <a:rPr dirty="0"/>
+              <a:t> </a:t>
+            </a:r>
+            <a:r>
+              <a:rPr dirty="0" err="1"/>
+              <a:t>em</a:t>
+            </a:r>
+            <a:r>
+              <a:rPr dirty="0"/>
+              <a:t> </a:t>
+            </a:r>
+            <a:r>
+              <a:rPr dirty="0" err="1"/>
+              <a:t>componentes</a:t>
+            </a:r>
+            <a:r>
+              <a:rPr dirty="0"/>
+              <a:t> de </a:t>
+            </a:r>
+            <a:r>
+              <a:rPr dirty="0" err="1"/>
+              <a:t>classe</a:t>
+            </a:r>
+            <a:r>
+              <a:rPr dirty="0"/>
+              <a:t> para </a:t>
+            </a:r>
+            <a:r>
+              <a:rPr dirty="0" err="1"/>
+              <a:t>definir</a:t>
+            </a:r>
+            <a:r>
+              <a:rPr dirty="0"/>
+              <a:t> a </a:t>
+            </a:r>
+            <a:r>
+              <a:rPr dirty="0" err="1"/>
+              <a:t>saída</a:t>
+            </a:r>
+            <a:endParaRPr dirty="0"/>
+          </a:p>
+          <a:p>
+            <a:pPr marL="0" indent="0">
+              <a:buNone/>
+            </a:pPr>
+            <a:r>
+              <a:rPr dirty="0"/>
+              <a:t>❗ JSX </a:t>
+            </a:r>
+            <a:r>
+              <a:rPr dirty="0" err="1"/>
+              <a:t>deve</a:t>
+            </a:r>
+            <a:r>
+              <a:rPr dirty="0"/>
+              <a:t> sempre ser </a:t>
+            </a:r>
+            <a:r>
+              <a:rPr dirty="0" err="1"/>
+              <a:t>envolvido</a:t>
+            </a:r>
+            <a:r>
+              <a:rPr dirty="0"/>
+              <a:t> </a:t>
+            </a:r>
+            <a:r>
+              <a:rPr dirty="0" err="1"/>
+              <a:t>por</a:t>
+            </a:r>
+            <a:r>
+              <a:rPr dirty="0"/>
+              <a:t> um </a:t>
+            </a:r>
+            <a:r>
+              <a:rPr dirty="0" err="1"/>
+              <a:t>único</a:t>
+            </a:r>
+            <a:r>
+              <a:rPr dirty="0"/>
+              <a:t> </a:t>
+            </a:r>
+            <a:r>
+              <a:rPr dirty="0" err="1"/>
+              <a:t>elemento</a:t>
+            </a:r>
+            <a:r>
+              <a:rPr dirty="0"/>
+              <a:t> (View </a:t>
+            </a:r>
+            <a:r>
+              <a:rPr dirty="0" err="1"/>
+              <a:t>ou</a:t>
+            </a:r>
+            <a:r>
+              <a:rPr dirty="0"/>
+              <a:t> Fragment)</a:t>
+            </a:r>
+          </a:p>
+          <a:p>
+            <a:pPr marL="0" indent="0">
+              <a:buNone/>
+            </a:pPr>
+            <a:r>
+              <a:rPr dirty="0"/>
+              <a:t>❌ render() </a:t>
+            </a:r>
+            <a:r>
+              <a:rPr dirty="0" err="1"/>
+              <a:t>não</a:t>
+            </a:r>
+            <a:r>
+              <a:rPr dirty="0"/>
+              <a:t> </a:t>
+            </a:r>
+            <a:r>
+              <a:rPr dirty="0" err="1"/>
+              <a:t>funciona</a:t>
+            </a:r>
+            <a:r>
+              <a:rPr dirty="0"/>
+              <a:t> </a:t>
+            </a:r>
+            <a:r>
+              <a:rPr dirty="0" err="1"/>
+              <a:t>em</a:t>
+            </a:r>
+            <a:r>
+              <a:rPr dirty="0"/>
+              <a:t> </a:t>
+            </a:r>
+            <a:r>
+              <a:rPr dirty="0" err="1"/>
+              <a:t>componentes</a:t>
+            </a:r>
+            <a:r>
+              <a:rPr dirty="0"/>
+              <a:t> </a:t>
+            </a:r>
+            <a:r>
+              <a:rPr dirty="0" err="1"/>
+              <a:t>funcionais</a:t>
+            </a:r>
+            <a:endParaRPr dirty="0"/>
+          </a:p>
+          <a:p>
+            <a:pPr marL="0" indent="0">
+              <a:buNone/>
+            </a:pPr>
+            <a:r>
+              <a:rPr dirty="0"/>
+              <a:t>✅ Ambos </a:t>
+            </a:r>
+            <a:r>
+              <a:rPr dirty="0" err="1"/>
+              <a:t>precisam</a:t>
+            </a:r>
+            <a:r>
+              <a:rPr dirty="0"/>
+              <a:t> </a:t>
+            </a:r>
+            <a:r>
+              <a:rPr dirty="0" err="1"/>
+              <a:t>retornar</a:t>
+            </a:r>
+            <a:r>
+              <a:rPr dirty="0"/>
+              <a:t> o JSX </a:t>
+            </a:r>
+            <a:r>
+              <a:rPr dirty="0" err="1"/>
+              <a:t>corretamente</a:t>
+            </a:r>
+            <a:r>
+              <a:rPr dirty="0"/>
+              <a:t> para </a:t>
+            </a:r>
+            <a:r>
+              <a:rPr dirty="0" err="1"/>
+              <a:t>renderizar</a:t>
+            </a:r>
+            <a:r>
+              <a:rPr dirty="0"/>
+              <a:t> </a:t>
+            </a:r>
+            <a:r>
+              <a:rPr dirty="0" err="1"/>
+              <a:t>na</a:t>
+            </a:r>
+            <a:r>
+              <a:rPr dirty="0"/>
+              <a:t> </a:t>
+            </a:r>
+            <a:r>
+              <a:rPr dirty="0" err="1"/>
+              <a:t>tela</a:t>
+            </a:r>
+            <a:endParaRPr dirty="0"/>
+          </a:p>
+        </p:txBody>
+      </p:sp>
+    </p:spTree>
+  </p:cSld>
+  <p:clrMapOvr>
+    <a:masterClrMapping/>
+  </p:clrMapOvr>
+</p:sld>
+</file>
+
+<file path=ppt/slides/slide23.xml><?xml version="1.0" encoding="utf-8"?>
+<p:sld xmlns:a="http://schemas.openxmlformats.org/drawingml/2006/main" xmlns:r="http://schemas.openxmlformats.org/officeDocument/2006/relationships" xmlns:p="http://schemas.openxmlformats.org/presentationml/2006/main">
+  <p:cSld>
+    <p:spTree>
+      <p:nvGrpSpPr>
+        <p:cNvPr id="1" name=""/>
+        <p:cNvGrpSpPr/>
+        <p:nvPr/>
+      </p:nvGrpSpPr>
+      <p:grpSpPr>
+        <a:xfrm>
+          <a:off x="0" y="0"/>
+          <a:ext cx="0" cy="0"/>
+          <a:chOff x="0" y="0"/>
+          <a:chExt cx="0" cy="0"/>
+        </a:xfrm>
+      </p:grpSpPr>
+      <p:sp>
+        <p:nvSpPr>
+          <p:cNvPr id="2" name="Title 1"/>
+          <p:cNvSpPr>
+            <a:spLocks noGrp="1"/>
+          </p:cNvSpPr>
+          <p:nvPr>
+            <p:ph type="title"/>
+          </p:nvPr>
+        </p:nvSpPr>
+        <p:spPr/>
+        <p:txBody>
+          <a:bodyPr>
+            <a:normAutofit/>
+          </a:bodyPr>
+          <a:lstStyle/>
+          <a:p>
+            <a:r>
+              <a:rPr lang="pt-BR" dirty="0"/>
+              <a:t>DM4 - </a:t>
+            </a:r>
+            <a:r>
+              <a:rPr dirty="0"/>
+              <a:t>Quando usar render() </a:t>
+            </a:r>
+            <a:r>
+              <a:rPr dirty="0" err="1"/>
+              <a:t>ou</a:t>
+            </a:r>
+            <a:r>
+              <a:rPr dirty="0"/>
+              <a:t> return?</a:t>
+            </a:r>
+          </a:p>
+        </p:txBody>
+      </p:sp>
+      <p:sp>
+        <p:nvSpPr>
+          <p:cNvPr id="3" name="Content Placeholder 2"/>
+          <p:cNvSpPr>
+            <a:spLocks noGrp="1"/>
+          </p:cNvSpPr>
+          <p:nvPr>
+            <p:ph idx="1"/>
+          </p:nvPr>
+        </p:nvSpPr>
+        <p:spPr/>
+        <p:txBody>
+          <a:bodyPr/>
+          <a:lstStyle/>
+          <a:p>
+            <a:pPr marL="0" indent="0">
+              <a:buNone/>
+            </a:pPr>
+            <a:r>
+              <a:rPr dirty="0"/>
+              <a:t>📌 Em </a:t>
+            </a:r>
+            <a:r>
+              <a:rPr dirty="0" err="1"/>
+              <a:t>componentes</a:t>
+            </a:r>
+            <a:r>
+              <a:rPr dirty="0"/>
+              <a:t> </a:t>
+            </a:r>
+            <a:r>
+              <a:rPr dirty="0" err="1"/>
+              <a:t>funcionais</a:t>
+            </a:r>
+            <a:r>
+              <a:rPr dirty="0"/>
+              <a:t> → use </a:t>
+            </a:r>
+            <a:r>
+              <a:rPr dirty="0" err="1"/>
+              <a:t>apenas</a:t>
+            </a:r>
+            <a:r>
+              <a:rPr dirty="0"/>
+              <a:t> return</a:t>
+            </a:r>
+          </a:p>
+          <a:p>
+            <a:pPr marL="0" indent="0">
+              <a:buNone/>
+            </a:pPr>
+            <a:r>
+              <a:rPr dirty="0"/>
+              <a:t>📌 Em </a:t>
+            </a:r>
+            <a:r>
+              <a:rPr dirty="0" err="1"/>
+              <a:t>componentes</a:t>
+            </a:r>
+            <a:r>
+              <a:rPr dirty="0"/>
+              <a:t> de </a:t>
+            </a:r>
+            <a:r>
+              <a:rPr dirty="0" err="1"/>
+              <a:t>classe</a:t>
+            </a:r>
+            <a:r>
+              <a:rPr dirty="0"/>
+              <a:t> → use render() com return </a:t>
+            </a:r>
+            <a:r>
+              <a:rPr dirty="0" err="1"/>
+              <a:t>dentro</a:t>
+            </a:r>
+            <a:endParaRPr dirty="0"/>
+          </a:p>
+          <a:p>
+            <a:pPr marL="0" indent="0">
+              <a:buNone/>
+            </a:pPr>
+            <a:r>
+              <a:rPr dirty="0"/>
+              <a:t>✅ </a:t>
+            </a:r>
+            <a:r>
+              <a:rPr dirty="0" err="1"/>
+              <a:t>useState</a:t>
+            </a:r>
+            <a:r>
+              <a:rPr dirty="0"/>
+              <a:t>/</a:t>
+            </a:r>
+            <a:r>
+              <a:rPr dirty="0" err="1"/>
+              <a:t>useEffect</a:t>
+            </a:r>
+            <a:r>
+              <a:rPr dirty="0"/>
+              <a:t> </a:t>
+            </a:r>
+            <a:r>
+              <a:rPr dirty="0" err="1"/>
+              <a:t>só</a:t>
+            </a:r>
+            <a:r>
+              <a:rPr dirty="0"/>
+              <a:t> </a:t>
+            </a:r>
+            <a:r>
+              <a:rPr dirty="0" err="1"/>
+              <a:t>funcionam</a:t>
+            </a:r>
+            <a:r>
+              <a:rPr dirty="0"/>
+              <a:t> com </a:t>
+            </a:r>
+            <a:r>
+              <a:rPr dirty="0" err="1"/>
+              <a:t>componentes</a:t>
+            </a:r>
+            <a:r>
+              <a:rPr dirty="0"/>
+              <a:t> </a:t>
+            </a:r>
+            <a:r>
+              <a:rPr dirty="0" err="1"/>
+              <a:t>funcionais</a:t>
+            </a:r>
+            <a:endParaRPr dirty="0"/>
+          </a:p>
+          <a:p>
+            <a:pPr marL="0" indent="0">
+              <a:buNone/>
+            </a:pPr>
+            <a:r>
+              <a:rPr dirty="0"/>
+              <a:t>⚠️ Erro </a:t>
+            </a:r>
+            <a:r>
+              <a:rPr dirty="0" err="1"/>
+              <a:t>comum</a:t>
+            </a:r>
+            <a:r>
+              <a:rPr dirty="0"/>
+              <a:t>: </a:t>
+            </a:r>
+            <a:r>
+              <a:rPr dirty="0" err="1"/>
+              <a:t>esquecer</a:t>
+            </a:r>
+            <a:r>
+              <a:rPr dirty="0"/>
+              <a:t> o return </a:t>
+            </a:r>
+            <a:r>
+              <a:rPr dirty="0" err="1"/>
+              <a:t>ou</a:t>
+            </a:r>
+            <a:r>
+              <a:rPr dirty="0"/>
+              <a:t> usar render() </a:t>
+            </a:r>
+            <a:r>
+              <a:rPr dirty="0" err="1"/>
+              <a:t>em</a:t>
+            </a:r>
+            <a:r>
+              <a:rPr dirty="0"/>
+              <a:t> </a:t>
+            </a:r>
+            <a:r>
+              <a:rPr dirty="0" err="1"/>
+              <a:t>componente</a:t>
+            </a:r>
+            <a:r>
+              <a:rPr dirty="0"/>
+              <a:t> </a:t>
+            </a:r>
+            <a:r>
+              <a:rPr dirty="0" err="1"/>
+              <a:t>funcional</a:t>
+            </a:r>
+            <a:endParaRPr dirty="0"/>
+          </a:p>
+        </p:txBody>
+      </p:sp>
+    </p:spTree>
+  </p:cSld>
+  <p:clrMapOvr>
+    <a:masterClrMapping/>
+  </p:clrMapOvr>
+</p:sld>
+</file>
+
+<file path=ppt/slides/slide24.xml><?xml version="1.0" encoding="utf-8"?>
 <p:sld xmlns:a="http://schemas.openxmlformats.org/drawingml/2006/main" xmlns:r="http://schemas.openxmlformats.org/officeDocument/2006/relationships" xmlns:p="http://schemas.openxmlformats.org/presentationml/2006/main">
   <p:cSld>
     <p:spTree>
@@ -8576,7 +10871,1008 @@
 </p:sld>
 </file>
 
-<file path=ppt/slides/slide21.xml><?xml version="1.0" encoding="utf-8"?>
+<file path=ppt/slides/slide25.xml><?xml version="1.0" encoding="utf-8"?>
+<p:sld xmlns:a="http://schemas.openxmlformats.org/drawingml/2006/main" xmlns:r="http://schemas.openxmlformats.org/officeDocument/2006/relationships" xmlns:p="http://schemas.openxmlformats.org/presentationml/2006/main">
+  <p:cSld>
+    <p:spTree>
+      <p:nvGrpSpPr>
+        <p:cNvPr id="1" name="">
+          <a:extLst>
+            <a:ext uri="{FF2B5EF4-FFF2-40B4-BE49-F238E27FC236}">
+              <a16:creationId xmlns:a16="http://schemas.microsoft.com/office/drawing/2014/main" id="{555E6AB8-DA71-1074-0C58-531F13FD9FD3}"/>
+            </a:ext>
+          </a:extLst>
+        </p:cNvPr>
+        <p:cNvGrpSpPr/>
+        <p:nvPr/>
+      </p:nvGrpSpPr>
+      <p:grpSpPr>
+        <a:xfrm>
+          <a:off x="0" y="0"/>
+          <a:ext cx="0" cy="0"/>
+          <a:chOff x="0" y="0"/>
+          <a:chExt cx="0" cy="0"/>
+        </a:xfrm>
+      </p:grpSpPr>
+      <p:sp>
+        <p:nvSpPr>
+          <p:cNvPr id="2" name="Title 1">
+            <a:extLst>
+              <a:ext uri="{FF2B5EF4-FFF2-40B4-BE49-F238E27FC236}">
+                <a16:creationId xmlns:a16="http://schemas.microsoft.com/office/drawing/2014/main" id="{2330DCC4-DCBF-3D1B-3383-067E1C12542D}"/>
+              </a:ext>
+            </a:extLst>
+          </p:cNvPr>
+          <p:cNvSpPr>
+            <a:spLocks noGrp="1"/>
+          </p:cNvSpPr>
+          <p:nvPr>
+            <p:ph type="title"/>
+          </p:nvPr>
+        </p:nvSpPr>
+        <p:spPr/>
+        <p:txBody>
+          <a:bodyPr>
+            <a:normAutofit/>
+          </a:bodyPr>
+          <a:lstStyle/>
+          <a:p>
+            <a:r>
+              <a:rPr lang="pt-BR" dirty="0" err="1"/>
+              <a:t>Exercicio</a:t>
+            </a:r>
+            <a:endParaRPr dirty="0"/>
+          </a:p>
+        </p:txBody>
+      </p:sp>
+      <p:sp>
+        <p:nvSpPr>
+          <p:cNvPr id="4" name="Content Placeholder 3">
+            <a:extLst>
+              <a:ext uri="{FF2B5EF4-FFF2-40B4-BE49-F238E27FC236}">
+                <a16:creationId xmlns:a16="http://schemas.microsoft.com/office/drawing/2014/main" id="{ECFFCBE1-EF95-0850-4B64-DCBB4C8909BC}"/>
+              </a:ext>
+            </a:extLst>
+          </p:cNvPr>
+          <p:cNvSpPr>
+            <a:spLocks noGrp="1"/>
+          </p:cNvSpPr>
+          <p:nvPr>
+            <p:ph idx="1"/>
+          </p:nvPr>
+        </p:nvSpPr>
+        <p:spPr>
+          <a:xfrm>
+            <a:off x="594360" y="4444662"/>
+            <a:ext cx="7955280" cy="1818977"/>
+          </a:xfrm>
+        </p:spPr>
+        <p:txBody>
+          <a:bodyPr>
+            <a:normAutofit fontScale="92500"/>
+          </a:bodyPr>
+          <a:lstStyle/>
+          <a:p>
+            <a:pPr>
+              <a:buNone/>
+            </a:pPr>
+            <a:r>
+              <a:rPr lang="en-US" b="1" dirty="0"/>
+              <a:t>Esse </a:t>
+            </a:r>
+            <a:r>
+              <a:rPr lang="en-US" b="1" dirty="0" err="1"/>
+              <a:t>componente</a:t>
+            </a:r>
+            <a:r>
+              <a:rPr lang="en-US" b="1" dirty="0"/>
+              <a:t>:</a:t>
+            </a:r>
+            <a:endParaRPr lang="en-US" dirty="0"/>
+          </a:p>
+          <a:p>
+            <a:r>
+              <a:rPr lang="en-US" dirty="0"/>
+              <a:t>A) </a:t>
+            </a:r>
+            <a:r>
+              <a:rPr lang="en-US" dirty="0" err="1"/>
+              <a:t>Está</a:t>
+            </a:r>
+            <a:r>
+              <a:rPr lang="en-US" dirty="0"/>
+              <a:t> </a:t>
+            </a:r>
+            <a:r>
+              <a:rPr lang="en-US" dirty="0" err="1"/>
+              <a:t>usando</a:t>
+            </a:r>
+            <a:r>
+              <a:rPr lang="en-US" dirty="0"/>
+              <a:t> o </a:t>
+            </a:r>
+            <a:r>
+              <a:rPr lang="en-US" dirty="0" err="1"/>
+              <a:t>método</a:t>
+            </a:r>
+            <a:r>
+              <a:rPr lang="en-US" dirty="0"/>
+              <a:t> render() </a:t>
+            </a:r>
+            <a:r>
+              <a:rPr lang="en-US" dirty="0" err="1"/>
+              <a:t>corretamente</a:t>
+            </a:r>
+            <a:br>
+              <a:rPr lang="en-US" dirty="0"/>
+            </a:br>
+            <a:r>
+              <a:rPr lang="en-US" dirty="0"/>
+              <a:t>B) </a:t>
+            </a:r>
+            <a:r>
+              <a:rPr lang="en-US" dirty="0" err="1"/>
+              <a:t>Está</a:t>
+            </a:r>
+            <a:r>
+              <a:rPr lang="en-US" dirty="0"/>
+              <a:t> </a:t>
+            </a:r>
+            <a:r>
+              <a:rPr lang="en-US" dirty="0" err="1"/>
+              <a:t>incorreto</a:t>
+            </a:r>
+            <a:r>
+              <a:rPr lang="en-US" dirty="0"/>
+              <a:t> pois </a:t>
+            </a:r>
+            <a:r>
+              <a:rPr lang="en-US" dirty="0" err="1"/>
+              <a:t>não</a:t>
+            </a:r>
+            <a:r>
+              <a:rPr lang="en-US" dirty="0"/>
+              <a:t> </a:t>
+            </a:r>
+            <a:r>
+              <a:rPr lang="en-US" dirty="0" err="1"/>
+              <a:t>possui</a:t>
+            </a:r>
+            <a:r>
+              <a:rPr lang="en-US" dirty="0"/>
+              <a:t> render()</a:t>
+            </a:r>
+            <a:br>
+              <a:rPr lang="en-US" dirty="0"/>
+            </a:br>
+            <a:r>
+              <a:rPr lang="en-US" dirty="0"/>
+              <a:t>C) </a:t>
+            </a:r>
+            <a:r>
+              <a:rPr lang="en-US" dirty="0" err="1"/>
+              <a:t>É</a:t>
+            </a:r>
+            <a:r>
+              <a:rPr lang="en-US" dirty="0"/>
+              <a:t> um </a:t>
+            </a:r>
+            <a:r>
+              <a:rPr lang="en-US" dirty="0" err="1"/>
+              <a:t>componente</a:t>
+            </a:r>
+            <a:r>
+              <a:rPr lang="en-US" dirty="0"/>
+              <a:t> </a:t>
+            </a:r>
+            <a:r>
+              <a:rPr lang="en-US" dirty="0" err="1"/>
+              <a:t>funcional</a:t>
+            </a:r>
+            <a:r>
+              <a:rPr lang="en-US" dirty="0"/>
+              <a:t>, </a:t>
+            </a:r>
+            <a:r>
+              <a:rPr lang="en-US" dirty="0" err="1"/>
+              <a:t>então</a:t>
+            </a:r>
+            <a:r>
+              <a:rPr lang="en-US" dirty="0"/>
+              <a:t> return </a:t>
+            </a:r>
+            <a:r>
+              <a:rPr lang="en-US" dirty="0" err="1"/>
+              <a:t>é</a:t>
+            </a:r>
+            <a:r>
+              <a:rPr lang="en-US" dirty="0"/>
+              <a:t> </a:t>
+            </a:r>
+            <a:r>
+              <a:rPr lang="en-US" dirty="0" err="1"/>
+              <a:t>suficiente</a:t>
+            </a:r>
+            <a:br>
+              <a:rPr lang="en-US" dirty="0"/>
+            </a:br>
+            <a:r>
+              <a:rPr lang="en-US" dirty="0"/>
+              <a:t>D) </a:t>
+            </a:r>
+            <a:r>
+              <a:rPr lang="en-US" dirty="0" err="1"/>
+              <a:t>Não</a:t>
+            </a:r>
+            <a:r>
+              <a:rPr lang="en-US" dirty="0"/>
+              <a:t> </a:t>
+            </a:r>
+            <a:r>
+              <a:rPr lang="en-US" dirty="0" err="1"/>
+              <a:t>funcionará</a:t>
+            </a:r>
+            <a:r>
+              <a:rPr lang="en-US" dirty="0"/>
+              <a:t> no React Native</a:t>
+            </a:r>
+          </a:p>
+        </p:txBody>
+      </p:sp>
+      <p:sp>
+        <p:nvSpPr>
+          <p:cNvPr id="6" name="TextBox 5">
+            <a:extLst>
+              <a:ext uri="{FF2B5EF4-FFF2-40B4-BE49-F238E27FC236}">
+                <a16:creationId xmlns:a16="http://schemas.microsoft.com/office/drawing/2014/main" id="{F363480C-B44A-2288-B27C-61531075596D}"/>
+              </a:ext>
+            </a:extLst>
+          </p:cNvPr>
+          <p:cNvSpPr txBox="1"/>
+          <p:nvPr/>
+        </p:nvSpPr>
+        <p:spPr>
+          <a:xfrm>
+            <a:off x="1905000" y="1905338"/>
+            <a:ext cx="4572000" cy="2031325"/>
+          </a:xfrm>
+          <a:prstGeom prst="rect">
+            <a:avLst/>
+          </a:prstGeom>
+          <a:noFill/>
+        </p:spPr>
+        <p:txBody>
+          <a:bodyPr wrap="square">
+            <a:spAutoFit/>
+          </a:bodyPr>
+          <a:lstStyle/>
+          <a:p>
+            <a:r>
+              <a:rPr lang="en-BR" dirty="0"/>
+              <a:t>function MeuComponente() {</a:t>
+            </a:r>
+          </a:p>
+          <a:p>
+            <a:r>
+              <a:rPr lang="en-BR" dirty="0"/>
+              <a:t>  return (</a:t>
+            </a:r>
+          </a:p>
+          <a:p>
+            <a:r>
+              <a:rPr lang="en-BR" dirty="0"/>
+              <a:t>    &lt;View&gt;</a:t>
+            </a:r>
+          </a:p>
+          <a:p>
+            <a:r>
+              <a:rPr lang="en-BR" dirty="0"/>
+              <a:t>      &lt;Text&gt;Olá mundo&lt;/Text&gt;</a:t>
+            </a:r>
+          </a:p>
+          <a:p>
+            <a:r>
+              <a:rPr lang="en-BR" dirty="0"/>
+              <a:t>    &lt;/View&gt;</a:t>
+            </a:r>
+          </a:p>
+          <a:p>
+            <a:r>
+              <a:rPr lang="en-BR" dirty="0"/>
+              <a:t>  );</a:t>
+            </a:r>
+          </a:p>
+          <a:p>
+            <a:r>
+              <a:rPr lang="en-BR" dirty="0"/>
+              <a:t>}</a:t>
+            </a:r>
+          </a:p>
+        </p:txBody>
+      </p:sp>
+    </p:spTree>
+    <p:extLst>
+      <p:ext uri="{BB962C8B-B14F-4D97-AF65-F5344CB8AC3E}">
+        <p14:creationId xmlns:p14="http://schemas.microsoft.com/office/powerpoint/2010/main" val="561505234"/>
+      </p:ext>
+    </p:extLst>
+  </p:cSld>
+  <p:clrMapOvr>
+    <a:masterClrMapping/>
+  </p:clrMapOvr>
+</p:sld>
+</file>
+
+<file path=ppt/slides/slide26.xml><?xml version="1.0" encoding="utf-8"?>
+<p:sld xmlns:a="http://schemas.openxmlformats.org/drawingml/2006/main" xmlns:r="http://schemas.openxmlformats.org/officeDocument/2006/relationships" xmlns:p="http://schemas.openxmlformats.org/presentationml/2006/main">
+  <p:cSld>
+    <p:spTree>
+      <p:nvGrpSpPr>
+        <p:cNvPr id="1" name="">
+          <a:extLst>
+            <a:ext uri="{FF2B5EF4-FFF2-40B4-BE49-F238E27FC236}">
+              <a16:creationId xmlns:a16="http://schemas.microsoft.com/office/drawing/2014/main" id="{4399648F-B18E-3ED8-5CB6-19C53A9D53CB}"/>
+            </a:ext>
+          </a:extLst>
+        </p:cNvPr>
+        <p:cNvGrpSpPr/>
+        <p:nvPr/>
+      </p:nvGrpSpPr>
+      <p:grpSpPr>
+        <a:xfrm>
+          <a:off x="0" y="0"/>
+          <a:ext cx="0" cy="0"/>
+          <a:chOff x="0" y="0"/>
+          <a:chExt cx="0" cy="0"/>
+        </a:xfrm>
+      </p:grpSpPr>
+      <p:sp>
+        <p:nvSpPr>
+          <p:cNvPr id="2" name="Title 1">
+            <a:extLst>
+              <a:ext uri="{FF2B5EF4-FFF2-40B4-BE49-F238E27FC236}">
+                <a16:creationId xmlns:a16="http://schemas.microsoft.com/office/drawing/2014/main" id="{100A2385-B2D9-7FE1-7617-AACE3A146D2C}"/>
+              </a:ext>
+            </a:extLst>
+          </p:cNvPr>
+          <p:cNvSpPr>
+            <a:spLocks noGrp="1"/>
+          </p:cNvSpPr>
+          <p:nvPr>
+            <p:ph type="title"/>
+          </p:nvPr>
+        </p:nvSpPr>
+        <p:spPr/>
+        <p:txBody>
+          <a:bodyPr>
+            <a:normAutofit/>
+          </a:bodyPr>
+          <a:lstStyle/>
+          <a:p>
+            <a:r>
+              <a:rPr lang="pt-BR" dirty="0" err="1"/>
+              <a:t>Exercicio</a:t>
+            </a:r>
+            <a:endParaRPr dirty="0"/>
+          </a:p>
+        </p:txBody>
+      </p:sp>
+      <p:sp>
+        <p:nvSpPr>
+          <p:cNvPr id="6" name="TextBox 5">
+            <a:extLst>
+              <a:ext uri="{FF2B5EF4-FFF2-40B4-BE49-F238E27FC236}">
+                <a16:creationId xmlns:a16="http://schemas.microsoft.com/office/drawing/2014/main" id="{3A4E4EAB-4F27-E7E1-8A10-554DF6B8E6AE}"/>
+              </a:ext>
+            </a:extLst>
+          </p:cNvPr>
+          <p:cNvSpPr txBox="1"/>
+          <p:nvPr/>
+        </p:nvSpPr>
+        <p:spPr>
+          <a:xfrm>
+            <a:off x="723900" y="2242433"/>
+            <a:ext cx="3213100" cy="1477328"/>
+          </a:xfrm>
+          <a:prstGeom prst="rect">
+            <a:avLst/>
+          </a:prstGeom>
+          <a:noFill/>
+        </p:spPr>
+        <p:txBody>
+          <a:bodyPr wrap="square">
+            <a:spAutoFit/>
+          </a:bodyPr>
+          <a:lstStyle/>
+          <a:p>
+            <a:r>
+              <a:rPr lang="en-US" dirty="0" err="1"/>
+              <a:t>A:function</a:t>
+            </a:r>
+            <a:r>
+              <a:rPr lang="en-US" dirty="0"/>
+              <a:t> App() {</a:t>
+            </a:r>
+          </a:p>
+          <a:p>
+            <a:r>
+              <a:rPr lang="en-US" dirty="0"/>
+              <a:t>  render() {</a:t>
+            </a:r>
+          </a:p>
+          <a:p>
+            <a:r>
+              <a:rPr lang="en-US" dirty="0"/>
+              <a:t>    return &lt;Text&gt;Oi&lt;/Text&gt;;</a:t>
+            </a:r>
+          </a:p>
+          <a:p>
+            <a:r>
+              <a:rPr lang="en-US" dirty="0"/>
+              <a:t>  }</a:t>
+            </a:r>
+          </a:p>
+          <a:p>
+            <a:r>
+              <a:rPr lang="en-US" dirty="0"/>
+              <a:t>}</a:t>
+            </a:r>
+            <a:endParaRPr lang="en-BR" dirty="0"/>
+          </a:p>
+        </p:txBody>
+      </p:sp>
+      <p:sp>
+        <p:nvSpPr>
+          <p:cNvPr id="3" name="TextBox 2">
+            <a:extLst>
+              <a:ext uri="{FF2B5EF4-FFF2-40B4-BE49-F238E27FC236}">
+                <a16:creationId xmlns:a16="http://schemas.microsoft.com/office/drawing/2014/main" id="{392B9F1B-7A9F-9BCA-1F66-E6C9A768AF55}"/>
+              </a:ext>
+            </a:extLst>
+          </p:cNvPr>
+          <p:cNvSpPr txBox="1"/>
+          <p:nvPr/>
+        </p:nvSpPr>
+        <p:spPr>
+          <a:xfrm>
+            <a:off x="114300" y="1688069"/>
+            <a:ext cx="9134232" cy="369332"/>
+          </a:xfrm>
+          <a:prstGeom prst="rect">
+            <a:avLst/>
+          </a:prstGeom>
+          <a:noFill/>
+        </p:spPr>
+        <p:txBody>
+          <a:bodyPr wrap="none" rtlCol="0">
+            <a:spAutoFit/>
+          </a:bodyPr>
+          <a:lstStyle/>
+          <a:p>
+            <a:r>
+              <a:rPr lang="en-US" dirty="0"/>
+              <a:t>Qual </a:t>
+            </a:r>
+            <a:r>
+              <a:rPr lang="en-US" dirty="0" err="1"/>
+              <a:t>estrutura</a:t>
+            </a:r>
+            <a:r>
+              <a:rPr lang="en-US" dirty="0"/>
+              <a:t> </a:t>
+            </a:r>
+            <a:r>
+              <a:rPr lang="en-US" dirty="0" err="1"/>
+              <a:t>está</a:t>
+            </a:r>
+            <a:r>
+              <a:rPr lang="en-US" dirty="0"/>
+              <a:t> </a:t>
+            </a:r>
+            <a:r>
+              <a:rPr lang="en-US" dirty="0" err="1"/>
+              <a:t>correta</a:t>
+            </a:r>
+            <a:r>
+              <a:rPr lang="en-US" dirty="0"/>
+              <a:t> para um </a:t>
+            </a:r>
+            <a:r>
+              <a:rPr lang="en-US" dirty="0" err="1"/>
+              <a:t>componente</a:t>
+            </a:r>
+            <a:r>
+              <a:rPr lang="en-US" dirty="0"/>
+              <a:t> de CLASSE </a:t>
+            </a:r>
+            <a:r>
+              <a:rPr lang="en-US" dirty="0" err="1"/>
+              <a:t>em</a:t>
+            </a:r>
+            <a:r>
+              <a:rPr lang="en-US" dirty="0"/>
+              <a:t> React Native?</a:t>
+            </a:r>
+            <a:endParaRPr lang="en-BR" dirty="0"/>
+          </a:p>
+        </p:txBody>
+      </p:sp>
+      <p:sp>
+        <p:nvSpPr>
+          <p:cNvPr id="5" name="TextBox 4">
+            <a:extLst>
+              <a:ext uri="{FF2B5EF4-FFF2-40B4-BE49-F238E27FC236}">
+                <a16:creationId xmlns:a16="http://schemas.microsoft.com/office/drawing/2014/main" id="{874A105B-A462-C4D4-642A-C0BC52ABCF9B}"/>
+              </a:ext>
+            </a:extLst>
+          </p:cNvPr>
+          <p:cNvSpPr txBox="1"/>
+          <p:nvPr/>
+        </p:nvSpPr>
+        <p:spPr>
+          <a:xfrm>
+            <a:off x="4127500" y="2242433"/>
+            <a:ext cx="4730782" cy="1200329"/>
+          </a:xfrm>
+          <a:prstGeom prst="rect">
+            <a:avLst/>
+          </a:prstGeom>
+          <a:noFill/>
+        </p:spPr>
+        <p:txBody>
+          <a:bodyPr wrap="none" rtlCol="0">
+            <a:spAutoFit/>
+          </a:bodyPr>
+          <a:lstStyle/>
+          <a:p>
+            <a:r>
+              <a:rPr lang="en-US" dirty="0" err="1"/>
+              <a:t>B:class</a:t>
+            </a:r>
+            <a:r>
+              <a:rPr lang="en-US" dirty="0"/>
+              <a:t> App extends </a:t>
+            </a:r>
+            <a:r>
+              <a:rPr lang="en-US" dirty="0" err="1"/>
+              <a:t>React.Component</a:t>
+            </a:r>
+            <a:r>
+              <a:rPr lang="en-US" dirty="0"/>
+              <a:t> {</a:t>
+            </a:r>
+          </a:p>
+          <a:p>
+            <a:r>
+              <a:rPr lang="en-US" dirty="0"/>
+              <a:t>  return &lt;Text&gt;Oi&lt;/Text&gt;;</a:t>
+            </a:r>
+          </a:p>
+          <a:p>
+            <a:r>
+              <a:rPr lang="en-US" dirty="0"/>
+              <a:t>}</a:t>
+            </a:r>
+          </a:p>
+          <a:p>
+            <a:endParaRPr lang="en-BR" dirty="0"/>
+          </a:p>
+        </p:txBody>
+      </p:sp>
+      <p:sp>
+        <p:nvSpPr>
+          <p:cNvPr id="9" name="TextBox 8">
+            <a:extLst>
+              <a:ext uri="{FF2B5EF4-FFF2-40B4-BE49-F238E27FC236}">
+                <a16:creationId xmlns:a16="http://schemas.microsoft.com/office/drawing/2014/main" id="{0B3CED45-5A87-6EBB-D332-9A7AB2B9CE6D}"/>
+              </a:ext>
+            </a:extLst>
+          </p:cNvPr>
+          <p:cNvSpPr txBox="1"/>
+          <p:nvPr/>
+        </p:nvSpPr>
+        <p:spPr>
+          <a:xfrm>
+            <a:off x="812800" y="4114800"/>
+            <a:ext cx="4785284" cy="1754326"/>
+          </a:xfrm>
+          <a:prstGeom prst="rect">
+            <a:avLst/>
+          </a:prstGeom>
+          <a:noFill/>
+        </p:spPr>
+        <p:txBody>
+          <a:bodyPr wrap="none" rtlCol="0">
+            <a:spAutoFit/>
+          </a:bodyPr>
+          <a:lstStyle/>
+          <a:p>
+            <a:r>
+              <a:rPr lang="en-US" dirty="0" err="1"/>
+              <a:t>C:class</a:t>
+            </a:r>
+            <a:r>
+              <a:rPr lang="en-US" dirty="0"/>
+              <a:t> App extends </a:t>
+            </a:r>
+            <a:r>
+              <a:rPr lang="en-US" dirty="0" err="1"/>
+              <a:t>React.Component</a:t>
+            </a:r>
+            <a:r>
+              <a:rPr lang="en-US" dirty="0"/>
+              <a:t> {</a:t>
+            </a:r>
+          </a:p>
+          <a:p>
+            <a:r>
+              <a:rPr lang="en-US" dirty="0"/>
+              <a:t>  render() {</a:t>
+            </a:r>
+          </a:p>
+          <a:p>
+            <a:r>
+              <a:rPr lang="en-US" dirty="0"/>
+              <a:t>    return &lt;Text&gt;Oi&lt;/Text&gt;;</a:t>
+            </a:r>
+          </a:p>
+          <a:p>
+            <a:r>
+              <a:rPr lang="en-US" dirty="0"/>
+              <a:t>  }</a:t>
+            </a:r>
+          </a:p>
+          <a:p>
+            <a:r>
+              <a:rPr lang="en-US" dirty="0"/>
+              <a:t>}</a:t>
+            </a:r>
+          </a:p>
+          <a:p>
+            <a:endParaRPr lang="en-BR" dirty="0"/>
+          </a:p>
+        </p:txBody>
+      </p:sp>
+      <p:sp>
+        <p:nvSpPr>
+          <p:cNvPr id="10" name="TextBox 9">
+            <a:extLst>
+              <a:ext uri="{FF2B5EF4-FFF2-40B4-BE49-F238E27FC236}">
+                <a16:creationId xmlns:a16="http://schemas.microsoft.com/office/drawing/2014/main" id="{BA22B619-E709-A500-634F-88F6055A010D}"/>
+              </a:ext>
+            </a:extLst>
+          </p:cNvPr>
+          <p:cNvSpPr txBox="1"/>
+          <p:nvPr/>
+        </p:nvSpPr>
+        <p:spPr>
+          <a:xfrm>
+            <a:off x="5858743" y="4013200"/>
+            <a:ext cx="2999539" cy="1754326"/>
+          </a:xfrm>
+          <a:prstGeom prst="rect">
+            <a:avLst/>
+          </a:prstGeom>
+          <a:noFill/>
+        </p:spPr>
+        <p:txBody>
+          <a:bodyPr wrap="none" rtlCol="0">
+            <a:spAutoFit/>
+          </a:bodyPr>
+          <a:lstStyle/>
+          <a:p>
+            <a:r>
+              <a:rPr lang="en-US" dirty="0" err="1"/>
+              <a:t>D:class</a:t>
+            </a:r>
+            <a:r>
+              <a:rPr lang="en-US" dirty="0"/>
+              <a:t> App {</a:t>
+            </a:r>
+          </a:p>
+          <a:p>
+            <a:r>
+              <a:rPr lang="en-US" dirty="0"/>
+              <a:t>  render() {</a:t>
+            </a:r>
+          </a:p>
+          <a:p>
+            <a:r>
+              <a:rPr lang="en-US" dirty="0"/>
+              <a:t>    return &lt;Text&gt;Oi&lt;/Text&gt;;</a:t>
+            </a:r>
+          </a:p>
+          <a:p>
+            <a:r>
+              <a:rPr lang="en-US" dirty="0"/>
+              <a:t>  }</a:t>
+            </a:r>
+          </a:p>
+          <a:p>
+            <a:r>
+              <a:rPr lang="en-US" dirty="0"/>
+              <a:t>}</a:t>
+            </a:r>
+          </a:p>
+          <a:p>
+            <a:endParaRPr lang="en-BR" dirty="0"/>
+          </a:p>
+        </p:txBody>
+      </p:sp>
+    </p:spTree>
+    <p:extLst>
+      <p:ext uri="{BB962C8B-B14F-4D97-AF65-F5344CB8AC3E}">
+        <p14:creationId xmlns:p14="http://schemas.microsoft.com/office/powerpoint/2010/main" val="3002661556"/>
+      </p:ext>
+    </p:extLst>
+  </p:cSld>
+  <p:clrMapOvr>
+    <a:masterClrMapping/>
+  </p:clrMapOvr>
+</p:sld>
+</file>
+
+<file path=ppt/slides/slide27.xml><?xml version="1.0" encoding="utf-8"?>
+<p:sld xmlns:a="http://schemas.openxmlformats.org/drawingml/2006/main" xmlns:r="http://schemas.openxmlformats.org/officeDocument/2006/relationships" xmlns:p="http://schemas.openxmlformats.org/presentationml/2006/main">
+  <p:cSld>
+    <p:spTree>
+      <p:nvGrpSpPr>
+        <p:cNvPr id="1" name="">
+          <a:extLst>
+            <a:ext uri="{FF2B5EF4-FFF2-40B4-BE49-F238E27FC236}">
+              <a16:creationId xmlns:a16="http://schemas.microsoft.com/office/drawing/2014/main" id="{CD0CAF90-252B-0816-25FE-8F057A3D9EC4}"/>
+            </a:ext>
+          </a:extLst>
+        </p:cNvPr>
+        <p:cNvGrpSpPr/>
+        <p:nvPr/>
+      </p:nvGrpSpPr>
+      <p:grpSpPr>
+        <a:xfrm>
+          <a:off x="0" y="0"/>
+          <a:ext cx="0" cy="0"/>
+          <a:chOff x="0" y="0"/>
+          <a:chExt cx="0" cy="0"/>
+        </a:xfrm>
+      </p:grpSpPr>
+      <p:sp>
+        <p:nvSpPr>
+          <p:cNvPr id="2" name="Title 1">
+            <a:extLst>
+              <a:ext uri="{FF2B5EF4-FFF2-40B4-BE49-F238E27FC236}">
+                <a16:creationId xmlns:a16="http://schemas.microsoft.com/office/drawing/2014/main" id="{CBA4E046-27EF-A653-3B3D-C700F6469A00}"/>
+              </a:ext>
+            </a:extLst>
+          </p:cNvPr>
+          <p:cNvSpPr>
+            <a:spLocks noGrp="1"/>
+          </p:cNvSpPr>
+          <p:nvPr>
+            <p:ph type="title"/>
+          </p:nvPr>
+        </p:nvSpPr>
+        <p:spPr/>
+        <p:txBody>
+          <a:bodyPr>
+            <a:normAutofit/>
+          </a:bodyPr>
+          <a:lstStyle/>
+          <a:p>
+            <a:r>
+              <a:rPr lang="pt-BR" dirty="0" err="1"/>
+              <a:t>Exercicio</a:t>
+            </a:r>
+            <a:endParaRPr dirty="0"/>
+          </a:p>
+        </p:txBody>
+      </p:sp>
+      <p:sp>
+        <p:nvSpPr>
+          <p:cNvPr id="6" name="TextBox 5">
+            <a:extLst>
+              <a:ext uri="{FF2B5EF4-FFF2-40B4-BE49-F238E27FC236}">
+                <a16:creationId xmlns:a16="http://schemas.microsoft.com/office/drawing/2014/main" id="{976A089B-178B-0142-4DFC-5B37AB7FF217}"/>
+              </a:ext>
+            </a:extLst>
+          </p:cNvPr>
+          <p:cNvSpPr txBox="1"/>
+          <p:nvPr/>
+        </p:nvSpPr>
+        <p:spPr>
+          <a:xfrm>
+            <a:off x="723900" y="2242433"/>
+            <a:ext cx="7340600" cy="1477328"/>
+          </a:xfrm>
+          <a:prstGeom prst="rect">
+            <a:avLst/>
+          </a:prstGeom>
+          <a:noFill/>
+        </p:spPr>
+        <p:txBody>
+          <a:bodyPr wrap="square">
+            <a:spAutoFit/>
+          </a:bodyPr>
+          <a:lstStyle/>
+          <a:p>
+            <a:pPr>
+              <a:buNone/>
+            </a:pPr>
+            <a:r>
+              <a:rPr lang="en-US" b="1" dirty="0"/>
+              <a:t>Qual dessas </a:t>
+            </a:r>
+            <a:r>
+              <a:rPr lang="en-US" b="1" dirty="0" err="1"/>
+              <a:t>afirmativas</a:t>
+            </a:r>
+            <a:r>
+              <a:rPr lang="en-US" b="1" dirty="0"/>
+              <a:t> </a:t>
+            </a:r>
+            <a:r>
+              <a:rPr lang="en-US" b="1" dirty="0" err="1"/>
+              <a:t>é</a:t>
+            </a:r>
+            <a:r>
+              <a:rPr lang="en-US" b="1" dirty="0"/>
+              <a:t> VERDADEIRA?</a:t>
+            </a:r>
+          </a:p>
+          <a:p>
+            <a:r>
+              <a:rPr lang="en-US" dirty="0"/>
+              <a:t>A) render() </a:t>
+            </a:r>
+            <a:r>
+              <a:rPr lang="en-US" dirty="0" err="1"/>
+              <a:t>é</a:t>
+            </a:r>
+            <a:r>
+              <a:rPr lang="en-US" dirty="0"/>
+              <a:t> </a:t>
+            </a:r>
+            <a:r>
+              <a:rPr lang="en-US" dirty="0" err="1"/>
+              <a:t>usado</a:t>
+            </a:r>
+            <a:r>
+              <a:rPr lang="en-US" dirty="0"/>
+              <a:t> </a:t>
+            </a:r>
+            <a:r>
+              <a:rPr lang="en-US" dirty="0" err="1"/>
+              <a:t>em</a:t>
+            </a:r>
+            <a:r>
+              <a:rPr lang="en-US" dirty="0"/>
+              <a:t> </a:t>
+            </a:r>
+            <a:r>
+              <a:rPr lang="en-US" dirty="0" err="1"/>
+              <a:t>qualquer</a:t>
+            </a:r>
+            <a:r>
+              <a:rPr lang="en-US" dirty="0"/>
+              <a:t> </a:t>
+            </a:r>
+            <a:r>
+              <a:rPr lang="en-US" dirty="0" err="1"/>
+              <a:t>função</a:t>
+            </a:r>
+            <a:r>
+              <a:rPr lang="en-US" dirty="0"/>
+              <a:t> do React</a:t>
+            </a:r>
+            <a:br>
+              <a:rPr lang="en-US" dirty="0"/>
+            </a:br>
+            <a:r>
+              <a:rPr lang="en-US" dirty="0"/>
+              <a:t>B) return </a:t>
+            </a:r>
+            <a:r>
+              <a:rPr lang="en-US" dirty="0" err="1"/>
+              <a:t>não</a:t>
+            </a:r>
+            <a:r>
+              <a:rPr lang="en-US" dirty="0"/>
+              <a:t> </a:t>
+            </a:r>
+            <a:r>
+              <a:rPr lang="en-US" dirty="0" err="1"/>
+              <a:t>pode</a:t>
+            </a:r>
+            <a:r>
+              <a:rPr lang="en-US" dirty="0"/>
+              <a:t> ser </a:t>
+            </a:r>
+            <a:r>
+              <a:rPr lang="en-US" dirty="0" err="1"/>
+              <a:t>usado</a:t>
+            </a:r>
+            <a:r>
+              <a:rPr lang="en-US" dirty="0"/>
+              <a:t> </a:t>
+            </a:r>
+            <a:r>
+              <a:rPr lang="en-US" dirty="0" err="1"/>
+              <a:t>em</a:t>
+            </a:r>
+            <a:r>
+              <a:rPr lang="en-US" dirty="0"/>
+              <a:t> classes</a:t>
+            </a:r>
+            <a:br>
+              <a:rPr lang="en-US" dirty="0"/>
+            </a:br>
+            <a:r>
+              <a:rPr lang="en-US" dirty="0"/>
+              <a:t>C) </a:t>
+            </a:r>
+            <a:r>
+              <a:rPr lang="en-US" dirty="0" err="1"/>
+              <a:t>Componentes</a:t>
+            </a:r>
+            <a:r>
+              <a:rPr lang="en-US" dirty="0"/>
+              <a:t> </a:t>
+            </a:r>
+            <a:r>
+              <a:rPr lang="en-US" dirty="0" err="1"/>
+              <a:t>funcionais</a:t>
+            </a:r>
+            <a:r>
+              <a:rPr lang="en-US" dirty="0"/>
+              <a:t> </a:t>
+            </a:r>
+            <a:r>
+              <a:rPr lang="en-US" dirty="0" err="1"/>
+              <a:t>usam</a:t>
+            </a:r>
+            <a:r>
+              <a:rPr lang="en-US" dirty="0"/>
+              <a:t> </a:t>
+            </a:r>
+            <a:r>
+              <a:rPr lang="en-US" dirty="0" err="1"/>
+              <a:t>apenas</a:t>
+            </a:r>
+            <a:r>
+              <a:rPr lang="en-US" dirty="0"/>
+              <a:t> return</a:t>
+            </a:r>
+            <a:br>
+              <a:rPr lang="en-US" dirty="0"/>
+            </a:br>
+            <a:r>
+              <a:rPr lang="en-US" dirty="0"/>
+              <a:t>D) Classes </a:t>
+            </a:r>
+            <a:r>
+              <a:rPr lang="en-US" dirty="0" err="1"/>
+              <a:t>devem</a:t>
+            </a:r>
+            <a:r>
+              <a:rPr lang="en-US" dirty="0"/>
+              <a:t> sempre usar return fora do render()</a:t>
+            </a:r>
+          </a:p>
+        </p:txBody>
+      </p:sp>
+    </p:spTree>
+    <p:extLst>
+      <p:ext uri="{BB962C8B-B14F-4D97-AF65-F5344CB8AC3E}">
+        <p14:creationId xmlns:p14="http://schemas.microsoft.com/office/powerpoint/2010/main" val="1053934605"/>
+      </p:ext>
+    </p:extLst>
+  </p:cSld>
+  <p:clrMapOvr>
+    <a:masterClrMapping/>
+  </p:clrMapOvr>
+</p:sld>
+</file>
+
+<file path=ppt/slides/slide28.xml><?xml version="1.0" encoding="utf-8"?>
 <p:sld xmlns:a="http://schemas.openxmlformats.org/drawingml/2006/main" xmlns:r="http://schemas.openxmlformats.org/officeDocument/2006/relationships" xmlns:p="http://schemas.openxmlformats.org/presentationml/2006/main">
   <p:cSld>
     <p:spTree>
@@ -8681,7 +11977,7 @@
 </p:sld>
 </file>
 
-<file path=ppt/slides/slide22.xml><?xml version="1.0" encoding="utf-8"?>
+<file path=ppt/slides/slide29.xml><?xml version="1.0" encoding="utf-8"?>
 <p:sld xmlns:a="http://schemas.openxmlformats.org/drawingml/2006/main" xmlns:r="http://schemas.openxmlformats.org/officeDocument/2006/relationships" xmlns:p="http://schemas.openxmlformats.org/presentationml/2006/main">
   <p:cSld>
     <p:spTree>
@@ -9015,7 +12311,7 @@
 </p:sld>
 </file>
 
-<file path=ppt/slides/slide23.xml><?xml version="1.0" encoding="utf-8"?>
+<file path=ppt/slides/slide3.xml><?xml version="1.0" encoding="utf-8"?>
 <p:sld xmlns:a="http://schemas.openxmlformats.org/drawingml/2006/main" xmlns:r="http://schemas.openxmlformats.org/officeDocument/2006/relationships" xmlns:p="http://schemas.openxmlformats.org/presentationml/2006/main">
   <p:cSld>
     <p:spTree>
@@ -9044,286 +12340,124 @@
         </p:nvSpPr>
         <p:spPr/>
         <p:txBody>
-          <a:bodyPr>
-            <a:normAutofit/>
-          </a:bodyPr>
-          <a:lstStyle/>
-          <a:p>
+          <a:bodyPr/>
+          <a:lstStyle/>
+          <a:p>
+            <a:r>
+              <a:rPr dirty="0" err="1"/>
+              <a:t>Dúvidas</a:t>
+            </a:r>
+            <a:r>
+              <a:rPr dirty="0"/>
+              <a:t> </a:t>
+            </a:r>
+            <a:r>
+              <a:rPr dirty="0" err="1"/>
+              <a:t>Mapeadas</a:t>
+            </a:r>
+            <a:endParaRPr dirty="0"/>
+          </a:p>
+        </p:txBody>
+      </p:sp>
+      <p:sp>
+        <p:nvSpPr>
+          <p:cNvPr id="3" name="Content Placeholder 2"/>
+          <p:cNvSpPr>
+            <a:spLocks noGrp="1"/>
+          </p:cNvSpPr>
+          <p:nvPr>
+            <p:ph idx="1"/>
+          </p:nvPr>
+        </p:nvSpPr>
+        <p:spPr/>
+        <p:txBody>
+          <a:bodyPr/>
+          <a:lstStyle/>
+          <a:p>
+            <a:pPr marL="514350" indent="-514350">
+              <a:buFont typeface="+mj-lt"/>
+              <a:buAutoNum type="arabicPeriod"/>
+            </a:pPr>
             <a:r>
               <a:rPr lang="pt-BR" dirty="0"/>
-              <a:t>DM5 - </a:t>
-            </a:r>
-            <a:r>
-              <a:rPr dirty="0" err="1"/>
-              <a:t>Erros</a:t>
-            </a:r>
-            <a:r>
-              <a:rPr dirty="0"/>
+              <a:t>Expo versus </a:t>
+            </a:r>
+            <a:r>
+              <a:rPr lang="pt-BR" dirty="0" err="1"/>
+              <a:t>React</a:t>
+            </a:r>
+            <a:r>
+              <a:rPr lang="pt-BR" dirty="0"/>
               <a:t> </a:t>
             </a:r>
             <a:r>
-              <a:rPr dirty="0" err="1"/>
-              <a:t>comuns</a:t>
-            </a:r>
-            <a:r>
-              <a:rPr dirty="0"/>
-              <a:t> </a:t>
-            </a:r>
-            <a:r>
-              <a:rPr dirty="0" err="1"/>
-              <a:t>ao</a:t>
-            </a:r>
-            <a:r>
-              <a:rPr dirty="0"/>
-              <a:t> usar </a:t>
-            </a:r>
-            <a:r>
-              <a:rPr dirty="0" err="1"/>
-              <a:t>bibliotecas</a:t>
-            </a:r>
-            <a:endParaRPr dirty="0"/>
-          </a:p>
-        </p:txBody>
-      </p:sp>
-      <p:sp>
-        <p:nvSpPr>
-          <p:cNvPr id="3" name="Content Placeholder 2"/>
-          <p:cNvSpPr>
-            <a:spLocks noGrp="1"/>
-          </p:cNvSpPr>
-          <p:nvPr>
-            <p:ph idx="1"/>
-          </p:nvPr>
-        </p:nvSpPr>
-        <p:spPr/>
-        <p:txBody>
-          <a:bodyPr/>
-          <a:lstStyle/>
-          <a:p>
-            <a:pPr marL="0" indent="0">
-              <a:buNone/>
+              <a:rPr lang="pt-BR" dirty="0" err="1"/>
+              <a:t>Native</a:t>
+            </a:r>
+            <a:endParaRPr lang="pt-BR" dirty="0"/>
+          </a:p>
+          <a:p>
+            <a:pPr marL="514350" indent="-514350">
+              <a:buFont typeface="+mj-lt"/>
+              <a:buAutoNum type="arabicPeriod"/>
             </a:pPr>
             <a:r>
-              <a:rPr dirty="0"/>
-              <a:t>❌ Usar lib </a:t>
-            </a:r>
-            <a:r>
-              <a:rPr dirty="0" err="1"/>
-              <a:t>desatualizada</a:t>
-            </a:r>
-            <a:r>
-              <a:rPr dirty="0"/>
-              <a:t> (</a:t>
-            </a:r>
-            <a:r>
-              <a:rPr dirty="0" err="1"/>
-              <a:t>sem</a:t>
-            </a:r>
-            <a:r>
-              <a:rPr dirty="0"/>
-              <a:t> </a:t>
-            </a:r>
-            <a:r>
-              <a:rPr dirty="0" err="1"/>
-              <a:t>atualizações</a:t>
-            </a:r>
-            <a:r>
-              <a:rPr dirty="0"/>
-              <a:t> </a:t>
-            </a:r>
-            <a:r>
-              <a:rPr dirty="0" err="1"/>
-              <a:t>por</a:t>
-            </a:r>
-            <a:r>
-              <a:rPr dirty="0"/>
-              <a:t> </a:t>
-            </a:r>
-            <a:r>
-              <a:rPr dirty="0" err="1"/>
-              <a:t>anos</a:t>
-            </a:r>
-            <a:r>
-              <a:rPr dirty="0"/>
-              <a:t>)</a:t>
-            </a:r>
-          </a:p>
-          <a:p>
-            <a:pPr marL="0" indent="0">
-              <a:buNone/>
+              <a:rPr lang="pt-BR" dirty="0"/>
+              <a:t>Projeto em si</a:t>
+            </a:r>
+          </a:p>
+          <a:p>
+            <a:pPr marL="514350" indent="-514350">
+              <a:buFont typeface="+mj-lt"/>
+              <a:buAutoNum type="arabicPeriod"/>
             </a:pPr>
             <a:r>
-              <a:rPr dirty="0"/>
-              <a:t>❌ </a:t>
-            </a:r>
-            <a:r>
-              <a:rPr dirty="0" err="1"/>
-              <a:t>Assumir</a:t>
-            </a:r>
-            <a:r>
-              <a:rPr dirty="0"/>
-              <a:t> que </a:t>
-            </a:r>
-            <a:r>
-              <a:rPr dirty="0" err="1"/>
-              <a:t>toda</a:t>
-            </a:r>
-            <a:r>
-              <a:rPr dirty="0"/>
-              <a:t> lib </a:t>
-            </a:r>
-            <a:r>
-              <a:rPr dirty="0" err="1"/>
-              <a:t>funciona</a:t>
-            </a:r>
-            <a:r>
-              <a:rPr dirty="0"/>
-              <a:t> com Expo</a:t>
-            </a:r>
-          </a:p>
-          <a:p>
-            <a:pPr marL="0" indent="0">
-              <a:buNone/>
+              <a:rPr lang="pt-BR" dirty="0" err="1"/>
+              <a:t>Export</a:t>
+            </a:r>
+            <a:r>
+              <a:rPr lang="pt-BR" dirty="0"/>
+              <a:t>, default e </a:t>
+            </a:r>
+            <a:r>
+              <a:rPr lang="pt-BR" dirty="0" err="1"/>
+              <a:t>const</a:t>
+            </a:r>
+            <a:r>
+              <a:rPr lang="pt-BR" dirty="0"/>
+              <a:t> e </a:t>
+            </a:r>
+            <a:r>
+              <a:rPr lang="pt-BR" dirty="0" err="1"/>
+              <a:t>Imports</a:t>
+            </a:r>
+            <a:endParaRPr lang="pt-BR" dirty="0"/>
+          </a:p>
+          <a:p>
+            <a:pPr marL="514350" indent="-514350">
+              <a:buFont typeface="+mj-lt"/>
+              <a:buAutoNum type="arabicPeriod"/>
             </a:pPr>
             <a:r>
-              <a:rPr dirty="0"/>
-              <a:t>❌ </a:t>
-            </a:r>
-            <a:r>
-              <a:rPr dirty="0" err="1"/>
-              <a:t>Ignorar</a:t>
-            </a:r>
-            <a:r>
-              <a:rPr dirty="0"/>
-              <a:t> se </a:t>
-            </a:r>
-            <a:r>
-              <a:rPr dirty="0" err="1"/>
-              <a:t>é</a:t>
-            </a:r>
-            <a:r>
-              <a:rPr dirty="0"/>
-              <a:t> </a:t>
-            </a:r>
-            <a:r>
-              <a:rPr dirty="0" err="1"/>
-              <a:t>compatível</a:t>
-            </a:r>
-            <a:r>
-              <a:rPr dirty="0"/>
-              <a:t> com </a:t>
-            </a:r>
-            <a:r>
-              <a:rPr dirty="0" err="1"/>
-              <a:t>sua</a:t>
-            </a:r>
-            <a:r>
-              <a:rPr dirty="0"/>
-              <a:t> </a:t>
-            </a:r>
-            <a:r>
-              <a:rPr dirty="0" err="1"/>
-              <a:t>versão</a:t>
-            </a:r>
-            <a:r>
-              <a:rPr dirty="0"/>
-              <a:t> do React Native</a:t>
-            </a:r>
-          </a:p>
-          <a:p>
-            <a:pPr marL="0" indent="0">
-              <a:buNone/>
+              <a:rPr lang="pt-BR" dirty="0"/>
+              <a:t>Render versus </a:t>
+            </a:r>
+            <a:r>
+              <a:rPr lang="pt-BR" dirty="0" err="1"/>
+              <a:t>Return</a:t>
+            </a:r>
+            <a:endParaRPr lang="pt-BR" dirty="0"/>
+          </a:p>
+          <a:p>
+            <a:pPr marL="514350" indent="-514350">
+              <a:buFont typeface="+mj-lt"/>
+              <a:buAutoNum type="arabicPeriod"/>
             </a:pPr>
             <a:r>
-              <a:rPr dirty="0"/>
-              <a:t>❌ </a:t>
-            </a:r>
-            <a:r>
-              <a:rPr dirty="0" err="1"/>
-              <a:t>Instalar</a:t>
-            </a:r>
-            <a:r>
-              <a:rPr dirty="0"/>
-              <a:t> </a:t>
-            </a:r>
-            <a:r>
-              <a:rPr dirty="0" err="1"/>
-              <a:t>sem</a:t>
-            </a:r>
-            <a:r>
-              <a:rPr dirty="0"/>
-              <a:t> </a:t>
-            </a:r>
-            <a:r>
-              <a:rPr dirty="0" err="1"/>
-              <a:t>ler</a:t>
-            </a:r>
-            <a:r>
-              <a:rPr dirty="0"/>
-              <a:t> a </a:t>
-            </a:r>
-            <a:r>
-              <a:rPr dirty="0" err="1"/>
-              <a:t>documentação</a:t>
-            </a:r>
-            <a:r>
-              <a:rPr dirty="0"/>
-              <a:t> </a:t>
-            </a:r>
-            <a:r>
-              <a:rPr dirty="0" err="1"/>
-              <a:t>primeiro</a:t>
+              <a:rPr lang="pt-BR" dirty="0" err="1"/>
+              <a:t>Libraries</a:t>
             </a:r>
             <a:endParaRPr lang="pt-BR" dirty="0"/>
-          </a:p>
-          <a:p>
-            <a:pPr marL="0" indent="0">
-              <a:buNone/>
-            </a:pPr>
-            <a:r>
-              <a:rPr lang="en-BR" dirty="0"/>
-              <a:t>❌ </a:t>
-            </a:r>
-            <a:r>
-              <a:rPr lang="en-US" dirty="0" err="1"/>
-              <a:t>Focar</a:t>
-            </a:r>
-            <a:r>
-              <a:rPr lang="en-US" dirty="0"/>
-              <a:t> </a:t>
-            </a:r>
-            <a:r>
-              <a:rPr lang="en-US" dirty="0" err="1"/>
-              <a:t>em</a:t>
-            </a:r>
-            <a:r>
-              <a:rPr lang="en-US" dirty="0"/>
-              <a:t> testes web </a:t>
-            </a:r>
-            <a:r>
-              <a:rPr lang="en-US" dirty="0" err="1"/>
-              <a:t>quando</a:t>
-            </a:r>
-            <a:r>
-              <a:rPr lang="en-US" dirty="0"/>
-              <a:t> o </a:t>
-            </a:r>
-            <a:r>
-              <a:rPr lang="en-US" dirty="0" err="1"/>
-              <a:t>foco</a:t>
-            </a:r>
-            <a:r>
-              <a:rPr lang="en-US" dirty="0"/>
-              <a:t> do React Native </a:t>
-            </a:r>
-            <a:r>
-              <a:rPr lang="en-US" dirty="0" err="1"/>
-              <a:t>é</a:t>
-            </a:r>
-            <a:r>
-              <a:rPr lang="en-US" dirty="0"/>
-              <a:t> Nativo (iOS e Android)</a:t>
-            </a:r>
           </a:p>
           <a:p>
             <a:pPr marL="0" indent="0">
@@ -9341,7 +12475,7 @@
 </p:sld>
 </file>
 
-<file path=ppt/slides/slide24.xml><?xml version="1.0" encoding="utf-8"?>
+<file path=ppt/slides/slide30.xml><?xml version="1.0" encoding="utf-8"?>
 <p:sld xmlns:a="http://schemas.openxmlformats.org/drawingml/2006/main" xmlns:r="http://schemas.openxmlformats.org/officeDocument/2006/relationships" xmlns:p="http://schemas.openxmlformats.org/presentationml/2006/main">
   <p:cSld>
     <p:spTree>
@@ -9380,12 +12514,8 @@
               <a:t>DM5 - </a:t>
             </a:r>
             <a:r>
-              <a:rPr dirty="0"/>
-              <a:t>Como </a:t>
-            </a:r>
-            <a:r>
-              <a:rPr dirty="0" err="1"/>
-              <a:t>testar</a:t>
+              <a:rPr dirty="0" err="1"/>
+              <a:t>Erros</a:t>
             </a:r>
             <a:r>
               <a:rPr dirty="0"/>
@@ -9393,12 +12523,25 @@
             </a:r>
             <a:r>
               <a:rPr dirty="0" err="1"/>
-              <a:t>uma</a:t>
-            </a:r>
-            <a:r>
-              <a:rPr dirty="0"/>
-              <a:t> lib antes de usar</a:t>
-            </a:r>
+              <a:t>comuns</a:t>
+            </a:r>
+            <a:r>
+              <a:rPr dirty="0"/>
+              <a:t> </a:t>
+            </a:r>
+            <a:r>
+              <a:rPr dirty="0" err="1"/>
+              <a:t>ao</a:t>
+            </a:r>
+            <a:r>
+              <a:rPr dirty="0"/>
+              <a:t> usar </a:t>
+            </a:r>
+            <a:r>
+              <a:rPr dirty="0" err="1"/>
+              <a:t>bibliotecas</a:t>
+            </a:r>
+            <a:endParaRPr dirty="0"/>
           </a:p>
         </p:txBody>
       </p:sp>
@@ -9422,27 +12565,11 @@
             </a:pPr>
             <a:r>
               <a:rPr dirty="0"/>
-              <a:t>🧪 </a:t>
-            </a:r>
-            <a:r>
-              <a:rPr dirty="0" err="1"/>
-              <a:t>Crie</a:t>
-            </a:r>
-            <a:r>
-              <a:rPr dirty="0"/>
-              <a:t> um </a:t>
-            </a:r>
-            <a:r>
-              <a:rPr dirty="0" err="1"/>
-              <a:t>projeto</a:t>
-            </a:r>
-            <a:r>
-              <a:rPr dirty="0"/>
-              <a:t> de teste </a:t>
-            </a:r>
-            <a:r>
-              <a:rPr dirty="0" err="1"/>
-              <a:t>separado</a:t>
+              <a:t>❌ Usar lib </a:t>
+            </a:r>
+            <a:r>
+              <a:rPr dirty="0" err="1"/>
+              <a:t>desatualizada</a:t>
             </a:r>
             <a:r>
               <a:rPr dirty="0"/>
@@ -9450,19 +12577,35 @@
             </a:r>
             <a:r>
               <a:rPr dirty="0" err="1"/>
-              <a:t>usando</a:t>
-            </a:r>
-            <a:r>
-              <a:rPr dirty="0"/>
-              <a:t> Expo </a:t>
-            </a:r>
-            <a:r>
-              <a:rPr dirty="0" err="1"/>
-              <a:t>ou</a:t>
-            </a:r>
-            <a:r>
-              <a:rPr dirty="0"/>
-              <a:t> CLI)</a:t>
+              <a:t>sem</a:t>
+            </a:r>
+            <a:r>
+              <a:rPr dirty="0"/>
+              <a:t> </a:t>
+            </a:r>
+            <a:r>
+              <a:rPr dirty="0" err="1"/>
+              <a:t>atualizações</a:t>
+            </a:r>
+            <a:r>
+              <a:rPr dirty="0"/>
+              <a:t> </a:t>
+            </a:r>
+            <a:r>
+              <a:rPr dirty="0" err="1"/>
+              <a:t>por</a:t>
+            </a:r>
+            <a:r>
+              <a:rPr dirty="0"/>
+              <a:t> </a:t>
+            </a:r>
+            <a:r>
+              <a:rPr dirty="0" err="1"/>
+              <a:t>anos</a:t>
+            </a:r>
+            <a:r>
+              <a:rPr dirty="0"/>
+              <a:t>)</a:t>
             </a:r>
           </a:p>
           <a:p>
@@ -9471,31 +12614,31 @@
             </a:pPr>
             <a:r>
               <a:rPr dirty="0"/>
-              <a:t>📦 </a:t>
-            </a:r>
-            <a:r>
-              <a:rPr dirty="0" err="1"/>
-              <a:t>Instale</a:t>
-            </a:r>
-            <a:r>
-              <a:rPr dirty="0"/>
-              <a:t> a lib com `</a:t>
-            </a:r>
-            <a:r>
-              <a:rPr dirty="0" err="1"/>
-              <a:t>npm</a:t>
-            </a:r>
-            <a:r>
-              <a:rPr dirty="0"/>
-              <a:t> install` </a:t>
-            </a:r>
-            <a:r>
-              <a:rPr dirty="0" err="1"/>
-              <a:t>ou</a:t>
-            </a:r>
-            <a:r>
-              <a:rPr dirty="0"/>
-              <a:t> `expo install`</a:t>
+              <a:t>❌ </a:t>
+            </a:r>
+            <a:r>
+              <a:rPr dirty="0" err="1"/>
+              <a:t>Assumir</a:t>
+            </a:r>
+            <a:r>
+              <a:rPr dirty="0"/>
+              <a:t> que </a:t>
+            </a:r>
+            <a:r>
+              <a:rPr dirty="0" err="1"/>
+              <a:t>toda</a:t>
+            </a:r>
+            <a:r>
+              <a:rPr dirty="0"/>
+              <a:t> lib </a:t>
+            </a:r>
+            <a:r>
+              <a:rPr dirty="0" err="1"/>
+              <a:t>funciona</a:t>
+            </a:r>
+            <a:r>
+              <a:rPr dirty="0"/>
+              <a:t> com Expo</a:t>
             </a:r>
           </a:p>
           <a:p>
@@ -9504,11 +12647,11 @@
             </a:pPr>
             <a:r>
               <a:rPr dirty="0"/>
-              <a:t>🚀 Rode o app e </a:t>
-            </a:r>
-            <a:r>
-              <a:rPr dirty="0" err="1"/>
-              <a:t>veja</a:t>
+              <a:t>❌ </a:t>
+            </a:r>
+            <a:r>
+              <a:rPr dirty="0" err="1"/>
+              <a:t>Ignorar</a:t>
             </a:r>
             <a:r>
               <a:rPr dirty="0"/>
@@ -9516,7 +12659,7 @@
             </a:r>
             <a:r>
               <a:rPr dirty="0" err="1"/>
-              <a:t>há</a:t>
+              <a:t>é</a:t>
             </a:r>
             <a:r>
               <a:rPr dirty="0"/>
@@ -9524,67 +12667,129 @@
             </a:r>
             <a:r>
               <a:rPr dirty="0" err="1"/>
-              <a:t>erros</a:t>
-            </a:r>
+              <a:t>compatível</a:t>
+            </a:r>
+            <a:r>
+              <a:rPr dirty="0"/>
+              <a:t> com </a:t>
+            </a:r>
+            <a:r>
+              <a:rPr dirty="0" err="1"/>
+              <a:t>sua</a:t>
+            </a:r>
+            <a:r>
+              <a:rPr dirty="0"/>
+              <a:t> </a:t>
+            </a:r>
+            <a:r>
+              <a:rPr dirty="0" err="1"/>
+              <a:t>versão</a:t>
+            </a:r>
+            <a:r>
+              <a:rPr dirty="0"/>
+              <a:t> do React Native</a:t>
+            </a:r>
+          </a:p>
+          <a:p>
+            <a:pPr marL="0" indent="0">
+              <a:buNone/>
+            </a:pPr>
+            <a:r>
+              <a:rPr dirty="0"/>
+              <a:t>❌ </a:t>
+            </a:r>
+            <a:r>
+              <a:rPr dirty="0" err="1"/>
+              <a:t>Instalar</a:t>
+            </a:r>
+            <a:r>
+              <a:rPr dirty="0"/>
+              <a:t> </a:t>
+            </a:r>
+            <a:r>
+              <a:rPr dirty="0" err="1"/>
+              <a:t>sem</a:t>
+            </a:r>
+            <a:r>
+              <a:rPr dirty="0"/>
+              <a:t> </a:t>
+            </a:r>
+            <a:r>
+              <a:rPr dirty="0" err="1"/>
+              <a:t>ler</a:t>
+            </a:r>
+            <a:r>
+              <a:rPr dirty="0"/>
+              <a:t> a </a:t>
+            </a:r>
+            <a:r>
+              <a:rPr dirty="0" err="1"/>
+              <a:t>documentação</a:t>
+            </a:r>
+            <a:r>
+              <a:rPr dirty="0"/>
+              <a:t> </a:t>
+            </a:r>
+            <a:r>
+              <a:rPr dirty="0" err="1"/>
+              <a:t>primeiro</a:t>
+            </a:r>
+            <a:endParaRPr lang="pt-BR" dirty="0"/>
+          </a:p>
+          <a:p>
+            <a:pPr marL="0" indent="0">
+              <a:buNone/>
+            </a:pPr>
+            <a:r>
+              <a:rPr lang="en-BR" dirty="0"/>
+              <a:t>❌ </a:t>
+            </a:r>
+            <a:r>
+              <a:rPr lang="en-US" dirty="0" err="1"/>
+              <a:t>Focar</a:t>
+            </a:r>
+            <a:r>
+              <a:rPr lang="en-US" dirty="0"/>
+              <a:t> </a:t>
+            </a:r>
+            <a:r>
+              <a:rPr lang="en-US" dirty="0" err="1"/>
+              <a:t>em</a:t>
+            </a:r>
+            <a:r>
+              <a:rPr lang="en-US" dirty="0"/>
+              <a:t> testes web </a:t>
+            </a:r>
+            <a:r>
+              <a:rPr lang="en-US" dirty="0" err="1"/>
+              <a:t>quando</a:t>
+            </a:r>
+            <a:r>
+              <a:rPr lang="en-US" dirty="0"/>
+              <a:t> o </a:t>
+            </a:r>
+            <a:r>
+              <a:rPr lang="en-US" dirty="0" err="1"/>
+              <a:t>foco</a:t>
+            </a:r>
+            <a:r>
+              <a:rPr lang="en-US" dirty="0"/>
+              <a:t> do React Native </a:t>
+            </a:r>
+            <a:r>
+              <a:rPr lang="en-US" dirty="0" err="1"/>
+              <a:t>é</a:t>
+            </a:r>
+            <a:r>
+              <a:rPr lang="en-US" dirty="0"/>
+              <a:t> Nativo (iOS e Android)</a:t>
+            </a:r>
+          </a:p>
+          <a:p>
+            <a:pPr marL="0" indent="0">
+              <a:buNone/>
+            </a:pPr>
             <a:endParaRPr dirty="0"/>
-          </a:p>
-          <a:p>
-            <a:pPr marL="0" indent="0">
-              <a:buNone/>
-            </a:pPr>
-            <a:r>
-              <a:rPr dirty="0"/>
-              <a:t>🔍 </a:t>
-            </a:r>
-            <a:r>
-              <a:rPr dirty="0" err="1"/>
-              <a:t>Verifique</a:t>
-            </a:r>
-            <a:r>
-              <a:rPr dirty="0"/>
-              <a:t> logs e </a:t>
-            </a:r>
-            <a:r>
-              <a:rPr dirty="0" err="1"/>
-              <a:t>dependências</a:t>
-            </a:r>
-            <a:r>
-              <a:rPr dirty="0"/>
-              <a:t> no terminal</a:t>
-            </a:r>
-          </a:p>
-          <a:p>
-            <a:pPr marL="0" indent="0">
-              <a:buNone/>
-            </a:pPr>
-            <a:r>
-              <a:rPr dirty="0"/>
-              <a:t>💡 Use </a:t>
-            </a:r>
-            <a:r>
-              <a:rPr dirty="0" err="1"/>
-              <a:t>exemplos</a:t>
-            </a:r>
-            <a:r>
-              <a:rPr dirty="0"/>
-              <a:t> da </a:t>
-            </a:r>
-            <a:r>
-              <a:rPr dirty="0" err="1"/>
-              <a:t>documentação</a:t>
-            </a:r>
-            <a:r>
-              <a:rPr dirty="0"/>
-              <a:t> para </a:t>
-            </a:r>
-            <a:r>
-              <a:rPr dirty="0" err="1"/>
-              <a:t>testar</a:t>
-            </a:r>
-            <a:r>
-              <a:rPr dirty="0"/>
-              <a:t> a lib</a:t>
-            </a:r>
           </a:p>
         </p:txBody>
       </p:sp>
@@ -9596,7 +12801,7 @@
 </p:sld>
 </file>
 
-<file path=ppt/slides/slide25.xml><?xml version="1.0" encoding="utf-8"?>
+<file path=ppt/slides/slide31.xml><?xml version="1.0" encoding="utf-8"?>
 <p:sld xmlns:a="http://schemas.openxmlformats.org/drawingml/2006/main" xmlns:r="http://schemas.openxmlformats.org/officeDocument/2006/relationships" xmlns:p="http://schemas.openxmlformats.org/presentationml/2006/main">
   <p:cSld>
     <p:spTree>
@@ -9636,11 +12841,11 @@
             </a:r>
             <a:r>
               <a:rPr dirty="0"/>
-              <a:t>Boas </a:t>
-            </a:r>
-            <a:r>
-              <a:rPr dirty="0" err="1"/>
-              <a:t>práticas</a:t>
+              <a:t>Como </a:t>
+            </a:r>
+            <a:r>
+              <a:rPr dirty="0" err="1"/>
+              <a:t>testar</a:t>
             </a:r>
             <a:r>
               <a:rPr dirty="0"/>
@@ -9648,7 +12853,130 @@
             </a:r>
             <a:r>
               <a:rPr dirty="0" err="1"/>
-              <a:t>ao</a:t>
+              <a:t>uma</a:t>
+            </a:r>
+            <a:r>
+              <a:rPr dirty="0"/>
+              <a:t> lib antes de usar</a:t>
+            </a:r>
+          </a:p>
+        </p:txBody>
+      </p:sp>
+      <p:sp>
+        <p:nvSpPr>
+          <p:cNvPr id="3" name="Content Placeholder 2"/>
+          <p:cNvSpPr>
+            <a:spLocks noGrp="1"/>
+          </p:cNvSpPr>
+          <p:nvPr>
+            <p:ph idx="1"/>
+          </p:nvPr>
+        </p:nvSpPr>
+        <p:spPr/>
+        <p:txBody>
+          <a:bodyPr/>
+          <a:lstStyle/>
+          <a:p>
+            <a:pPr marL="0" indent="0">
+              <a:buNone/>
+            </a:pPr>
+            <a:r>
+              <a:rPr dirty="0"/>
+              <a:t>🧪 </a:t>
+            </a:r>
+            <a:r>
+              <a:rPr dirty="0" err="1"/>
+              <a:t>Crie</a:t>
+            </a:r>
+            <a:r>
+              <a:rPr dirty="0"/>
+              <a:t> um </a:t>
+            </a:r>
+            <a:r>
+              <a:rPr dirty="0" err="1"/>
+              <a:t>projeto</a:t>
+            </a:r>
+            <a:r>
+              <a:rPr dirty="0"/>
+              <a:t> de teste </a:t>
+            </a:r>
+            <a:r>
+              <a:rPr dirty="0" err="1"/>
+              <a:t>separado</a:t>
+            </a:r>
+            <a:r>
+              <a:rPr dirty="0"/>
+              <a:t> (</a:t>
+            </a:r>
+            <a:r>
+              <a:rPr dirty="0" err="1"/>
+              <a:t>usando</a:t>
+            </a:r>
+            <a:r>
+              <a:rPr dirty="0"/>
+              <a:t> Expo </a:t>
+            </a:r>
+            <a:r>
+              <a:rPr dirty="0" err="1"/>
+              <a:t>ou</a:t>
+            </a:r>
+            <a:r>
+              <a:rPr dirty="0"/>
+              <a:t> CLI)</a:t>
+            </a:r>
+          </a:p>
+          <a:p>
+            <a:pPr marL="0" indent="0">
+              <a:buNone/>
+            </a:pPr>
+            <a:r>
+              <a:rPr dirty="0"/>
+              <a:t>📦 </a:t>
+            </a:r>
+            <a:r>
+              <a:rPr dirty="0" err="1"/>
+              <a:t>Instale</a:t>
+            </a:r>
+            <a:r>
+              <a:rPr dirty="0"/>
+              <a:t> a lib com `</a:t>
+            </a:r>
+            <a:r>
+              <a:rPr dirty="0" err="1"/>
+              <a:t>npm</a:t>
+            </a:r>
+            <a:r>
+              <a:rPr dirty="0"/>
+              <a:t> install` </a:t>
+            </a:r>
+            <a:r>
+              <a:rPr dirty="0" err="1"/>
+              <a:t>ou</a:t>
+            </a:r>
+            <a:r>
+              <a:rPr dirty="0"/>
+              <a:t> `expo install`</a:t>
+            </a:r>
+          </a:p>
+          <a:p>
+            <a:pPr marL="0" indent="0">
+              <a:buNone/>
+            </a:pPr>
+            <a:r>
+              <a:rPr dirty="0"/>
+              <a:t>🚀 Rode o app e </a:t>
+            </a:r>
+            <a:r>
+              <a:rPr dirty="0" err="1"/>
+              <a:t>veja</a:t>
+            </a:r>
+            <a:r>
+              <a:rPr dirty="0"/>
+              <a:t> se </a:t>
+            </a:r>
+            <a:r>
+              <a:rPr dirty="0" err="1"/>
+              <a:t>há</a:t>
             </a:r>
             <a:r>
               <a:rPr dirty="0"/>
@@ -9656,54 +12984,66 @@
             </a:r>
             <a:r>
               <a:rPr dirty="0" err="1"/>
-              <a:t>escolher</a:t>
-            </a:r>
-            <a:r>
-              <a:rPr dirty="0"/>
-              <a:t> libs</a:t>
-            </a:r>
-          </a:p>
-        </p:txBody>
-      </p:sp>
-      <p:sp>
-        <p:nvSpPr>
-          <p:cNvPr id="3" name="Content Placeholder 2"/>
-          <p:cNvSpPr>
-            <a:spLocks noGrp="1"/>
-          </p:cNvSpPr>
-          <p:nvPr>
-            <p:ph idx="1"/>
-          </p:nvPr>
-        </p:nvSpPr>
-        <p:spPr/>
-        <p:txBody>
-          <a:bodyPr>
-            <a:normAutofit/>
-          </a:bodyPr>
-          <a:lstStyle/>
-          <a:p>
-            <a:r>
-              <a:t>✅ Prefira libs populares e bem mantidas</a:t>
-            </a:r>
-          </a:p>
-          <a:p>
-            <a:r>
-              <a:t>✅ Leia comentários e exemplos antes de instalar</a:t>
-            </a:r>
-          </a:p>
-          <a:p>
-            <a:r>
-              <a:t>✅ Evite libs pequenas demais — às vezes vale mais escrever a função</a:t>
-            </a:r>
-          </a:p>
-          <a:p>
-            <a:r>
-              <a:t>✅ Documente o porquê da escolha no seu projeto</a:t>
-            </a:r>
-          </a:p>
-          <a:p>
-            <a:r>
-              <a:t>✅ Atualize periodicamente as dependências seguras</a:t>
+              <a:t>erros</a:t>
+            </a:r>
+            <a:endParaRPr dirty="0"/>
+          </a:p>
+          <a:p>
+            <a:pPr marL="0" indent="0">
+              <a:buNone/>
+            </a:pPr>
+            <a:r>
+              <a:rPr dirty="0"/>
+              <a:t>🔍 </a:t>
+            </a:r>
+            <a:r>
+              <a:rPr dirty="0" err="1"/>
+              <a:t>Verifique</a:t>
+            </a:r>
+            <a:r>
+              <a:rPr dirty="0"/>
+              <a:t> logs e </a:t>
+            </a:r>
+            <a:r>
+              <a:rPr dirty="0" err="1"/>
+              <a:t>dependências</a:t>
+            </a:r>
+            <a:r>
+              <a:rPr dirty="0"/>
+              <a:t> no terminal</a:t>
+            </a:r>
+          </a:p>
+          <a:p>
+            <a:pPr marL="0" indent="0">
+              <a:buNone/>
+            </a:pPr>
+            <a:r>
+              <a:rPr dirty="0"/>
+              <a:t>💡 Use </a:t>
+            </a:r>
+            <a:r>
+              <a:rPr dirty="0" err="1"/>
+              <a:t>exemplos</a:t>
+            </a:r>
+            <a:r>
+              <a:rPr dirty="0"/>
+              <a:t> da </a:t>
+            </a:r>
+            <a:r>
+              <a:rPr dirty="0" err="1"/>
+              <a:t>documentação</a:t>
+            </a:r>
+            <a:r>
+              <a:rPr dirty="0"/>
+              <a:t> para </a:t>
+            </a:r>
+            <a:r>
+              <a:rPr dirty="0" err="1"/>
+              <a:t>testar</a:t>
+            </a:r>
+            <a:r>
+              <a:rPr dirty="0"/>
+              <a:t> a lib</a:t>
             </a:r>
           </a:p>
         </p:txBody>
@@ -9716,7 +13056,7 @@
 </p:sld>
 </file>
 
-<file path=ppt/slides/slide26.xml><?xml version="1.0" encoding="utf-8"?>
+<file path=ppt/slides/slide32.xml><?xml version="1.0" encoding="utf-8"?>
 <p:sld xmlns:a="http://schemas.openxmlformats.org/drawingml/2006/main" xmlns:r="http://schemas.openxmlformats.org/officeDocument/2006/relationships" xmlns:p="http://schemas.openxmlformats.org/presentationml/2006/main">
   <p:cSld>
     <p:spTree>
@@ -9745,59 +13085,85 @@
         </p:nvSpPr>
         <p:spPr/>
         <p:txBody>
-          <a:bodyPr/>
-          <a:lstStyle/>
-          <a:p>
-            <a:r>
-              <a:t>O que são Views e Componentes?</a:t>
-            </a:r>
-          </a:p>
-        </p:txBody>
-      </p:sp>
-      <p:sp>
-        <p:nvSpPr>
-          <p:cNvPr id="3" name="Content Placeholder 2"/>
-          <p:cNvSpPr>
-            <a:spLocks noGrp="1"/>
-          </p:cNvSpPr>
-          <p:nvPr>
-            <p:ph idx="1"/>
-          </p:nvPr>
-        </p:nvSpPr>
-        <p:spPr/>
-        <p:txBody>
           <a:bodyPr>
             <a:normAutofit/>
           </a:bodyPr>
           <a:lstStyle/>
           <a:p>
             <a:r>
-              <a:t>🧱 View: estrutura básica visual, semelhante a &lt;div&gt;</a:t>
-            </a:r>
-          </a:p>
-          <a:p>
-            <a:r>
-              <a:t>Usada para layout e agrupamento de elementos</a:t>
-            </a:r>
-          </a:p>
-          <a:p>
-            <a:r>
-              <a:t>Exemplo: &lt;View&gt;&lt;Text&gt;Olá!&lt;/Text&gt;&lt;/View&gt;</a:t>
-            </a:r>
-          </a:p>
-          <a:p>
-            <a:r>
-              <a:t>🧩 Componente: bloco reutilizável com lógica e UI</a:t>
-            </a:r>
-          </a:p>
-          <a:p>
-            <a:r>
-              <a:t>Pode conter estado, hooks e lógica de exibição</a:t>
-            </a:r>
-          </a:p>
-          <a:p>
-            <a:r>
-              <a:t>Exemplo: const Saudacao = () =&gt; &lt;View&gt;&lt;Text&gt;Oi&lt;/Text&gt;&lt;/View&gt;;</a:t>
+              <a:rPr lang="pt-BR" dirty="0"/>
+              <a:t>DM5 - </a:t>
+            </a:r>
+            <a:r>
+              <a:rPr dirty="0"/>
+              <a:t>Boas </a:t>
+            </a:r>
+            <a:r>
+              <a:rPr dirty="0" err="1"/>
+              <a:t>práticas</a:t>
+            </a:r>
+            <a:r>
+              <a:rPr dirty="0"/>
+              <a:t> </a:t>
+            </a:r>
+            <a:r>
+              <a:rPr dirty="0" err="1"/>
+              <a:t>ao</a:t>
+            </a:r>
+            <a:r>
+              <a:rPr dirty="0"/>
+              <a:t> </a:t>
+            </a:r>
+            <a:r>
+              <a:rPr dirty="0" err="1"/>
+              <a:t>escolher</a:t>
+            </a:r>
+            <a:r>
+              <a:rPr dirty="0"/>
+              <a:t> libs</a:t>
+            </a:r>
+          </a:p>
+        </p:txBody>
+      </p:sp>
+      <p:sp>
+        <p:nvSpPr>
+          <p:cNvPr id="3" name="Content Placeholder 2"/>
+          <p:cNvSpPr>
+            <a:spLocks noGrp="1"/>
+          </p:cNvSpPr>
+          <p:nvPr>
+            <p:ph idx="1"/>
+          </p:nvPr>
+        </p:nvSpPr>
+        <p:spPr/>
+        <p:txBody>
+          <a:bodyPr>
+            <a:normAutofit/>
+          </a:bodyPr>
+          <a:lstStyle/>
+          <a:p>
+            <a:r>
+              <a:t>✅ Prefira libs populares e bem mantidas</a:t>
+            </a:r>
+          </a:p>
+          <a:p>
+            <a:r>
+              <a:t>✅ Leia comentários e exemplos antes de instalar</a:t>
+            </a:r>
+          </a:p>
+          <a:p>
+            <a:r>
+              <a:t>✅ Evite libs pequenas demais — às vezes vale mais escrever a função</a:t>
+            </a:r>
+          </a:p>
+          <a:p>
+            <a:r>
+              <a:t>✅ Documente o porquê da escolha no seu projeto</a:t>
+            </a:r>
+          </a:p>
+          <a:p>
+            <a:r>
+              <a:t>✅ Atualize periodicamente as dependências seguras</a:t>
             </a:r>
           </a:p>
         </p:txBody>
@@ -9810,7 +13176,7 @@
 </p:sld>
 </file>
 
-<file path=ppt/slides/slide27.xml><?xml version="1.0" encoding="utf-8"?>
+<file path=ppt/slides/slide33.xml><?xml version="1.0" encoding="utf-8"?>
 <p:sld xmlns:a="http://schemas.openxmlformats.org/drawingml/2006/main" xmlns:r="http://schemas.openxmlformats.org/officeDocument/2006/relationships" xmlns:p="http://schemas.openxmlformats.org/presentationml/2006/main">
   <p:cSld>
     <p:spTree>
@@ -9839,61 +13205,59 @@
         </p:nvSpPr>
         <p:spPr/>
         <p:txBody>
+          <a:bodyPr/>
+          <a:lstStyle/>
+          <a:p>
+            <a:r>
+              <a:t>O que são Views e Componentes?</a:t>
+            </a:r>
+          </a:p>
+        </p:txBody>
+      </p:sp>
+      <p:sp>
+        <p:nvSpPr>
+          <p:cNvPr id="3" name="Content Placeholder 2"/>
+          <p:cNvSpPr>
+            <a:spLocks noGrp="1"/>
+          </p:cNvSpPr>
+          <p:nvPr>
+            <p:ph idx="1"/>
+          </p:nvPr>
+        </p:nvSpPr>
+        <p:spPr/>
+        <p:txBody>
           <a:bodyPr>
             <a:normAutofit/>
           </a:bodyPr>
           <a:lstStyle/>
           <a:p>
             <a:r>
-              <a:t>Diferenças e Aplicações: View vs Componente</a:t>
-            </a:r>
-          </a:p>
-        </p:txBody>
-      </p:sp>
-      <p:sp>
-        <p:nvSpPr>
-          <p:cNvPr id="3" name="Content Placeholder 2"/>
-          <p:cNvSpPr>
-            <a:spLocks noGrp="1"/>
-          </p:cNvSpPr>
-          <p:nvPr>
-            <p:ph idx="1"/>
-          </p:nvPr>
-        </p:nvSpPr>
-        <p:spPr/>
-        <p:txBody>
-          <a:bodyPr>
-            <a:normAutofit/>
-          </a:bodyPr>
-          <a:lstStyle/>
-          <a:p>
-            <a:r>
-              <a:t>📌 View é usada para estrutura visual/layout</a:t>
-            </a:r>
-          </a:p>
-          <a:p>
-            <a:r>
-              <a:t>📌 Componente é usado para reutilizar UI com lógica</a:t>
-            </a:r>
-          </a:p>
-          <a:p>
-            <a:r>
-              <a:t>View não é reutilizável nem importável</a:t>
-            </a:r>
-          </a:p>
-          <a:p>
-            <a:r>
-              <a:t>Componente pode ter estado, hooks e ser importado</a:t>
-            </a:r>
-          </a:p>
-          <a:p>
-            <a:r>
-              <a:t>✅ Use View para organizar layout interno</a:t>
-            </a:r>
-          </a:p>
-          <a:p>
-            <a:r>
-              <a:t>✅ Use Componentes para dividir lógica e exibir trechos reutilizáveis</a:t>
+              <a:t>🧱 View: estrutura básica visual, semelhante a &lt;div&gt;</a:t>
+            </a:r>
+          </a:p>
+          <a:p>
+            <a:r>
+              <a:t>Usada para layout e agrupamento de elementos</a:t>
+            </a:r>
+          </a:p>
+          <a:p>
+            <a:r>
+              <a:t>Exemplo: &lt;View&gt;&lt;Text&gt;Olá!&lt;/Text&gt;&lt;/View&gt;</a:t>
+            </a:r>
+          </a:p>
+          <a:p>
+            <a:r>
+              <a:t>🧩 Componente: bloco reutilizável com lógica e UI</a:t>
+            </a:r>
+          </a:p>
+          <a:p>
+            <a:r>
+              <a:t>Pode conter estado, hooks e lógica de exibição</a:t>
+            </a:r>
+          </a:p>
+          <a:p>
+            <a:r>
+              <a:t>Exemplo: const Saudacao = () =&gt; &lt;View&gt;&lt;Text&gt;Oi&lt;/Text&gt;&lt;/View&gt;;</a:t>
             </a:r>
           </a:p>
         </p:txBody>
@@ -9906,7 +13270,103 @@
 </p:sld>
 </file>
 
-<file path=ppt/slides/slide28.xml><?xml version="1.0" encoding="utf-8"?>
+<file path=ppt/slides/slide34.xml><?xml version="1.0" encoding="utf-8"?>
+<p:sld xmlns:a="http://schemas.openxmlformats.org/drawingml/2006/main" xmlns:r="http://schemas.openxmlformats.org/officeDocument/2006/relationships" xmlns:p="http://schemas.openxmlformats.org/presentationml/2006/main">
+  <p:cSld>
+    <p:spTree>
+      <p:nvGrpSpPr>
+        <p:cNvPr id="1" name=""/>
+        <p:cNvGrpSpPr/>
+        <p:nvPr/>
+      </p:nvGrpSpPr>
+      <p:grpSpPr>
+        <a:xfrm>
+          <a:off x="0" y="0"/>
+          <a:ext cx="0" cy="0"/>
+          <a:chOff x="0" y="0"/>
+          <a:chExt cx="0" cy="0"/>
+        </a:xfrm>
+      </p:grpSpPr>
+      <p:sp>
+        <p:nvSpPr>
+          <p:cNvPr id="2" name="Title 1"/>
+          <p:cNvSpPr>
+            <a:spLocks noGrp="1"/>
+          </p:cNvSpPr>
+          <p:nvPr>
+            <p:ph type="title"/>
+          </p:nvPr>
+        </p:nvSpPr>
+        <p:spPr/>
+        <p:txBody>
+          <a:bodyPr>
+            <a:normAutofit/>
+          </a:bodyPr>
+          <a:lstStyle/>
+          <a:p>
+            <a:r>
+              <a:t>Diferenças e Aplicações: View vs Componente</a:t>
+            </a:r>
+          </a:p>
+        </p:txBody>
+      </p:sp>
+      <p:sp>
+        <p:nvSpPr>
+          <p:cNvPr id="3" name="Content Placeholder 2"/>
+          <p:cNvSpPr>
+            <a:spLocks noGrp="1"/>
+          </p:cNvSpPr>
+          <p:nvPr>
+            <p:ph idx="1"/>
+          </p:nvPr>
+        </p:nvSpPr>
+        <p:spPr/>
+        <p:txBody>
+          <a:bodyPr>
+            <a:normAutofit/>
+          </a:bodyPr>
+          <a:lstStyle/>
+          <a:p>
+            <a:r>
+              <a:t>📌 View é usada para estrutura visual/layout</a:t>
+            </a:r>
+          </a:p>
+          <a:p>
+            <a:r>
+              <a:t>📌 Componente é usado para reutilizar UI com lógica</a:t>
+            </a:r>
+          </a:p>
+          <a:p>
+            <a:r>
+              <a:t>View não é reutilizável nem importável</a:t>
+            </a:r>
+          </a:p>
+          <a:p>
+            <a:r>
+              <a:t>Componente pode ter estado, hooks e ser importado</a:t>
+            </a:r>
+          </a:p>
+          <a:p>
+            <a:r>
+              <a:t>✅ Use View para organizar layout interno</a:t>
+            </a:r>
+          </a:p>
+          <a:p>
+            <a:r>
+              <a:t>✅ Use Componentes para dividir lógica e exibir trechos reutilizáveis</a:t>
+            </a:r>
+          </a:p>
+        </p:txBody>
+      </p:sp>
+    </p:spTree>
+  </p:cSld>
+  <p:clrMapOvr>
+    <a:masterClrMapping/>
+  </p:clrMapOvr>
+</p:sld>
+</file>
+
+<file path=ppt/slides/slide35.xml><?xml version="1.0" encoding="utf-8"?>
 <p:sld xmlns:a="http://schemas.openxmlformats.org/drawingml/2006/main" xmlns:r="http://schemas.openxmlformats.org/officeDocument/2006/relationships" xmlns:p="http://schemas.openxmlformats.org/presentationml/2006/main">
   <p:cSld>
     <p:spTree>
@@ -10000,736 +13460,6 @@
 </p:sld>
 </file>
 
-<file path=ppt/slides/slide29.xml><?xml version="1.0" encoding="utf-8"?>
-<p:sld xmlns:a="http://schemas.openxmlformats.org/drawingml/2006/main" xmlns:r="http://schemas.openxmlformats.org/officeDocument/2006/relationships" xmlns:p="http://schemas.openxmlformats.org/presentationml/2006/main">
-  <p:cSld>
-    <p:spTree>
-      <p:nvGrpSpPr>
-        <p:cNvPr id="1" name=""/>
-        <p:cNvGrpSpPr/>
-        <p:nvPr/>
-      </p:nvGrpSpPr>
-      <p:grpSpPr>
-        <a:xfrm>
-          <a:off x="0" y="0"/>
-          <a:ext cx="0" cy="0"/>
-          <a:chOff x="0" y="0"/>
-          <a:chExt cx="0" cy="0"/>
-        </a:xfrm>
-      </p:grpSpPr>
-      <p:sp>
-        <p:nvSpPr>
-          <p:cNvPr id="2" name="Title 1"/>
-          <p:cNvSpPr>
-            <a:spLocks noGrp="1"/>
-          </p:cNvSpPr>
-          <p:nvPr>
-            <p:ph type="title"/>
-          </p:nvPr>
-        </p:nvSpPr>
-        <p:spPr/>
-        <p:txBody>
-          <a:bodyPr/>
-          <a:lstStyle/>
-          <a:p>
-            <a:r>
-              <a:t>SafeAreaView — Para que serve?</a:t>
-            </a:r>
-          </a:p>
-        </p:txBody>
-      </p:sp>
-      <p:sp>
-        <p:nvSpPr>
-          <p:cNvPr id="3" name="Content Placeholder 2"/>
-          <p:cNvSpPr>
-            <a:spLocks noGrp="1"/>
-          </p:cNvSpPr>
-          <p:nvPr>
-            <p:ph idx="1"/>
-          </p:nvPr>
-        </p:nvSpPr>
-        <p:spPr/>
-        <p:txBody>
-          <a:bodyPr/>
-          <a:lstStyle/>
-          <a:p>
-            <a:r>
-              <a:t>🧷 Garante que o conteúdo fique visível em áreas seguras (iOS e Android)</a:t>
-            </a:r>
-          </a:p>
-          <a:p>
-            <a:r>
-              <a:t>📱 Evita sobreposição com notch, barra de status, ou botões de navegação</a:t>
-            </a:r>
-          </a:p>
-          <a:p>
-            <a:r>
-              <a:t>📌 Deve envolver a raiz do layout da tela</a:t>
-            </a:r>
-          </a:p>
-          <a:p>
-            <a:r>
-              <a:t>✅ Disponível via `import { SafeAreaView } from 'react-native';`</a:t>
-            </a:r>
-          </a:p>
-        </p:txBody>
-      </p:sp>
-    </p:spTree>
-  </p:cSld>
-  <p:clrMapOvr>
-    <a:masterClrMapping/>
-  </p:clrMapOvr>
-</p:sld>
-</file>
-
-<file path=ppt/slides/slide3.xml><?xml version="1.0" encoding="utf-8"?>
-<p:sld xmlns:a="http://schemas.openxmlformats.org/drawingml/2006/main" xmlns:r="http://schemas.openxmlformats.org/officeDocument/2006/relationships" xmlns:p="http://schemas.openxmlformats.org/presentationml/2006/main">
-  <p:cSld>
-    <p:spTree>
-      <p:nvGrpSpPr>
-        <p:cNvPr id="1" name=""/>
-        <p:cNvGrpSpPr/>
-        <p:nvPr/>
-      </p:nvGrpSpPr>
-      <p:grpSpPr>
-        <a:xfrm>
-          <a:off x="0" y="0"/>
-          <a:ext cx="0" cy="0"/>
-          <a:chOff x="0" y="0"/>
-          <a:chExt cx="0" cy="0"/>
-        </a:xfrm>
-      </p:grpSpPr>
-      <p:sp>
-        <p:nvSpPr>
-          <p:cNvPr id="2" name="Title 1"/>
-          <p:cNvSpPr>
-            <a:spLocks noGrp="1"/>
-          </p:cNvSpPr>
-          <p:nvPr>
-            <p:ph type="title"/>
-          </p:nvPr>
-        </p:nvSpPr>
-        <p:spPr/>
-        <p:txBody>
-          <a:bodyPr/>
-          <a:lstStyle/>
-          <a:p>
-            <a:r>
-              <a:t>Hora 1: Dúvidas Mapeadas</a:t>
-            </a:r>
-          </a:p>
-        </p:txBody>
-      </p:sp>
-      <p:sp>
-        <p:nvSpPr>
-          <p:cNvPr id="3" name="Content Placeholder 2"/>
-          <p:cNvSpPr>
-            <a:spLocks noGrp="1"/>
-          </p:cNvSpPr>
-          <p:nvPr>
-            <p:ph idx="1"/>
-          </p:nvPr>
-        </p:nvSpPr>
-        <p:spPr/>
-        <p:txBody>
-          <a:bodyPr/>
-          <a:lstStyle/>
-          <a:p>
-            <a:pPr marL="514350" indent="-514350">
-              <a:buFont typeface="+mj-lt"/>
-              <a:buAutoNum type="arabicPeriod"/>
-            </a:pPr>
-            <a:r>
-              <a:rPr lang="pt-BR" dirty="0"/>
-              <a:t>Expo versus </a:t>
-            </a:r>
-            <a:r>
-              <a:rPr lang="pt-BR" dirty="0" err="1"/>
-              <a:t>React</a:t>
-            </a:r>
-            <a:r>
-              <a:rPr lang="pt-BR" dirty="0"/>
-              <a:t> </a:t>
-            </a:r>
-            <a:r>
-              <a:rPr lang="pt-BR" dirty="0" err="1"/>
-              <a:t>Native</a:t>
-            </a:r>
-            <a:endParaRPr lang="pt-BR" dirty="0"/>
-          </a:p>
-          <a:p>
-            <a:pPr marL="514350" indent="-514350">
-              <a:buFont typeface="+mj-lt"/>
-              <a:buAutoNum type="arabicPeriod"/>
-            </a:pPr>
-            <a:r>
-              <a:rPr lang="pt-BR" dirty="0"/>
-              <a:t>Projeto em si</a:t>
-            </a:r>
-          </a:p>
-          <a:p>
-            <a:pPr marL="514350" indent="-514350">
-              <a:buFont typeface="+mj-lt"/>
-              <a:buAutoNum type="arabicPeriod"/>
-            </a:pPr>
-            <a:r>
-              <a:rPr lang="pt-BR" dirty="0" err="1"/>
-              <a:t>Export</a:t>
-            </a:r>
-            <a:r>
-              <a:rPr lang="pt-BR" dirty="0"/>
-              <a:t>, default e </a:t>
-            </a:r>
-            <a:r>
-              <a:rPr lang="pt-BR" dirty="0" err="1"/>
-              <a:t>const</a:t>
-            </a:r>
-            <a:r>
-              <a:rPr lang="pt-BR" dirty="0"/>
-              <a:t> e </a:t>
-            </a:r>
-            <a:r>
-              <a:rPr lang="pt-BR" dirty="0" err="1"/>
-              <a:t>Imports</a:t>
-            </a:r>
-            <a:endParaRPr lang="pt-BR" dirty="0"/>
-          </a:p>
-          <a:p>
-            <a:pPr marL="514350" indent="-514350">
-              <a:buFont typeface="+mj-lt"/>
-              <a:buAutoNum type="arabicPeriod"/>
-            </a:pPr>
-            <a:r>
-              <a:rPr lang="pt-BR" dirty="0"/>
-              <a:t>Render versus </a:t>
-            </a:r>
-            <a:r>
-              <a:rPr lang="pt-BR" dirty="0" err="1"/>
-              <a:t>Return</a:t>
-            </a:r>
-            <a:endParaRPr lang="pt-BR" dirty="0"/>
-          </a:p>
-          <a:p>
-            <a:pPr marL="514350" indent="-514350">
-              <a:buFont typeface="+mj-lt"/>
-              <a:buAutoNum type="arabicPeriod"/>
-            </a:pPr>
-            <a:r>
-              <a:rPr lang="pt-BR" dirty="0" err="1"/>
-              <a:t>Libraries</a:t>
-            </a:r>
-            <a:endParaRPr lang="pt-BR" dirty="0"/>
-          </a:p>
-          <a:p>
-            <a:pPr marL="0" indent="0">
-              <a:buNone/>
-            </a:pPr>
-            <a:endParaRPr dirty="0"/>
-          </a:p>
-        </p:txBody>
-      </p:sp>
-    </p:spTree>
-  </p:cSld>
-  <p:clrMapOvr>
-    <a:masterClrMapping/>
-  </p:clrMapOvr>
-</p:sld>
-</file>
-
-<file path=ppt/slides/slide30.xml><?xml version="1.0" encoding="utf-8"?>
-<p:sld xmlns:a="http://schemas.openxmlformats.org/drawingml/2006/main" xmlns:r="http://schemas.openxmlformats.org/officeDocument/2006/relationships" xmlns:p="http://schemas.openxmlformats.org/presentationml/2006/main">
-  <p:cSld>
-    <p:spTree>
-      <p:nvGrpSpPr>
-        <p:cNvPr id="1" name=""/>
-        <p:cNvGrpSpPr/>
-        <p:nvPr/>
-      </p:nvGrpSpPr>
-      <p:grpSpPr>
-        <a:xfrm>
-          <a:off x="0" y="0"/>
-          <a:ext cx="0" cy="0"/>
-          <a:chOff x="0" y="0"/>
-          <a:chExt cx="0" cy="0"/>
-        </a:xfrm>
-      </p:grpSpPr>
-      <p:sp>
-        <p:nvSpPr>
-          <p:cNvPr id="2" name="Title 1"/>
-          <p:cNvSpPr>
-            <a:spLocks noGrp="1"/>
-          </p:cNvSpPr>
-          <p:nvPr>
-            <p:ph type="title"/>
-          </p:nvPr>
-        </p:nvSpPr>
-        <p:spPr/>
-        <p:txBody>
-          <a:bodyPr/>
-          <a:lstStyle/>
-          <a:p>
-            <a:r>
-              <a:t>StatusBar — Para que serve?</a:t>
-            </a:r>
-          </a:p>
-        </p:txBody>
-      </p:sp>
-      <p:sp>
-        <p:nvSpPr>
-          <p:cNvPr id="3" name="Content Placeholder 2"/>
-          <p:cNvSpPr>
-            <a:spLocks noGrp="1"/>
-          </p:cNvSpPr>
-          <p:nvPr>
-            <p:ph idx="1"/>
-          </p:nvPr>
-        </p:nvSpPr>
-        <p:spPr/>
-        <p:txBody>
-          <a:bodyPr/>
-          <a:lstStyle/>
-          <a:p>
-            <a:r>
-              <a:t>🧭 Permite personalizar a aparência da barra de status (cor, tema claro/escuro)</a:t>
-            </a:r>
-          </a:p>
-          <a:p>
-            <a:r>
-              <a:t>📌 Útil para melhorar a legibilidade em apps com header colorido</a:t>
-            </a:r>
-          </a:p>
-          <a:p>
-            <a:r>
-              <a:t>✅ Pode esconder ou mudar estilo da barra</a:t>
-            </a:r>
-          </a:p>
-          <a:p>
-            <a:r>
-              <a:t>Exemplo: `&lt;StatusBar barStyle='light-content' backgroundColor='#000' /&gt;`</a:t>
-            </a:r>
-          </a:p>
-        </p:txBody>
-      </p:sp>
-    </p:spTree>
-  </p:cSld>
-  <p:clrMapOvr>
-    <a:masterClrMapping/>
-  </p:clrMapOvr>
-</p:sld>
-</file>
-
-<file path=ppt/slides/slide31.xml><?xml version="1.0" encoding="utf-8"?>
-<p:sld xmlns:a="http://schemas.openxmlformats.org/drawingml/2006/main" xmlns:r="http://schemas.openxmlformats.org/officeDocument/2006/relationships" xmlns:p="http://schemas.openxmlformats.org/presentationml/2006/main">
-  <p:cSld>
-    <p:spTree>
-      <p:nvGrpSpPr>
-        <p:cNvPr id="1" name=""/>
-        <p:cNvGrpSpPr/>
-        <p:nvPr/>
-      </p:nvGrpSpPr>
-      <p:grpSpPr>
-        <a:xfrm>
-          <a:off x="0" y="0"/>
-          <a:ext cx="0" cy="0"/>
-          <a:chOff x="0" y="0"/>
-          <a:chExt cx="0" cy="0"/>
-        </a:xfrm>
-      </p:grpSpPr>
-      <p:sp>
-        <p:nvSpPr>
-          <p:cNvPr id="2" name="Title 1"/>
-          <p:cNvSpPr>
-            <a:spLocks noGrp="1"/>
-          </p:cNvSpPr>
-          <p:nvPr>
-            <p:ph type="title"/>
-          </p:nvPr>
-        </p:nvSpPr>
-        <p:spPr/>
-        <p:txBody>
-          <a:bodyPr>
-            <a:normAutofit/>
-          </a:bodyPr>
-          <a:lstStyle/>
-          <a:p>
-            <a:r>
-              <a:t>Por que usar const para componentes e eventos?</a:t>
-            </a:r>
-          </a:p>
-        </p:txBody>
-      </p:sp>
-      <p:sp>
-        <p:nvSpPr>
-          <p:cNvPr id="3" name="Content Placeholder 2"/>
-          <p:cNvSpPr>
-            <a:spLocks noGrp="1"/>
-          </p:cNvSpPr>
-          <p:nvPr>
-            <p:ph idx="1"/>
-          </p:nvPr>
-        </p:nvSpPr>
-        <p:spPr/>
-        <p:txBody>
-          <a:bodyPr/>
-          <a:lstStyle/>
-          <a:p>
-            <a:r>
-              <a:t>✅ Garante que o nome da função não será reatribuído</a:t>
-            </a:r>
-          </a:p>
-          <a:p>
-            <a:r>
-              <a:t>✅ Evita conflitos e mudanças acidentais no escopo</a:t>
-            </a:r>
-          </a:p>
-          <a:p>
-            <a:r>
-              <a:t>📌 Recomendado para componentes funcionais e funções auxiliares</a:t>
-            </a:r>
-          </a:p>
-          <a:p>
-            <a:r>
-              <a:t>📌 Mantém o código mais organizado e previsível</a:t>
-            </a:r>
-          </a:p>
-        </p:txBody>
-      </p:sp>
-    </p:spTree>
-  </p:cSld>
-  <p:clrMapOvr>
-    <a:masterClrMapping/>
-  </p:clrMapOvr>
-</p:sld>
-</file>
-
-<file path=ppt/slides/slide32.xml><?xml version="1.0" encoding="utf-8"?>
-<p:sld xmlns:a="http://schemas.openxmlformats.org/drawingml/2006/main" xmlns:r="http://schemas.openxmlformats.org/officeDocument/2006/relationships" xmlns:p="http://schemas.openxmlformats.org/presentationml/2006/main">
-  <p:cSld>
-    <p:spTree>
-      <p:nvGrpSpPr>
-        <p:cNvPr id="1" name=""/>
-        <p:cNvGrpSpPr/>
-        <p:nvPr/>
-      </p:nvGrpSpPr>
-      <p:grpSpPr>
-        <a:xfrm>
-          <a:off x="0" y="0"/>
-          <a:ext cx="0" cy="0"/>
-          <a:chOff x="0" y="0"/>
-          <a:chExt cx="0" cy="0"/>
-        </a:xfrm>
-      </p:grpSpPr>
-      <p:sp>
-        <p:nvSpPr>
-          <p:cNvPr id="2" name="Title 1"/>
-          <p:cNvSpPr>
-            <a:spLocks noGrp="1"/>
-          </p:cNvSpPr>
-          <p:nvPr>
-            <p:ph type="title"/>
-          </p:nvPr>
-        </p:nvSpPr>
-        <p:spPr/>
-        <p:txBody>
-          <a:bodyPr/>
-          <a:lstStyle/>
-          <a:p>
-            <a:r>
-              <a:t>Como definir com const</a:t>
-            </a:r>
-          </a:p>
-        </p:txBody>
-      </p:sp>
-      <p:sp>
-        <p:nvSpPr>
-          <p:cNvPr id="3" name="Content Placeholder 2"/>
-          <p:cNvSpPr>
-            <a:spLocks noGrp="1"/>
-          </p:cNvSpPr>
-          <p:nvPr>
-            <p:ph idx="1"/>
-          </p:nvPr>
-        </p:nvSpPr>
-        <p:spPr/>
-        <p:txBody>
-          <a:bodyPr/>
-          <a:lstStyle/>
-          <a:p>
-            <a:r>
-              <a:t>📦 Exemplo de componente com const:</a:t>
-            </a:r>
-          </a:p>
-          <a:p>
-            <a:r>
-              <a:t>const MeuBotao = ({ onPress }) =&gt; { return &lt;Button title='Clique' onPress={onPress} /&gt; };</a:t>
-            </a:r>
-          </a:p>
-          <a:p>
-            <a:r>
-              <a:t>📦 Exemplo de handler com const:</a:t>
-            </a:r>
-          </a:p>
-          <a:p>
-            <a:r>
-              <a:t>const handleClick = () =&gt; { console.log('Botão clicado!'); };</a:t>
-            </a:r>
-          </a:p>
-          <a:p>
-            <a:r>
-              <a:t>✅ Boas práticas: definir handlers dentro do escopo do componente</a:t>
-            </a:r>
-          </a:p>
-        </p:txBody>
-      </p:sp>
-    </p:spTree>
-  </p:cSld>
-  <p:clrMapOvr>
-    <a:masterClrMapping/>
-  </p:clrMapOvr>
-</p:sld>
-</file>
-
-<file path=ppt/slides/slide33.xml><?xml version="1.0" encoding="utf-8"?>
-<p:sld xmlns:a="http://schemas.openxmlformats.org/drawingml/2006/main" xmlns:r="http://schemas.openxmlformats.org/officeDocument/2006/relationships" xmlns:p="http://schemas.openxmlformats.org/presentationml/2006/main">
-  <p:cSld>
-    <p:spTree>
-      <p:nvGrpSpPr>
-        <p:cNvPr id="1" name=""/>
-        <p:cNvGrpSpPr/>
-        <p:nvPr/>
-      </p:nvGrpSpPr>
-      <p:grpSpPr>
-        <a:xfrm>
-          <a:off x="0" y="0"/>
-          <a:ext cx="0" cy="0"/>
-          <a:chOff x="0" y="0"/>
-          <a:chExt cx="0" cy="0"/>
-        </a:xfrm>
-      </p:grpSpPr>
-      <p:sp>
-        <p:nvSpPr>
-          <p:cNvPr id="2" name="Title 1"/>
-          <p:cNvSpPr>
-            <a:spLocks noGrp="1"/>
-          </p:cNvSpPr>
-          <p:nvPr>
-            <p:ph type="title"/>
-          </p:nvPr>
-        </p:nvSpPr>
-        <p:spPr/>
-        <p:txBody>
-          <a:bodyPr/>
-          <a:lstStyle/>
-          <a:p>
-            <a:r>
-              <a:t>Vantagens do uso de const</a:t>
-            </a:r>
-          </a:p>
-        </p:txBody>
-      </p:sp>
-      <p:sp>
-        <p:nvSpPr>
-          <p:cNvPr id="3" name="Content Placeholder 2"/>
-          <p:cNvSpPr>
-            <a:spLocks noGrp="1"/>
-          </p:cNvSpPr>
-          <p:nvPr>
-            <p:ph idx="1"/>
-          </p:nvPr>
-        </p:nvSpPr>
-        <p:spPr/>
-        <p:txBody>
-          <a:bodyPr/>
-          <a:lstStyle/>
-          <a:p>
-            <a:r>
-              <a:t>🔒 Segurança no código: impede reatribuições</a:t>
-            </a:r>
-          </a:p>
-          <a:p>
-            <a:r>
-              <a:t>🧩 Facilita a identificação de funções reutilizáveis</a:t>
-            </a:r>
-          </a:p>
-          <a:p>
-            <a:r>
-              <a:t>🗂️ Ajuda na organização do componente</a:t>
-            </a:r>
-          </a:p>
-          <a:p>
-            <a:r>
-              <a:t>📌 Funciona bem com Hooks e lógica interna</a:t>
-            </a:r>
-          </a:p>
-        </p:txBody>
-      </p:sp>
-    </p:spTree>
-  </p:cSld>
-  <p:clrMapOvr>
-    <a:masterClrMapping/>
-  </p:clrMapOvr>
-</p:sld>
-</file>
-
-<file path=ppt/slides/slide34.xml><?xml version="1.0" encoding="utf-8"?>
-<p:sld xmlns:a="http://schemas.openxmlformats.org/drawingml/2006/main" xmlns:r="http://schemas.openxmlformats.org/officeDocument/2006/relationships" xmlns:p="http://schemas.openxmlformats.org/presentationml/2006/main">
-  <p:cSld>
-    <p:spTree>
-      <p:nvGrpSpPr>
-        <p:cNvPr id="1" name=""/>
-        <p:cNvGrpSpPr/>
-        <p:nvPr/>
-      </p:nvGrpSpPr>
-      <p:grpSpPr>
-        <a:xfrm>
-          <a:off x="0" y="0"/>
-          <a:ext cx="0" cy="0"/>
-          <a:chOff x="0" y="0"/>
-          <a:chExt cx="0" cy="0"/>
-        </a:xfrm>
-      </p:grpSpPr>
-      <p:sp>
-        <p:nvSpPr>
-          <p:cNvPr id="2" name="Title 1"/>
-          <p:cNvSpPr>
-            <a:spLocks noGrp="1"/>
-          </p:cNvSpPr>
-          <p:nvPr>
-            <p:ph type="title"/>
-          </p:nvPr>
-        </p:nvSpPr>
-        <p:spPr/>
-        <p:txBody>
-          <a:bodyPr/>
-          <a:lstStyle/>
-          <a:p>
-            <a:r>
-              <a:t>Erros comuns ao usar const</a:t>
-            </a:r>
-          </a:p>
-        </p:txBody>
-      </p:sp>
-      <p:sp>
-        <p:nvSpPr>
-          <p:cNvPr id="3" name="Content Placeholder 2"/>
-          <p:cNvSpPr>
-            <a:spLocks noGrp="1"/>
-          </p:cNvSpPr>
-          <p:nvPr>
-            <p:ph idx="1"/>
-          </p:nvPr>
-        </p:nvSpPr>
-        <p:spPr/>
-        <p:txBody>
-          <a:bodyPr/>
-          <a:lstStyle/>
-          <a:p>
-            <a:r>
-              <a:t>❌ Esquecer o escopo e tentar usar const fora do componente</a:t>
-            </a:r>
-          </a:p>
-          <a:p>
-            <a:r>
-              <a:t>❌ Usar const para variáveis que precisam ser atualizadas (use let ou estado)</a:t>
-            </a:r>
-          </a:p>
-          <a:p>
-            <a:r>
-              <a:t>❌ Confundir declaração com uso: const é para funções fixas, não para tudo</a:t>
-            </a:r>
-          </a:p>
-          <a:p>
-            <a:r>
-              <a:t>⚠️ Misturar 'function MeuComp()' com lógica de React Hooks pode dar erro</a:t>
-            </a:r>
-          </a:p>
-        </p:txBody>
-      </p:sp>
-    </p:spTree>
-  </p:cSld>
-  <p:clrMapOvr>
-    <a:masterClrMapping/>
-  </p:clrMapOvr>
-</p:sld>
-</file>
-
-<file path=ppt/slides/slide35.xml><?xml version="1.0" encoding="utf-8"?>
-<p:sld xmlns:a="http://schemas.openxmlformats.org/drawingml/2006/main" xmlns:r="http://schemas.openxmlformats.org/officeDocument/2006/relationships" xmlns:p="http://schemas.openxmlformats.org/presentationml/2006/main">
-  <p:cSld>
-    <p:spTree>
-      <p:nvGrpSpPr>
-        <p:cNvPr id="1" name=""/>
-        <p:cNvGrpSpPr/>
-        <p:nvPr/>
-      </p:nvGrpSpPr>
-      <p:grpSpPr>
-        <a:xfrm>
-          <a:off x="0" y="0"/>
-          <a:ext cx="0" cy="0"/>
-          <a:chOff x="0" y="0"/>
-          <a:chExt cx="0" cy="0"/>
-        </a:xfrm>
-      </p:grpSpPr>
-      <p:sp>
-        <p:nvSpPr>
-          <p:cNvPr id="2" name="Title 1"/>
-          <p:cNvSpPr>
-            <a:spLocks noGrp="1"/>
-          </p:cNvSpPr>
-          <p:nvPr>
-            <p:ph type="title"/>
-          </p:nvPr>
-        </p:nvSpPr>
-        <p:spPr/>
-        <p:txBody>
-          <a:bodyPr/>
-          <a:lstStyle/>
-          <a:p>
-            <a:r>
-              <a:t>Text — O que faz?</a:t>
-            </a:r>
-          </a:p>
-        </p:txBody>
-      </p:sp>
-      <p:sp>
-        <p:nvSpPr>
-          <p:cNvPr id="3" name="Content Placeholder 2"/>
-          <p:cNvSpPr>
-            <a:spLocks noGrp="1"/>
-          </p:cNvSpPr>
-          <p:nvPr>
-            <p:ph idx="1"/>
-          </p:nvPr>
-        </p:nvSpPr>
-        <p:spPr/>
-        <p:txBody>
-          <a:bodyPr/>
-          <a:lstStyle/>
-          <a:p>
-            <a:r>
-              <a:t>📝 Exibe texto na tela</a:t>
-            </a:r>
-          </a:p>
-          <a:p>
-            <a:r>
-              <a:t>Usado para títulos, parágrafos, mensagens etc.</a:t>
-            </a:r>
-          </a:p>
-          <a:p>
-            <a:r>
-              <a:t>Exemplo: &lt;Text&gt;Olá mundo&lt;/Text&gt;</a:t>
-            </a:r>
-          </a:p>
-        </p:txBody>
-      </p:sp>
-    </p:spTree>
-  </p:cSld>
-  <p:clrMapOvr>
-    <a:masterClrMapping/>
-  </p:clrMapOvr>
-</p:sld>
-</file>
-
 <file path=ppt/slides/slide36.xml><?xml version="1.0" encoding="utf-8"?>
 <p:sld xmlns:a="http://schemas.openxmlformats.org/drawingml/2006/main" xmlns:r="http://schemas.openxmlformats.org/officeDocument/2006/relationships" xmlns:p="http://schemas.openxmlformats.org/presentationml/2006/main">
   <p:cSld>
@@ -10749,7 +13479,43 @@
       </p:grpSpPr>
       <p:sp>
         <p:nvSpPr>
-          <p:cNvPr id="2" name="Title 1"/>
+          <p:cNvPr id="5" name="Content Placeholder 4">
+            <a:extLst>
+              <a:ext uri="{FF2B5EF4-FFF2-40B4-BE49-F238E27FC236}">
+                <a16:creationId xmlns:a16="http://schemas.microsoft.com/office/drawing/2014/main" id="{B05704D2-4D7B-4A5D-E62A-E0E057A527E8}"/>
+              </a:ext>
+            </a:extLst>
+          </p:cNvPr>
+          <p:cNvSpPr>
+            <a:spLocks noGrp="1"/>
+          </p:cNvSpPr>
+          <p:nvPr>
+            <p:ph idx="1"/>
+          </p:nvPr>
+        </p:nvSpPr>
+        <p:spPr/>
+        <p:txBody>
+          <a:bodyPr>
+            <a:normAutofit/>
+          </a:bodyPr>
+          <a:lstStyle/>
+          <a:p>
+            <a:r>
+              <a:rPr lang="en-BR" sz="4800" dirty="0"/>
+              <a:t>PAUSA</a:t>
+            </a:r>
+          </a:p>
+        </p:txBody>
+      </p:sp>
+      <p:sp>
+        <p:nvSpPr>
+          <p:cNvPr id="7" name="Title 6">
+            <a:extLst>
+              <a:ext uri="{FF2B5EF4-FFF2-40B4-BE49-F238E27FC236}">
+                <a16:creationId xmlns:a16="http://schemas.microsoft.com/office/drawing/2014/main" id="{58438707-8CD2-ECE7-2BEE-97A6088BE181}"/>
+              </a:ext>
+            </a:extLst>
+          </p:cNvPr>
           <p:cNvSpPr>
             <a:spLocks noGrp="1"/>
           </p:cNvSpPr>
@@ -10762,40 +13528,7 @@
           <a:bodyPr/>
           <a:lstStyle/>
           <a:p>
-            <a:r>
-              <a:t>TextInput — O que faz?</a:t>
-            </a:r>
-          </a:p>
-        </p:txBody>
-      </p:sp>
-      <p:sp>
-        <p:nvSpPr>
-          <p:cNvPr id="3" name="Content Placeholder 2"/>
-          <p:cNvSpPr>
-            <a:spLocks noGrp="1"/>
-          </p:cNvSpPr>
-          <p:nvPr>
-            <p:ph idx="1"/>
-          </p:nvPr>
-        </p:nvSpPr>
-        <p:spPr/>
-        <p:txBody>
-          <a:bodyPr/>
-          <a:lstStyle/>
-          <a:p>
-            <a:r>
-              <a:t>⌨️ Campo para entrada de texto</a:t>
-            </a:r>
-          </a:p>
-          <a:p>
-            <a:r>
-              <a:t>Usado em formulários e inputs de usuário</a:t>
-            </a:r>
-          </a:p>
-          <a:p>
-            <a:r>
-              <a:t>Exemplo: &lt;TextInput placeholder='Digite aqui' /&gt;</a:t>
-            </a:r>
+            <a:endParaRPr lang="en-BR"/>
           </a:p>
         </p:txBody>
       </p:sp>
@@ -10812,7 +13545,13 @@
   <p:cSld>
     <p:spTree>
       <p:nvGrpSpPr>
-        <p:cNvPr id="1" name=""/>
+        <p:cNvPr id="1" name="">
+          <a:extLst>
+            <a:ext uri="{FF2B5EF4-FFF2-40B4-BE49-F238E27FC236}">
+              <a16:creationId xmlns:a16="http://schemas.microsoft.com/office/drawing/2014/main" id="{6111364C-1309-0BCD-2CE2-2015A11ABF1B}"/>
+            </a:ext>
+          </a:extLst>
+        </p:cNvPr>
         <p:cNvGrpSpPr/>
         <p:nvPr/>
       </p:nvGrpSpPr>
@@ -10826,7 +13565,13 @@
       </p:grpSpPr>
       <p:sp>
         <p:nvSpPr>
-          <p:cNvPr id="2" name="Title 1"/>
+          <p:cNvPr id="2" name="Title 1">
+            <a:extLst>
+              <a:ext uri="{FF2B5EF4-FFF2-40B4-BE49-F238E27FC236}">
+                <a16:creationId xmlns:a16="http://schemas.microsoft.com/office/drawing/2014/main" id="{E6214E8E-CEB6-071E-4AC6-4D7E4120EC0C}"/>
+              </a:ext>
+            </a:extLst>
+          </p:cNvPr>
           <p:cNvSpPr>
             <a:spLocks noGrp="1"/>
           </p:cNvSpPr>
@@ -10840,14 +13585,20 @@
           <a:lstStyle/>
           <a:p>
             <a:r>
-              <a:t>TouchableOpacity — O que faz?</a:t>
-            </a:r>
-          </a:p>
-        </p:txBody>
-      </p:sp>
-      <p:sp>
-        <p:nvSpPr>
-          <p:cNvPr id="3" name="Content Placeholder 2"/>
+              <a:t>SafeAreaView — Para que serve?</a:t>
+            </a:r>
+          </a:p>
+        </p:txBody>
+      </p:sp>
+      <p:sp>
+        <p:nvSpPr>
+          <p:cNvPr id="3" name="Content Placeholder 2">
+            <a:extLst>
+              <a:ext uri="{FF2B5EF4-FFF2-40B4-BE49-F238E27FC236}">
+                <a16:creationId xmlns:a16="http://schemas.microsoft.com/office/drawing/2014/main" id="{D77A36CC-19BF-F62B-C4CD-5CB35AE36627}"/>
+              </a:ext>
+            </a:extLst>
+          </p:cNvPr>
           <p:cNvSpPr>
             <a:spLocks noGrp="1"/>
           </p:cNvSpPr>
@@ -10861,22 +13612,32 @@
           <a:lstStyle/>
           <a:p>
             <a:r>
-              <a:t>👆 Componente clicável com efeito de opacidade</a:t>
-            </a:r>
-          </a:p>
-          <a:p>
-            <a:r>
-              <a:t>Usado para criar botões customizados</a:t>
-            </a:r>
-          </a:p>
-          <a:p>
-            <a:r>
-              <a:t>Exemplo: &lt;TouchableOpacity onPress={...}&gt;...&lt;/TouchableOpacity&gt;</a:t>
+              <a:t>🧷 Garante que o conteúdo fique visível em áreas seguras (iOS e Android)</a:t>
+            </a:r>
+          </a:p>
+          <a:p>
+            <a:r>
+              <a:t>📱 Evita sobreposição com notch, barra de status, ou botões de navegação</a:t>
+            </a:r>
+          </a:p>
+          <a:p>
+            <a:r>
+              <a:t>📌 Deve envolver a raiz do layout da tela</a:t>
+            </a:r>
+          </a:p>
+          <a:p>
+            <a:r>
+              <a:t>✅ Disponível via `import { SafeAreaView } from 'react-native';`</a:t>
             </a:r>
           </a:p>
         </p:txBody>
       </p:sp>
     </p:spTree>
+    <p:extLst>
+      <p:ext uri="{BB962C8B-B14F-4D97-AF65-F5344CB8AC3E}">
+        <p14:creationId xmlns:p14="http://schemas.microsoft.com/office/powerpoint/2010/main" val="2404039955"/>
+      </p:ext>
+    </p:extLst>
   </p:cSld>
   <p:clrMapOvr>
     <a:masterClrMapping/>
@@ -10917,7 +13678,7 @@
           <a:lstStyle/>
           <a:p>
             <a:r>
-              <a:t>Image — O que faz?</a:t>
+              <a:t>StatusBar — Para que serve?</a:t>
             </a:r>
           </a:p>
         </p:txBody>
@@ -10938,17 +13699,22 @@
           <a:lstStyle/>
           <a:p>
             <a:r>
-              <a:t>🖼️ Exibe imagens locais ou remotas</a:t>
-            </a:r>
-          </a:p>
-          <a:p>
-            <a:r>
-              <a:t>Requer `width` e `height` no estilo</a:t>
-            </a:r>
-          </a:p>
-          <a:p>
-            <a:r>
-              <a:t>Exemplo: &lt;Image source={{uri: 'https://...'}} style={{width: 100, height: 100}} /&gt;</a:t>
+              <a:t>🧭 Permite personalizar a aparência da barra de status (cor, tema claro/escuro)</a:t>
+            </a:r>
+          </a:p>
+          <a:p>
+            <a:r>
+              <a:t>📌 Útil para melhorar a legibilidade em apps com header colorido</a:t>
+            </a:r>
+          </a:p>
+          <a:p>
+            <a:r>
+              <a:t>✅ Pode esconder ou mudar estilo da barra</a:t>
+            </a:r>
+          </a:p>
+          <a:p>
+            <a:r>
+              <a:t>Exemplo: `&lt;StatusBar barStyle='light-content' backgroundColor='#000' /&gt;`</a:t>
             </a:r>
           </a:p>
         </p:txBody>
@@ -10980,13 +13746,7 @@
       </p:grpSpPr>
       <p:sp>
         <p:nvSpPr>
-          <p:cNvPr id="2" name="Title 1">
-            <a:extLst>
-              <a:ext uri="{FF2B5EF4-FFF2-40B4-BE49-F238E27FC236}">
-                <a16:creationId xmlns:a16="http://schemas.microsoft.com/office/drawing/2014/main" id="{5417ED43-D601-07D7-2C35-C3AA58FAB8C3}"/>
-              </a:ext>
-            </a:extLst>
-          </p:cNvPr>
+          <p:cNvPr id="2" name="Title 1"/>
           <p:cNvSpPr>
             <a:spLocks noGrp="1"/>
           </p:cNvSpPr>
@@ -10996,50 +13756,54 @@
         </p:nvSpPr>
         <p:spPr/>
         <p:txBody>
+          <a:bodyPr>
+            <a:normAutofit/>
+          </a:bodyPr>
+          <a:lstStyle/>
+          <a:p>
+            <a:r>
+              <a:t>Por que usar const para componentes e eventos?</a:t>
+            </a:r>
+          </a:p>
+        </p:txBody>
+      </p:sp>
+      <p:sp>
+        <p:nvSpPr>
+          <p:cNvPr id="3" name="Content Placeholder 2"/>
+          <p:cNvSpPr>
+            <a:spLocks noGrp="1"/>
+          </p:cNvSpPr>
+          <p:nvPr>
+            <p:ph idx="1"/>
+          </p:nvPr>
+        </p:nvSpPr>
+        <p:spPr/>
+        <p:txBody>
           <a:bodyPr/>
           <a:lstStyle/>
           <a:p>
             <a:r>
-              <a:rPr lang="en-BR" dirty="0"/>
-              <a:t>Desafio 1 </a:t>
-            </a:r>
-          </a:p>
-        </p:txBody>
-      </p:sp>
-      <p:sp>
-        <p:nvSpPr>
-          <p:cNvPr id="3" name="Content Placeholder 2">
-            <a:extLst>
-              <a:ext uri="{FF2B5EF4-FFF2-40B4-BE49-F238E27FC236}">
-                <a16:creationId xmlns:a16="http://schemas.microsoft.com/office/drawing/2014/main" id="{B44200A1-A867-9F0F-F129-8E6F5E74B0B6}"/>
-              </a:ext>
-            </a:extLst>
-          </p:cNvPr>
-          <p:cNvSpPr>
-            <a:spLocks noGrp="1"/>
-          </p:cNvSpPr>
-          <p:nvPr>
-            <p:ph idx="1"/>
-          </p:nvPr>
-        </p:nvSpPr>
-        <p:spPr/>
-        <p:txBody>
-          <a:bodyPr/>
-          <a:lstStyle/>
-          <a:p>
-            <a:r>
-              <a:rPr lang="en-BR" dirty="0"/>
-              <a:t>Criar uma tela que exibe uma imagem e uma palavra</a:t>
+              <a:t>✅ Garante que o nome da função não será reatribuído</a:t>
+            </a:r>
+          </a:p>
+          <a:p>
+            <a:r>
+              <a:t>✅ Evita conflitos e mudanças acidentais no escopo</a:t>
+            </a:r>
+          </a:p>
+          <a:p>
+            <a:r>
+              <a:t>📌 Recomendado para componentes funcionais e funções auxiliares</a:t>
+            </a:r>
+          </a:p>
+          <a:p>
+            <a:r>
+              <a:t>📌 Mantém o código mais organizado e previsível</a:t>
             </a:r>
           </a:p>
         </p:txBody>
       </p:sp>
     </p:spTree>
-    <p:extLst>
-      <p:ext uri="{BB962C8B-B14F-4D97-AF65-F5344CB8AC3E}">
-        <p14:creationId xmlns:p14="http://schemas.microsoft.com/office/powerpoint/2010/main" val="461498003"/>
-      </p:ext>
-    </p:extLst>
   </p:cSld>
   <p:clrMapOvr>
     <a:masterClrMapping/>
@@ -11383,7 +14147,7 @@
           <a:lstStyle/>
           <a:p>
             <a:r>
-              <a:t>Uso de Props para Comunicação</a:t>
+              <a:t>Como definir com const</a:t>
             </a:r>
           </a:p>
         </p:txBody>
@@ -11404,22 +14168,27 @@
           <a:lstStyle/>
           <a:p>
             <a:r>
-              <a:t>🔄 Props permitem passar dados de um componente pai para um filho</a:t>
-            </a:r>
-          </a:p>
-          <a:p>
-            <a:r>
-              <a:t>📦 São argumentos definidos em JSX: `&lt;MeuComp titulo='Olá' /&gt;`</a:t>
-            </a:r>
-          </a:p>
-          <a:p>
-            <a:r>
-              <a:t>🧩 Dentro do componente filho: `props.titulo` ou `const { titulo } = props`</a:t>
-            </a:r>
-          </a:p>
-          <a:p>
-            <a:r>
-              <a:t>✅ Evita repetição e facilita reuso de componentes com conteúdo dinâmico</a:t>
+              <a:t>📦 Exemplo de componente com const:</a:t>
+            </a:r>
+          </a:p>
+          <a:p>
+            <a:r>
+              <a:t>const MeuBotao = ({ onPress }) =&gt; { return &lt;Button title='Clique' onPress={onPress} /&gt; };</a:t>
+            </a:r>
+          </a:p>
+          <a:p>
+            <a:r>
+              <a:t>📦 Exemplo de handler com const:</a:t>
+            </a:r>
+          </a:p>
+          <a:p>
+            <a:r>
+              <a:t>const handleClick = () =&gt; { console.log('Botão clicado!'); };</a:t>
+            </a:r>
+          </a:p>
+          <a:p>
+            <a:r>
+              <a:t>✅ Boas práticas: definir handlers dentro do escopo do componente</a:t>
             </a:r>
           </a:p>
         </p:txBody>
@@ -11437,13 +14206,7 @@
   <p:cSld>
     <p:spTree>
       <p:nvGrpSpPr>
-        <p:cNvPr id="1" name="">
-          <a:extLst>
-            <a:ext uri="{FF2B5EF4-FFF2-40B4-BE49-F238E27FC236}">
-              <a16:creationId xmlns:a16="http://schemas.microsoft.com/office/drawing/2014/main" id="{7FB8E3F6-02D2-FAD2-F43D-6C7E5A6C5A4C}"/>
-            </a:ext>
-          </a:extLst>
-        </p:cNvPr>
+        <p:cNvPr id="1" name=""/>
         <p:cNvGrpSpPr/>
         <p:nvPr/>
       </p:nvGrpSpPr>
@@ -11457,13 +14220,7 @@
       </p:grpSpPr>
       <p:sp>
         <p:nvSpPr>
-          <p:cNvPr id="2" name="Title 1">
-            <a:extLst>
-              <a:ext uri="{FF2B5EF4-FFF2-40B4-BE49-F238E27FC236}">
-                <a16:creationId xmlns:a16="http://schemas.microsoft.com/office/drawing/2014/main" id="{5E3B7FEB-7B75-2937-FDBA-7BF597791170}"/>
-              </a:ext>
-            </a:extLst>
-          </p:cNvPr>
+          <p:cNvPr id="2" name="Title 1"/>
           <p:cNvSpPr>
             <a:spLocks noGrp="1"/>
           </p:cNvSpPr>
@@ -11477,21 +14234,14 @@
           <a:lstStyle/>
           <a:p>
             <a:r>
-              <a:rPr lang="en-BR" dirty="0"/>
-              <a:t>Desafio 1 </a:t>
-            </a:r>
-          </a:p>
-        </p:txBody>
-      </p:sp>
-      <p:sp>
-        <p:nvSpPr>
-          <p:cNvPr id="3" name="Content Placeholder 2">
-            <a:extLst>
-              <a:ext uri="{FF2B5EF4-FFF2-40B4-BE49-F238E27FC236}">
-                <a16:creationId xmlns:a16="http://schemas.microsoft.com/office/drawing/2014/main" id="{779B84D1-41A3-D020-00D6-70F6687C63B8}"/>
-              </a:ext>
-            </a:extLst>
-          </p:cNvPr>
+              <a:t>Vantagens do uso de const</a:t>
+            </a:r>
+          </a:p>
+        </p:txBody>
+      </p:sp>
+      <p:sp>
+        <p:nvSpPr>
+          <p:cNvPr id="3" name="Content Placeholder 2"/>
           <p:cNvSpPr>
             <a:spLocks noGrp="1"/>
           </p:cNvSpPr>
@@ -11505,18 +14255,27 @@
           <a:lstStyle/>
           <a:p>
             <a:r>
-              <a:rPr lang="en-BR" dirty="0"/>
-              <a:t>Alterar a tela para receber como prop a imagem e o texto</a:t>
+              <a:t>🔒 Segurança no código: impede reatribuições</a:t>
+            </a:r>
+          </a:p>
+          <a:p>
+            <a:r>
+              <a:t>🧩 Facilita a identificação de funções reutilizáveis</a:t>
+            </a:r>
+          </a:p>
+          <a:p>
+            <a:r>
+              <a:t>🗂️ Ajuda na organização do componente</a:t>
+            </a:r>
+          </a:p>
+          <a:p>
+            <a:r>
+              <a:t>📌 Funciona bem com Hooks e lógica interna</a:t>
             </a:r>
           </a:p>
         </p:txBody>
       </p:sp>
     </p:spTree>
-    <p:extLst>
-      <p:ext uri="{BB962C8B-B14F-4D97-AF65-F5344CB8AC3E}">
-        <p14:creationId xmlns:p14="http://schemas.microsoft.com/office/powerpoint/2010/main" val="3249117725"/>
-      </p:ext>
-    </p:extLst>
   </p:cSld>
   <p:clrMapOvr>
     <a:masterClrMapping/>
@@ -11553,13 +14312,11 @@
         </p:nvSpPr>
         <p:spPr/>
         <p:txBody>
-          <a:bodyPr>
-            <a:normAutofit/>
-          </a:bodyPr>
-          <a:lstStyle/>
-          <a:p>
-            <a:r>
-              <a:t>Tipos de Lista — Quando usar cada uma?</a:t>
+          <a:bodyPr/>
+          <a:lstStyle/>
+          <a:p>
+            <a:r>
+              <a:t>Erros comuns ao usar const</a:t>
             </a:r>
           </a:p>
         </p:txBody>
@@ -11580,22 +14337,22 @@
           <a:lstStyle/>
           <a:p>
             <a:r>
-              <a:t>📃 FlatList: Ideal para listas grandes e homogêneas com rolagem vertical</a:t>
-            </a:r>
-          </a:p>
-          <a:p>
-            <a:r>
-              <a:t>📑 SectionList: Ideal para listas com divisões por seções (ex: contatos por letra)</a:t>
-            </a:r>
-          </a:p>
-          <a:p>
-            <a:r>
-              <a:t>🔁 ScrollView: Para conteúdo pequeno e fixo — carrega tudo na memória</a:t>
-            </a:r>
-          </a:p>
-          <a:p>
-            <a:r>
-              <a:t>⚠️ Não use ScrollView para grandes quantidades de dados → causa lentidão</a:t>
+              <a:t>❌ Esquecer o escopo e tentar usar const fora do componente</a:t>
+            </a:r>
+          </a:p>
+          <a:p>
+            <a:r>
+              <a:t>❌ Usar const para variáveis que precisam ser atualizadas (use let ou estado)</a:t>
+            </a:r>
+          </a:p>
+          <a:p>
+            <a:r>
+              <a:t>❌ Confundir declaração com uso: const é para funções fixas, não para tudo</a:t>
+            </a:r>
+          </a:p>
+          <a:p>
+            <a:r>
+              <a:t>⚠️ Misturar 'function MeuComp()' com lógica de React Hooks pode dar erro</a:t>
             </a:r>
           </a:p>
         </p:txBody>
@@ -11641,7 +14398,7 @@
           <a:lstStyle/>
           <a:p>
             <a:r>
-              <a:t>FlatList — O que faz?</a:t>
+              <a:t>Text — O que faz?</a:t>
             </a:r>
           </a:p>
         </p:txBody>
@@ -11662,17 +14419,17 @@
           <a:lstStyle/>
           <a:p>
             <a:r>
-              <a:t>📋 Lista eficiente para muitos itens</a:t>
-            </a:r>
-          </a:p>
-          <a:p>
-            <a:r>
-              <a:t>Rolagem vertical, renderiza apenas o visível</a:t>
-            </a:r>
-          </a:p>
-          <a:p>
-            <a:r>
-              <a:t>Exemplo: &lt;FlatList data={dados} renderItem={...} /&gt;</a:t>
+              <a:t>📝 Exibe texto na tela</a:t>
+            </a:r>
+          </a:p>
+          <a:p>
+            <a:r>
+              <a:t>Usado para títulos, parágrafos, mensagens etc.</a:t>
+            </a:r>
+          </a:p>
+          <a:p>
+            <a:r>
+              <a:t>Exemplo: &lt;Text&gt;Olá mundo&lt;/Text&gt;</a:t>
             </a:r>
           </a:p>
         </p:txBody>
@@ -11718,7 +14475,7 @@
           <a:lstStyle/>
           <a:p>
             <a:r>
-              <a:t>Picker — O que faz?</a:t>
+              <a:t>TextInput — O que faz?</a:t>
             </a:r>
           </a:p>
         </p:txBody>
@@ -11739,17 +14496,17 @@
           <a:lstStyle/>
           <a:p>
             <a:r>
-              <a:t>🎛️ Componente para seleção entre várias opções</a:t>
-            </a:r>
-          </a:p>
-          <a:p>
-            <a:r>
-              <a:t>Semelhante ao dropdown</a:t>
-            </a:r>
-          </a:p>
-          <a:p>
-            <a:r>
-              <a:t>Exemplo: &lt;Picker selectedValue={...} onValueChange={...}&gt;...&lt;/Picker&gt;</a:t>
+              <a:t>⌨️ Campo para entrada de texto</a:t>
+            </a:r>
+          </a:p>
+          <a:p>
+            <a:r>
+              <a:t>Usado em formulários e inputs de usuário</a:t>
+            </a:r>
+          </a:p>
+          <a:p>
+            <a:r>
+              <a:t>Exemplo: &lt;TextInput placeholder='Digite aqui' /&gt;</a:t>
             </a:r>
           </a:p>
         </p:txBody>
@@ -11795,7 +14552,7 @@
           <a:lstStyle/>
           <a:p>
             <a:r>
-              <a:t>StatusBar — O que faz?</a:t>
+              <a:t>TouchableOpacity — O que faz?</a:t>
             </a:r>
           </a:p>
         </p:txBody>
@@ -11816,17 +14573,17 @@
           <a:lstStyle/>
           <a:p>
             <a:r>
-              <a:t>📶 Permite personalizar a barra de status do celular</a:t>
-            </a:r>
-          </a:p>
-          <a:p>
-            <a:r>
-              <a:t>Mudar cor, ocultar ou alterar estilo (light/dark)</a:t>
-            </a:r>
-          </a:p>
-          <a:p>
-            <a:r>
-              <a:t>Exemplo: &lt;StatusBar barStyle='dark-content' /&gt;</a:t>
+              <a:t>👆 Componente clicável com efeito de opacidade</a:t>
+            </a:r>
+          </a:p>
+          <a:p>
+            <a:r>
+              <a:t>Usado para criar botões customizados</a:t>
+            </a:r>
+          </a:p>
+          <a:p>
+            <a:r>
+              <a:t>Exemplo: &lt;TouchableOpacity onPress={...}&gt;...&lt;/TouchableOpacity&gt;</a:t>
             </a:r>
           </a:p>
         </p:txBody>
@@ -11872,7 +14629,16 @@
           <a:lstStyle/>
           <a:p>
             <a:r>
-              <a:t>Switch — O que faz?</a:t>
+              <a:rPr dirty="0"/>
+              <a:t>Image — O que </a:t>
+            </a:r>
+            <a:r>
+              <a:rPr dirty="0" err="1"/>
+              <a:t>faz</a:t>
+            </a:r>
+            <a:r>
+              <a:rPr dirty="0"/>
+              <a:t>?</a:t>
             </a:r>
           </a:p>
         </p:txBody>
@@ -11893,21 +14659,51 @@
           <a:lstStyle/>
           <a:p>
             <a:r>
-              <a:t>🔀 Botão de alternância (on/off)</a:t>
-            </a:r>
-          </a:p>
-          <a:p>
-            <a:r>
-              <a:t>Usado para configurações ou preferências</a:t>
-            </a:r>
-          </a:p>
-          <a:p>
-            <a:r>
-              <a:t>Exemplo: &lt;Switch value={isAtivo} onValueChange={setIsAtivo} /&gt;</a:t>
-            </a:r>
-          </a:p>
-        </p:txBody>
-      </p:sp>
+              <a:t>🖼️ Exibe imagens locais ou remotas</a:t>
+            </a:r>
+          </a:p>
+          <a:p>
+            <a:r>
+              <a:t>Requer `width` e `height` no estilo</a:t>
+            </a:r>
+          </a:p>
+          <a:p>
+            <a:r>
+              <a:t>Exemplo: &lt;Image source={{uri: 'https://...'}} style={{width: 100, height: 100}} /&gt;</a:t>
+            </a:r>
+          </a:p>
+        </p:txBody>
+      </p:sp>
+      <p:pic>
+        <p:nvPicPr>
+          <p:cNvPr id="5" name="Picture 4" descr="A screenshot of a phone&#10;&#10;AI-generated content may be incorrect.">
+            <a:extLst>
+              <a:ext uri="{FF2B5EF4-FFF2-40B4-BE49-F238E27FC236}">
+                <a16:creationId xmlns:a16="http://schemas.microsoft.com/office/drawing/2014/main" id="{AE7DC25D-469E-EA06-EE54-6E7CE32F64C1}"/>
+              </a:ext>
+            </a:extLst>
+          </p:cNvPr>
+          <p:cNvPicPr>
+            <a:picLocks noChangeAspect="1"/>
+          </p:cNvPicPr>
+          <p:nvPr/>
+        </p:nvPicPr>
+        <p:blipFill>
+          <a:blip r:embed="rId2"/>
+          <a:stretch>
+            <a:fillRect/>
+          </a:stretch>
+        </p:blipFill>
+        <p:spPr>
+          <a:xfrm>
+            <a:off x="777240" y="3906312"/>
+            <a:ext cx="7772400" cy="2494487"/>
+          </a:xfrm>
+          <a:prstGeom prst="rect">
+            <a:avLst/>
+          </a:prstGeom>
+        </p:spPr>
+      </p:pic>
     </p:spTree>
   </p:cSld>
   <p:clrMapOvr>
@@ -11921,7 +14717,13 @@
   <p:cSld>
     <p:spTree>
       <p:nvGrpSpPr>
-        <p:cNvPr id="1" name=""/>
+        <p:cNvPr id="1" name="">
+          <a:extLst>
+            <a:ext uri="{FF2B5EF4-FFF2-40B4-BE49-F238E27FC236}">
+              <a16:creationId xmlns:a16="http://schemas.microsoft.com/office/drawing/2014/main" id="{CE91AFFE-F3AC-6D54-6FD0-2153BC3E926B}"/>
+            </a:ext>
+          </a:extLst>
+        </p:cNvPr>
         <p:cNvGrpSpPr/>
         <p:nvPr/>
       </p:nvGrpSpPr>
@@ -11935,7 +14737,13 @@
       </p:grpSpPr>
       <p:sp>
         <p:nvSpPr>
-          <p:cNvPr id="2" name="Title 1"/>
+          <p:cNvPr id="2" name="Title 1">
+            <a:extLst>
+              <a:ext uri="{FF2B5EF4-FFF2-40B4-BE49-F238E27FC236}">
+                <a16:creationId xmlns:a16="http://schemas.microsoft.com/office/drawing/2014/main" id="{B9677F6F-4D9A-BF22-E5D2-EB753D5348FC}"/>
+              </a:ext>
+            </a:extLst>
+          </p:cNvPr>
           <p:cNvSpPr>
             <a:spLocks noGrp="1"/>
           </p:cNvSpPr>
@@ -11949,14 +14757,29 @@
           <a:lstStyle/>
           <a:p>
             <a:r>
-              <a:t>ScrollView — O que faz?</a:t>
-            </a:r>
-          </a:p>
-        </p:txBody>
-      </p:sp>
-      <p:sp>
-        <p:nvSpPr>
-          <p:cNvPr id="3" name="Content Placeholder 2"/>
+              <a:rPr dirty="0"/>
+              <a:t>Image — O que </a:t>
+            </a:r>
+            <a:r>
+              <a:rPr dirty="0" err="1"/>
+              <a:t>faz</a:t>
+            </a:r>
+            <a:r>
+              <a:rPr dirty="0"/>
+              <a:t>?</a:t>
+            </a:r>
+          </a:p>
+        </p:txBody>
+      </p:sp>
+      <p:sp>
+        <p:nvSpPr>
+          <p:cNvPr id="3" name="Content Placeholder 2">
+            <a:extLst>
+              <a:ext uri="{FF2B5EF4-FFF2-40B4-BE49-F238E27FC236}">
+                <a16:creationId xmlns:a16="http://schemas.microsoft.com/office/drawing/2014/main" id="{B24314BD-91B6-1214-4E41-F02C728F622F}"/>
+              </a:ext>
+            </a:extLst>
+          </p:cNvPr>
           <p:cNvSpPr>
             <a:spLocks noGrp="1"/>
           </p:cNvSpPr>
@@ -11964,28 +14787,136 @@
             <p:ph idx="1"/>
           </p:nvPr>
         </p:nvSpPr>
-        <p:spPr/>
+        <p:spPr>
+          <a:xfrm>
+            <a:off x="594360" y="2194560"/>
+            <a:ext cx="8384540" cy="4069080"/>
+          </a:xfrm>
+        </p:spPr>
         <p:txBody>
           <a:bodyPr/>
           <a:lstStyle/>
           <a:p>
-            <a:r>
-              <a:t>📜 Container com rolagem para conteúdos longos</a:t>
-            </a:r>
-          </a:p>
-          <a:p>
-            <a:r>
-              <a:t>Carrega todos os elementos na memória</a:t>
-            </a:r>
-          </a:p>
-          <a:p>
-            <a:r>
-              <a:t>Evitar para listas grandes</a:t>
-            </a:r>
+            <a:pPr>
+              <a:buNone/>
+            </a:pPr>
+            <a:r>
+              <a:rPr lang="en-BR" b="1" dirty="0"/>
+              <a:t>🛠️ </a:t>
+            </a:r>
+            <a:r>
+              <a:rPr lang="en-US" b="1" dirty="0" err="1"/>
+              <a:t>Dica</a:t>
+            </a:r>
+            <a:r>
+              <a:rPr lang="en-US" b="1" dirty="0"/>
+              <a:t>:</a:t>
+            </a:r>
+          </a:p>
+          <a:p>
+            <a:r>
+              <a:rPr lang="en-US" dirty="0"/>
+              <a:t>Para </a:t>
+            </a:r>
+            <a:r>
+              <a:rPr lang="en-US" dirty="0" err="1"/>
+              <a:t>carregar</a:t>
+            </a:r>
+            <a:r>
+              <a:rPr lang="en-US" dirty="0"/>
+              <a:t> imagens </a:t>
+            </a:r>
+            <a:r>
+              <a:rPr lang="en-US" dirty="0" err="1"/>
+              <a:t>remotas</a:t>
+            </a:r>
+            <a:r>
+              <a:rPr lang="en-US" dirty="0"/>
+              <a:t> com fallback:</a:t>
+            </a:r>
+          </a:p>
+          <a:p>
+            <a:pPr marL="0" indent="0">
+              <a:buNone/>
+            </a:pPr>
+            <a:r>
+              <a:rPr lang="en-US" dirty="0"/>
+              <a:t>&lt;Image</a:t>
+            </a:r>
+          </a:p>
+          <a:p>
+            <a:pPr marL="0" indent="0">
+              <a:buNone/>
+            </a:pPr>
+            <a:r>
+              <a:rPr lang="en-US" dirty="0"/>
+              <a:t>  source={{ </a:t>
+            </a:r>
+            <a:r>
+              <a:rPr lang="en-US" dirty="0" err="1"/>
+              <a:t>uri</a:t>
+            </a:r>
+            <a:r>
+              <a:rPr lang="en-US" dirty="0"/>
+              <a:t>: </a:t>
+            </a:r>
+            <a:r>
+              <a:rPr lang="en-US" dirty="0" err="1"/>
+              <a:t>imageUrl</a:t>
+            </a:r>
+            <a:r>
+              <a:rPr lang="en-US" dirty="0"/>
+              <a:t> || 'https://</a:t>
+            </a:r>
+            <a:r>
+              <a:rPr lang="en-US" dirty="0" err="1"/>
+              <a:t>fallback.com</a:t>
+            </a:r>
+            <a:r>
+              <a:rPr lang="en-US" dirty="0"/>
+              <a:t>/</a:t>
+            </a:r>
+            <a:r>
+              <a:rPr lang="en-US" dirty="0" err="1"/>
+              <a:t>img.png</a:t>
+            </a:r>
+            <a:r>
+              <a:rPr lang="en-US" dirty="0"/>
+              <a:t>' }}</a:t>
+            </a:r>
+          </a:p>
+          <a:p>
+            <a:pPr marL="0" indent="0">
+              <a:buNone/>
+            </a:pPr>
+            <a:r>
+              <a:rPr lang="en-US" dirty="0"/>
+              <a:t>  style={{ width: 100, height: 100 }}</a:t>
+            </a:r>
+          </a:p>
+          <a:p>
+            <a:pPr marL="0" indent="0">
+              <a:buNone/>
+            </a:pPr>
+            <a:r>
+              <a:rPr lang="en-US" dirty="0"/>
+              <a:t>/&gt;</a:t>
+            </a:r>
+          </a:p>
+          <a:p>
+            <a:pPr marL="0" indent="0">
+              <a:buNone/>
+            </a:pPr>
+            <a:endParaRPr dirty="0"/>
           </a:p>
         </p:txBody>
       </p:sp>
     </p:spTree>
+    <p:extLst>
+      <p:ext uri="{BB962C8B-B14F-4D97-AF65-F5344CB8AC3E}">
+        <p14:creationId xmlns:p14="http://schemas.microsoft.com/office/powerpoint/2010/main" val="2251059850"/>
+      </p:ext>
+    </p:extLst>
   </p:cSld>
   <p:clrMapOvr>
     <a:masterClrMapping/>
@@ -12012,7 +14943,13 @@
       </p:grpSpPr>
       <p:sp>
         <p:nvSpPr>
-          <p:cNvPr id="2" name="Title 1"/>
+          <p:cNvPr id="2" name="Title 1">
+            <a:extLst>
+              <a:ext uri="{FF2B5EF4-FFF2-40B4-BE49-F238E27FC236}">
+                <a16:creationId xmlns:a16="http://schemas.microsoft.com/office/drawing/2014/main" id="{5417ED43-D601-07D7-2C35-C3AA58FAB8C3}"/>
+              </a:ext>
+            </a:extLst>
+          </p:cNvPr>
           <p:cNvSpPr>
             <a:spLocks noGrp="1"/>
           </p:cNvSpPr>
@@ -12026,14 +14963,21 @@
           <a:lstStyle/>
           <a:p>
             <a:r>
-              <a:t>SectionList — O que faz?</a:t>
-            </a:r>
-          </a:p>
-        </p:txBody>
-      </p:sp>
-      <p:sp>
-        <p:nvSpPr>
-          <p:cNvPr id="3" name="Content Placeholder 2"/>
+              <a:rPr lang="en-BR" dirty="0"/>
+              <a:t>Desafio 1 </a:t>
+            </a:r>
+          </a:p>
+        </p:txBody>
+      </p:sp>
+      <p:sp>
+        <p:nvSpPr>
+          <p:cNvPr id="3" name="Content Placeholder 2">
+            <a:extLst>
+              <a:ext uri="{FF2B5EF4-FFF2-40B4-BE49-F238E27FC236}">
+                <a16:creationId xmlns:a16="http://schemas.microsoft.com/office/drawing/2014/main" id="{B44200A1-A867-9F0F-F129-8E6F5E74B0B6}"/>
+              </a:ext>
+            </a:extLst>
+          </p:cNvPr>
           <p:cNvSpPr>
             <a:spLocks noGrp="1"/>
           </p:cNvSpPr>
@@ -12047,22 +14991,18 @@
           <a:lstStyle/>
           <a:p>
             <a:r>
-              <a:t>📚 Lista agrupada por seções</a:t>
-            </a:r>
-          </a:p>
-          <a:p>
-            <a:r>
-              <a:t>Exemplo: contatos por letra, categorias</a:t>
-            </a:r>
-          </a:p>
-          <a:p>
-            <a:r>
-              <a:t>Exemplo: &lt;SectionList sections={dados} renderItem={...} /&gt;</a:t>
+              <a:rPr lang="en-BR" dirty="0"/>
+              <a:t>Criar uma tela que exibe uma imagem e uma palavra</a:t>
             </a:r>
           </a:p>
         </p:txBody>
       </p:sp>
     </p:spTree>
+    <p:extLst>
+      <p:ext uri="{BB962C8B-B14F-4D97-AF65-F5344CB8AC3E}">
+        <p14:creationId xmlns:p14="http://schemas.microsoft.com/office/powerpoint/2010/main" val="461498003"/>
+      </p:ext>
+    </p:extLst>
   </p:cSld>
   <p:clrMapOvr>
     <a:masterClrMapping/>
@@ -12103,7 +15043,7 @@
           <a:lstStyle/>
           <a:p>
             <a:r>
-              <a:t>ListView — O que faz?</a:t>
+              <a:t>Uso de Props para Comunicação</a:t>
             </a:r>
           </a:p>
         </p:txBody>
@@ -12124,17 +15064,22 @@
           <a:lstStyle/>
           <a:p>
             <a:r>
-              <a:t>📛 Obsoleto! Substituído por FlatList e SectionList</a:t>
-            </a:r>
-          </a:p>
-          <a:p>
-            <a:r>
-              <a:t>Evitar usar em projetos novos</a:t>
-            </a:r>
-          </a:p>
-          <a:p>
-            <a:r>
-              <a:t>Só aparece em códigos antigos ou legados</a:t>
+              <a:t>🔄 Props permitem passar dados de um componente pai para um filho</a:t>
+            </a:r>
+          </a:p>
+          <a:p>
+            <a:r>
+              <a:t>📦 São argumentos definidos em JSX: `&lt;MeuComp titulo='Olá' /&gt;`</a:t>
+            </a:r>
+          </a:p>
+          <a:p>
+            <a:r>
+              <a:t>🧩 Dentro do componente filho: `props.titulo` ou `const { titulo } = props`</a:t>
+            </a:r>
+          </a:p>
+          <a:p>
+            <a:r>
+              <a:t>✅ Evita repetição e facilita reuso de componentes com conteúdo dinâmico</a:t>
             </a:r>
           </a:p>
         </p:txBody>
@@ -12264,6 +15209,721 @@
 </file>
 
 <file path=ppt/slides/slide50.xml><?xml version="1.0" encoding="utf-8"?>
+<p:sld xmlns:a="http://schemas.openxmlformats.org/drawingml/2006/main" xmlns:r="http://schemas.openxmlformats.org/officeDocument/2006/relationships" xmlns:p="http://schemas.openxmlformats.org/presentationml/2006/main">
+  <p:cSld>
+    <p:spTree>
+      <p:nvGrpSpPr>
+        <p:cNvPr id="1" name="">
+          <a:extLst>
+            <a:ext uri="{FF2B5EF4-FFF2-40B4-BE49-F238E27FC236}">
+              <a16:creationId xmlns:a16="http://schemas.microsoft.com/office/drawing/2014/main" id="{7FB8E3F6-02D2-FAD2-F43D-6C7E5A6C5A4C}"/>
+            </a:ext>
+          </a:extLst>
+        </p:cNvPr>
+        <p:cNvGrpSpPr/>
+        <p:nvPr/>
+      </p:nvGrpSpPr>
+      <p:grpSpPr>
+        <a:xfrm>
+          <a:off x="0" y="0"/>
+          <a:ext cx="0" cy="0"/>
+          <a:chOff x="0" y="0"/>
+          <a:chExt cx="0" cy="0"/>
+        </a:xfrm>
+      </p:grpSpPr>
+      <p:sp>
+        <p:nvSpPr>
+          <p:cNvPr id="2" name="Title 1">
+            <a:extLst>
+              <a:ext uri="{FF2B5EF4-FFF2-40B4-BE49-F238E27FC236}">
+                <a16:creationId xmlns:a16="http://schemas.microsoft.com/office/drawing/2014/main" id="{5E3B7FEB-7B75-2937-FDBA-7BF597791170}"/>
+              </a:ext>
+            </a:extLst>
+          </p:cNvPr>
+          <p:cNvSpPr>
+            <a:spLocks noGrp="1"/>
+          </p:cNvSpPr>
+          <p:nvPr>
+            <p:ph type="title"/>
+          </p:nvPr>
+        </p:nvSpPr>
+        <p:spPr/>
+        <p:txBody>
+          <a:bodyPr/>
+          <a:lstStyle/>
+          <a:p>
+            <a:r>
+              <a:rPr lang="en-BR" dirty="0"/>
+              <a:t>Desafio 1 </a:t>
+            </a:r>
+          </a:p>
+        </p:txBody>
+      </p:sp>
+      <p:sp>
+        <p:nvSpPr>
+          <p:cNvPr id="3" name="Content Placeholder 2">
+            <a:extLst>
+              <a:ext uri="{FF2B5EF4-FFF2-40B4-BE49-F238E27FC236}">
+                <a16:creationId xmlns:a16="http://schemas.microsoft.com/office/drawing/2014/main" id="{779B84D1-41A3-D020-00D6-70F6687C63B8}"/>
+              </a:ext>
+            </a:extLst>
+          </p:cNvPr>
+          <p:cNvSpPr>
+            <a:spLocks noGrp="1"/>
+          </p:cNvSpPr>
+          <p:nvPr>
+            <p:ph idx="1"/>
+          </p:nvPr>
+        </p:nvSpPr>
+        <p:spPr/>
+        <p:txBody>
+          <a:bodyPr/>
+          <a:lstStyle/>
+          <a:p>
+            <a:r>
+              <a:rPr lang="en-BR" dirty="0"/>
+              <a:t>Alterar a tela para receber como prop a imagem e o texto</a:t>
+            </a:r>
+          </a:p>
+        </p:txBody>
+      </p:sp>
+    </p:spTree>
+    <p:extLst>
+      <p:ext uri="{BB962C8B-B14F-4D97-AF65-F5344CB8AC3E}">
+        <p14:creationId xmlns:p14="http://schemas.microsoft.com/office/powerpoint/2010/main" val="3249117725"/>
+      </p:ext>
+    </p:extLst>
+  </p:cSld>
+  <p:clrMapOvr>
+    <a:masterClrMapping/>
+  </p:clrMapOvr>
+</p:sld>
+</file>
+
+<file path=ppt/slides/slide51.xml><?xml version="1.0" encoding="utf-8"?>
+<p:sld xmlns:a="http://schemas.openxmlformats.org/drawingml/2006/main" xmlns:r="http://schemas.openxmlformats.org/officeDocument/2006/relationships" xmlns:p="http://schemas.openxmlformats.org/presentationml/2006/main">
+  <p:cSld>
+    <p:spTree>
+      <p:nvGrpSpPr>
+        <p:cNvPr id="1" name=""/>
+        <p:cNvGrpSpPr/>
+        <p:nvPr/>
+      </p:nvGrpSpPr>
+      <p:grpSpPr>
+        <a:xfrm>
+          <a:off x="0" y="0"/>
+          <a:ext cx="0" cy="0"/>
+          <a:chOff x="0" y="0"/>
+          <a:chExt cx="0" cy="0"/>
+        </a:xfrm>
+      </p:grpSpPr>
+      <p:sp>
+        <p:nvSpPr>
+          <p:cNvPr id="2" name="Title 1"/>
+          <p:cNvSpPr>
+            <a:spLocks noGrp="1"/>
+          </p:cNvSpPr>
+          <p:nvPr>
+            <p:ph type="title"/>
+          </p:nvPr>
+        </p:nvSpPr>
+        <p:spPr/>
+        <p:txBody>
+          <a:bodyPr>
+            <a:normAutofit/>
+          </a:bodyPr>
+          <a:lstStyle/>
+          <a:p>
+            <a:r>
+              <a:t>Tipos de Lista — Quando usar cada uma?</a:t>
+            </a:r>
+          </a:p>
+        </p:txBody>
+      </p:sp>
+      <p:sp>
+        <p:nvSpPr>
+          <p:cNvPr id="3" name="Content Placeholder 2"/>
+          <p:cNvSpPr>
+            <a:spLocks noGrp="1"/>
+          </p:cNvSpPr>
+          <p:nvPr>
+            <p:ph idx="1"/>
+          </p:nvPr>
+        </p:nvSpPr>
+        <p:spPr/>
+        <p:txBody>
+          <a:bodyPr/>
+          <a:lstStyle/>
+          <a:p>
+            <a:r>
+              <a:t>📃 FlatList: Ideal para listas grandes e homogêneas com rolagem vertical</a:t>
+            </a:r>
+          </a:p>
+          <a:p>
+            <a:r>
+              <a:t>📑 SectionList: Ideal para listas com divisões por seções (ex: contatos por letra)</a:t>
+            </a:r>
+          </a:p>
+          <a:p>
+            <a:r>
+              <a:t>🔁 ScrollView: Para conteúdo pequeno e fixo — carrega tudo na memória</a:t>
+            </a:r>
+          </a:p>
+          <a:p>
+            <a:r>
+              <a:t>⚠️ Não use ScrollView para grandes quantidades de dados → causa lentidão</a:t>
+            </a:r>
+          </a:p>
+        </p:txBody>
+      </p:sp>
+    </p:spTree>
+  </p:cSld>
+  <p:clrMapOvr>
+    <a:masterClrMapping/>
+  </p:clrMapOvr>
+</p:sld>
+</file>
+
+<file path=ppt/slides/slide52.xml><?xml version="1.0" encoding="utf-8"?>
+<p:sld xmlns:a="http://schemas.openxmlformats.org/drawingml/2006/main" xmlns:r="http://schemas.openxmlformats.org/officeDocument/2006/relationships" xmlns:p="http://schemas.openxmlformats.org/presentationml/2006/main">
+  <p:cSld>
+    <p:spTree>
+      <p:nvGrpSpPr>
+        <p:cNvPr id="1" name=""/>
+        <p:cNvGrpSpPr/>
+        <p:nvPr/>
+      </p:nvGrpSpPr>
+      <p:grpSpPr>
+        <a:xfrm>
+          <a:off x="0" y="0"/>
+          <a:ext cx="0" cy="0"/>
+          <a:chOff x="0" y="0"/>
+          <a:chExt cx="0" cy="0"/>
+        </a:xfrm>
+      </p:grpSpPr>
+      <p:sp>
+        <p:nvSpPr>
+          <p:cNvPr id="2" name="Title 1"/>
+          <p:cNvSpPr>
+            <a:spLocks noGrp="1"/>
+          </p:cNvSpPr>
+          <p:nvPr>
+            <p:ph type="title"/>
+          </p:nvPr>
+        </p:nvSpPr>
+        <p:spPr/>
+        <p:txBody>
+          <a:bodyPr/>
+          <a:lstStyle/>
+          <a:p>
+            <a:r>
+              <a:t>FlatList — O que faz?</a:t>
+            </a:r>
+          </a:p>
+        </p:txBody>
+      </p:sp>
+      <p:sp>
+        <p:nvSpPr>
+          <p:cNvPr id="3" name="Content Placeholder 2"/>
+          <p:cNvSpPr>
+            <a:spLocks noGrp="1"/>
+          </p:cNvSpPr>
+          <p:nvPr>
+            <p:ph idx="1"/>
+          </p:nvPr>
+        </p:nvSpPr>
+        <p:spPr/>
+        <p:txBody>
+          <a:bodyPr/>
+          <a:lstStyle/>
+          <a:p>
+            <a:r>
+              <a:t>📋 Lista eficiente para muitos itens</a:t>
+            </a:r>
+          </a:p>
+          <a:p>
+            <a:r>
+              <a:t>Rolagem vertical, renderiza apenas o visível</a:t>
+            </a:r>
+          </a:p>
+          <a:p>
+            <a:r>
+              <a:t>Exemplo: &lt;FlatList data={dados} renderItem={...} /&gt;</a:t>
+            </a:r>
+          </a:p>
+        </p:txBody>
+      </p:sp>
+    </p:spTree>
+  </p:cSld>
+  <p:clrMapOvr>
+    <a:masterClrMapping/>
+  </p:clrMapOvr>
+</p:sld>
+</file>
+
+<file path=ppt/slides/slide53.xml><?xml version="1.0" encoding="utf-8"?>
+<p:sld xmlns:a="http://schemas.openxmlformats.org/drawingml/2006/main" xmlns:r="http://schemas.openxmlformats.org/officeDocument/2006/relationships" xmlns:p="http://schemas.openxmlformats.org/presentationml/2006/main">
+  <p:cSld>
+    <p:spTree>
+      <p:nvGrpSpPr>
+        <p:cNvPr id="1" name=""/>
+        <p:cNvGrpSpPr/>
+        <p:nvPr/>
+      </p:nvGrpSpPr>
+      <p:grpSpPr>
+        <a:xfrm>
+          <a:off x="0" y="0"/>
+          <a:ext cx="0" cy="0"/>
+          <a:chOff x="0" y="0"/>
+          <a:chExt cx="0" cy="0"/>
+        </a:xfrm>
+      </p:grpSpPr>
+      <p:sp>
+        <p:nvSpPr>
+          <p:cNvPr id="2" name="Title 1"/>
+          <p:cNvSpPr>
+            <a:spLocks noGrp="1"/>
+          </p:cNvSpPr>
+          <p:nvPr>
+            <p:ph type="title"/>
+          </p:nvPr>
+        </p:nvSpPr>
+        <p:spPr/>
+        <p:txBody>
+          <a:bodyPr/>
+          <a:lstStyle/>
+          <a:p>
+            <a:r>
+              <a:t>Picker — O que faz?</a:t>
+            </a:r>
+          </a:p>
+        </p:txBody>
+      </p:sp>
+      <p:sp>
+        <p:nvSpPr>
+          <p:cNvPr id="3" name="Content Placeholder 2"/>
+          <p:cNvSpPr>
+            <a:spLocks noGrp="1"/>
+          </p:cNvSpPr>
+          <p:nvPr>
+            <p:ph idx="1"/>
+          </p:nvPr>
+        </p:nvSpPr>
+        <p:spPr/>
+        <p:txBody>
+          <a:bodyPr/>
+          <a:lstStyle/>
+          <a:p>
+            <a:r>
+              <a:t>🎛️ Componente para seleção entre várias opções</a:t>
+            </a:r>
+          </a:p>
+          <a:p>
+            <a:r>
+              <a:t>Semelhante ao dropdown</a:t>
+            </a:r>
+          </a:p>
+          <a:p>
+            <a:r>
+              <a:t>Exemplo: &lt;Picker selectedValue={...} onValueChange={...}&gt;...&lt;/Picker&gt;</a:t>
+            </a:r>
+          </a:p>
+        </p:txBody>
+      </p:sp>
+    </p:spTree>
+  </p:cSld>
+  <p:clrMapOvr>
+    <a:masterClrMapping/>
+  </p:clrMapOvr>
+</p:sld>
+</file>
+
+<file path=ppt/slides/slide54.xml><?xml version="1.0" encoding="utf-8"?>
+<p:sld xmlns:a="http://schemas.openxmlformats.org/drawingml/2006/main" xmlns:r="http://schemas.openxmlformats.org/officeDocument/2006/relationships" xmlns:p="http://schemas.openxmlformats.org/presentationml/2006/main">
+  <p:cSld>
+    <p:spTree>
+      <p:nvGrpSpPr>
+        <p:cNvPr id="1" name=""/>
+        <p:cNvGrpSpPr/>
+        <p:nvPr/>
+      </p:nvGrpSpPr>
+      <p:grpSpPr>
+        <a:xfrm>
+          <a:off x="0" y="0"/>
+          <a:ext cx="0" cy="0"/>
+          <a:chOff x="0" y="0"/>
+          <a:chExt cx="0" cy="0"/>
+        </a:xfrm>
+      </p:grpSpPr>
+      <p:sp>
+        <p:nvSpPr>
+          <p:cNvPr id="2" name="Title 1"/>
+          <p:cNvSpPr>
+            <a:spLocks noGrp="1"/>
+          </p:cNvSpPr>
+          <p:nvPr>
+            <p:ph type="title"/>
+          </p:nvPr>
+        </p:nvSpPr>
+        <p:spPr/>
+        <p:txBody>
+          <a:bodyPr/>
+          <a:lstStyle/>
+          <a:p>
+            <a:r>
+              <a:t>StatusBar — O que faz?</a:t>
+            </a:r>
+          </a:p>
+        </p:txBody>
+      </p:sp>
+      <p:sp>
+        <p:nvSpPr>
+          <p:cNvPr id="3" name="Content Placeholder 2"/>
+          <p:cNvSpPr>
+            <a:spLocks noGrp="1"/>
+          </p:cNvSpPr>
+          <p:nvPr>
+            <p:ph idx="1"/>
+          </p:nvPr>
+        </p:nvSpPr>
+        <p:spPr/>
+        <p:txBody>
+          <a:bodyPr/>
+          <a:lstStyle/>
+          <a:p>
+            <a:r>
+              <a:t>📶 Permite personalizar a barra de status do celular</a:t>
+            </a:r>
+          </a:p>
+          <a:p>
+            <a:r>
+              <a:t>Mudar cor, ocultar ou alterar estilo (light/dark)</a:t>
+            </a:r>
+          </a:p>
+          <a:p>
+            <a:r>
+              <a:t>Exemplo: &lt;StatusBar barStyle='dark-content' /&gt;</a:t>
+            </a:r>
+          </a:p>
+        </p:txBody>
+      </p:sp>
+    </p:spTree>
+  </p:cSld>
+  <p:clrMapOvr>
+    <a:masterClrMapping/>
+  </p:clrMapOvr>
+</p:sld>
+</file>
+
+<file path=ppt/slides/slide55.xml><?xml version="1.0" encoding="utf-8"?>
+<p:sld xmlns:a="http://schemas.openxmlformats.org/drawingml/2006/main" xmlns:r="http://schemas.openxmlformats.org/officeDocument/2006/relationships" xmlns:p="http://schemas.openxmlformats.org/presentationml/2006/main">
+  <p:cSld>
+    <p:spTree>
+      <p:nvGrpSpPr>
+        <p:cNvPr id="1" name=""/>
+        <p:cNvGrpSpPr/>
+        <p:nvPr/>
+      </p:nvGrpSpPr>
+      <p:grpSpPr>
+        <a:xfrm>
+          <a:off x="0" y="0"/>
+          <a:ext cx="0" cy="0"/>
+          <a:chOff x="0" y="0"/>
+          <a:chExt cx="0" cy="0"/>
+        </a:xfrm>
+      </p:grpSpPr>
+      <p:sp>
+        <p:nvSpPr>
+          <p:cNvPr id="2" name="Title 1"/>
+          <p:cNvSpPr>
+            <a:spLocks noGrp="1"/>
+          </p:cNvSpPr>
+          <p:nvPr>
+            <p:ph type="title"/>
+          </p:nvPr>
+        </p:nvSpPr>
+        <p:spPr/>
+        <p:txBody>
+          <a:bodyPr/>
+          <a:lstStyle/>
+          <a:p>
+            <a:r>
+              <a:t>Switch — O que faz?</a:t>
+            </a:r>
+          </a:p>
+        </p:txBody>
+      </p:sp>
+      <p:sp>
+        <p:nvSpPr>
+          <p:cNvPr id="3" name="Content Placeholder 2"/>
+          <p:cNvSpPr>
+            <a:spLocks noGrp="1"/>
+          </p:cNvSpPr>
+          <p:nvPr>
+            <p:ph idx="1"/>
+          </p:nvPr>
+        </p:nvSpPr>
+        <p:spPr/>
+        <p:txBody>
+          <a:bodyPr/>
+          <a:lstStyle/>
+          <a:p>
+            <a:r>
+              <a:t>🔀 Botão de alternância (on/off)</a:t>
+            </a:r>
+          </a:p>
+          <a:p>
+            <a:r>
+              <a:t>Usado para configurações ou preferências</a:t>
+            </a:r>
+          </a:p>
+          <a:p>
+            <a:r>
+              <a:t>Exemplo: &lt;Switch value={isAtivo} onValueChange={setIsAtivo} /&gt;</a:t>
+            </a:r>
+          </a:p>
+        </p:txBody>
+      </p:sp>
+    </p:spTree>
+  </p:cSld>
+  <p:clrMapOvr>
+    <a:masterClrMapping/>
+  </p:clrMapOvr>
+</p:sld>
+</file>
+
+<file path=ppt/slides/slide56.xml><?xml version="1.0" encoding="utf-8"?>
+<p:sld xmlns:a="http://schemas.openxmlformats.org/drawingml/2006/main" xmlns:r="http://schemas.openxmlformats.org/officeDocument/2006/relationships" xmlns:p="http://schemas.openxmlformats.org/presentationml/2006/main">
+  <p:cSld>
+    <p:spTree>
+      <p:nvGrpSpPr>
+        <p:cNvPr id="1" name=""/>
+        <p:cNvGrpSpPr/>
+        <p:nvPr/>
+      </p:nvGrpSpPr>
+      <p:grpSpPr>
+        <a:xfrm>
+          <a:off x="0" y="0"/>
+          <a:ext cx="0" cy="0"/>
+          <a:chOff x="0" y="0"/>
+          <a:chExt cx="0" cy="0"/>
+        </a:xfrm>
+      </p:grpSpPr>
+      <p:sp>
+        <p:nvSpPr>
+          <p:cNvPr id="2" name="Title 1"/>
+          <p:cNvSpPr>
+            <a:spLocks noGrp="1"/>
+          </p:cNvSpPr>
+          <p:nvPr>
+            <p:ph type="title"/>
+          </p:nvPr>
+        </p:nvSpPr>
+        <p:spPr/>
+        <p:txBody>
+          <a:bodyPr/>
+          <a:lstStyle/>
+          <a:p>
+            <a:r>
+              <a:t>ScrollView — O que faz?</a:t>
+            </a:r>
+          </a:p>
+        </p:txBody>
+      </p:sp>
+      <p:sp>
+        <p:nvSpPr>
+          <p:cNvPr id="3" name="Content Placeholder 2"/>
+          <p:cNvSpPr>
+            <a:spLocks noGrp="1"/>
+          </p:cNvSpPr>
+          <p:nvPr>
+            <p:ph idx="1"/>
+          </p:nvPr>
+        </p:nvSpPr>
+        <p:spPr/>
+        <p:txBody>
+          <a:bodyPr/>
+          <a:lstStyle/>
+          <a:p>
+            <a:r>
+              <a:t>📜 Container com rolagem para conteúdos longos</a:t>
+            </a:r>
+          </a:p>
+          <a:p>
+            <a:r>
+              <a:t>Carrega todos os elementos na memória</a:t>
+            </a:r>
+          </a:p>
+          <a:p>
+            <a:r>
+              <a:t>Evitar para listas grandes</a:t>
+            </a:r>
+          </a:p>
+        </p:txBody>
+      </p:sp>
+    </p:spTree>
+  </p:cSld>
+  <p:clrMapOvr>
+    <a:masterClrMapping/>
+  </p:clrMapOvr>
+</p:sld>
+</file>
+
+<file path=ppt/slides/slide57.xml><?xml version="1.0" encoding="utf-8"?>
+<p:sld xmlns:a="http://schemas.openxmlformats.org/drawingml/2006/main" xmlns:r="http://schemas.openxmlformats.org/officeDocument/2006/relationships" xmlns:p="http://schemas.openxmlformats.org/presentationml/2006/main">
+  <p:cSld>
+    <p:spTree>
+      <p:nvGrpSpPr>
+        <p:cNvPr id="1" name=""/>
+        <p:cNvGrpSpPr/>
+        <p:nvPr/>
+      </p:nvGrpSpPr>
+      <p:grpSpPr>
+        <a:xfrm>
+          <a:off x="0" y="0"/>
+          <a:ext cx="0" cy="0"/>
+          <a:chOff x="0" y="0"/>
+          <a:chExt cx="0" cy="0"/>
+        </a:xfrm>
+      </p:grpSpPr>
+      <p:sp>
+        <p:nvSpPr>
+          <p:cNvPr id="2" name="Title 1"/>
+          <p:cNvSpPr>
+            <a:spLocks noGrp="1"/>
+          </p:cNvSpPr>
+          <p:nvPr>
+            <p:ph type="title"/>
+          </p:nvPr>
+        </p:nvSpPr>
+        <p:spPr/>
+        <p:txBody>
+          <a:bodyPr/>
+          <a:lstStyle/>
+          <a:p>
+            <a:r>
+              <a:t>SectionList — O que faz?</a:t>
+            </a:r>
+          </a:p>
+        </p:txBody>
+      </p:sp>
+      <p:sp>
+        <p:nvSpPr>
+          <p:cNvPr id="3" name="Content Placeholder 2"/>
+          <p:cNvSpPr>
+            <a:spLocks noGrp="1"/>
+          </p:cNvSpPr>
+          <p:nvPr>
+            <p:ph idx="1"/>
+          </p:nvPr>
+        </p:nvSpPr>
+        <p:spPr/>
+        <p:txBody>
+          <a:bodyPr/>
+          <a:lstStyle/>
+          <a:p>
+            <a:r>
+              <a:t>📚 Lista agrupada por seções</a:t>
+            </a:r>
+          </a:p>
+          <a:p>
+            <a:r>
+              <a:t>Exemplo: contatos por letra, categorias</a:t>
+            </a:r>
+          </a:p>
+          <a:p>
+            <a:r>
+              <a:t>Exemplo: &lt;SectionList sections={dados} renderItem={...} /&gt;</a:t>
+            </a:r>
+          </a:p>
+        </p:txBody>
+      </p:sp>
+    </p:spTree>
+  </p:cSld>
+  <p:clrMapOvr>
+    <a:masterClrMapping/>
+  </p:clrMapOvr>
+</p:sld>
+</file>
+
+<file path=ppt/slides/slide58.xml><?xml version="1.0" encoding="utf-8"?>
+<p:sld xmlns:a="http://schemas.openxmlformats.org/drawingml/2006/main" xmlns:r="http://schemas.openxmlformats.org/officeDocument/2006/relationships" xmlns:p="http://schemas.openxmlformats.org/presentationml/2006/main">
+  <p:cSld>
+    <p:spTree>
+      <p:nvGrpSpPr>
+        <p:cNvPr id="1" name=""/>
+        <p:cNvGrpSpPr/>
+        <p:nvPr/>
+      </p:nvGrpSpPr>
+      <p:grpSpPr>
+        <a:xfrm>
+          <a:off x="0" y="0"/>
+          <a:ext cx="0" cy="0"/>
+          <a:chOff x="0" y="0"/>
+          <a:chExt cx="0" cy="0"/>
+        </a:xfrm>
+      </p:grpSpPr>
+      <p:sp>
+        <p:nvSpPr>
+          <p:cNvPr id="2" name="Title 1"/>
+          <p:cNvSpPr>
+            <a:spLocks noGrp="1"/>
+          </p:cNvSpPr>
+          <p:nvPr>
+            <p:ph type="title"/>
+          </p:nvPr>
+        </p:nvSpPr>
+        <p:spPr/>
+        <p:txBody>
+          <a:bodyPr/>
+          <a:lstStyle/>
+          <a:p>
+            <a:r>
+              <a:t>ListView — O que faz?</a:t>
+            </a:r>
+          </a:p>
+        </p:txBody>
+      </p:sp>
+      <p:sp>
+        <p:nvSpPr>
+          <p:cNvPr id="3" name="Content Placeholder 2"/>
+          <p:cNvSpPr>
+            <a:spLocks noGrp="1"/>
+          </p:cNvSpPr>
+          <p:nvPr>
+            <p:ph idx="1"/>
+          </p:nvPr>
+        </p:nvSpPr>
+        <p:spPr/>
+        <p:txBody>
+          <a:bodyPr/>
+          <a:lstStyle/>
+          <a:p>
+            <a:r>
+              <a:t>📛 Obsoleto! Substituído por FlatList e SectionList</a:t>
+            </a:r>
+          </a:p>
+          <a:p>
+            <a:r>
+              <a:t>Evitar usar em projetos novos</a:t>
+            </a:r>
+          </a:p>
+          <a:p>
+            <a:r>
+              <a:t>Só aparece em códigos antigos ou legados</a:t>
+            </a:r>
+          </a:p>
+        </p:txBody>
+      </p:sp>
+    </p:spTree>
+  </p:cSld>
+  <p:clrMapOvr>
+    <a:masterClrMapping/>
+  </p:clrMapOvr>
+</p:sld>
+</file>
+
+<file path=ppt/slides/slide59.xml><?xml version="1.0" encoding="utf-8"?>
 <p:sld xmlns:a="http://schemas.openxmlformats.org/drawingml/2006/main" xmlns:r="http://schemas.openxmlformats.org/officeDocument/2006/relationships" xmlns:p="http://schemas.openxmlformats.org/presentationml/2006/main">
   <p:cSld>
     <p:spTree>
